--- a/Додаток До Коду.pptx
+++ b/Додаток До Коду.pptx
@@ -5,39 +5,41 @@
     <p:sldMasterId id="2147483790" r:id="rId1"/>
   </p:sldMasterIdLst>
   <p:notesMasterIdLst>
-    <p:notesMasterId r:id="rId32"/>
+    <p:notesMasterId r:id="rId34"/>
   </p:notesMasterIdLst>
   <p:sldIdLst>
     <p:sldId id="256" r:id="rId2"/>
     <p:sldId id="321" r:id="rId3"/>
     <p:sldId id="323" r:id="rId4"/>
-    <p:sldId id="334" r:id="rId5"/>
-    <p:sldId id="335" r:id="rId6"/>
-    <p:sldId id="336" r:id="rId7"/>
-    <p:sldId id="333" r:id="rId8"/>
-    <p:sldId id="337" r:id="rId9"/>
-    <p:sldId id="284" r:id="rId10"/>
-    <p:sldId id="338" r:id="rId11"/>
-    <p:sldId id="339" r:id="rId12"/>
-    <p:sldId id="282" r:id="rId13"/>
-    <p:sldId id="283" r:id="rId14"/>
-    <p:sldId id="340" r:id="rId15"/>
-    <p:sldId id="285" r:id="rId16"/>
-    <p:sldId id="331" r:id="rId17"/>
-    <p:sldId id="332" r:id="rId18"/>
-    <p:sldId id="289" r:id="rId19"/>
-    <p:sldId id="325" r:id="rId20"/>
-    <p:sldId id="326" r:id="rId21"/>
-    <p:sldId id="327" r:id="rId22"/>
-    <p:sldId id="328" r:id="rId23"/>
-    <p:sldId id="286" r:id="rId24"/>
-    <p:sldId id="288" r:id="rId25"/>
-    <p:sldId id="287" r:id="rId26"/>
-    <p:sldId id="330" r:id="rId27"/>
-    <p:sldId id="290" r:id="rId28"/>
-    <p:sldId id="324" r:id="rId29"/>
-    <p:sldId id="329" r:id="rId30"/>
-    <p:sldId id="341" r:id="rId31"/>
+    <p:sldId id="342" r:id="rId5"/>
+    <p:sldId id="343" r:id="rId6"/>
+    <p:sldId id="334" r:id="rId7"/>
+    <p:sldId id="335" r:id="rId8"/>
+    <p:sldId id="336" r:id="rId9"/>
+    <p:sldId id="333" r:id="rId10"/>
+    <p:sldId id="337" r:id="rId11"/>
+    <p:sldId id="284" r:id="rId12"/>
+    <p:sldId id="338" r:id="rId13"/>
+    <p:sldId id="339" r:id="rId14"/>
+    <p:sldId id="282" r:id="rId15"/>
+    <p:sldId id="283" r:id="rId16"/>
+    <p:sldId id="340" r:id="rId17"/>
+    <p:sldId id="285" r:id="rId18"/>
+    <p:sldId id="331" r:id="rId19"/>
+    <p:sldId id="332" r:id="rId20"/>
+    <p:sldId id="289" r:id="rId21"/>
+    <p:sldId id="325" r:id="rId22"/>
+    <p:sldId id="326" r:id="rId23"/>
+    <p:sldId id="327" r:id="rId24"/>
+    <p:sldId id="328" r:id="rId25"/>
+    <p:sldId id="286" r:id="rId26"/>
+    <p:sldId id="288" r:id="rId27"/>
+    <p:sldId id="287" r:id="rId28"/>
+    <p:sldId id="330" r:id="rId29"/>
+    <p:sldId id="290" r:id="rId30"/>
+    <p:sldId id="324" r:id="rId31"/>
+    <p:sldId id="329" r:id="rId32"/>
+    <p:sldId id="341" r:id="rId33"/>
   </p:sldIdLst>
   <p:sldSz cx="12192000" cy="6858000"/>
   <p:notesSz cx="6858000" cy="9144000"/>
@@ -559,7 +561,7 @@
           <a:p>
             <a:fld id="{F4AD96C4-1B6A-40D7-9719-6185B77A0141}" type="slidenum">
               <a:rPr lang="ru-UA" smtClean="0"/>
-              <a:t>28</a:t>
+              <a:t>30</a:t>
             </a:fld>
             <a:endParaRPr lang="ru-UA"/>
           </a:p>
@@ -8218,15 +8220,37 @@
             </a:r>
             <a:r>
               <a:rPr lang="ru-RU" dirty="0"/>
-              <a:t> фабрики </a:t>
-            </a:r>
-            <a:r>
-              <a:rPr lang="ru-RU" dirty="0" err="1"/>
-              <a:t>засобами</a:t>
-            </a:r>
-            <a:r>
-              <a:rPr lang="ru-RU" dirty="0"/>
-              <a:t> С++</a:t>
+              <a:t> фабрики</a:t>
+            </a:r>
+          </a:p>
+          <a:p>
+            <a:r>
+              <a:rPr lang="ru-RU" dirty="0"/>
+              <a:t>(рекомендовано для </a:t>
+            </a:r>
+            <a:r>
+              <a:rPr lang="ru-RU" dirty="0" err="1"/>
+              <a:t>поціновувачів</a:t>
+            </a:r>
+            <a:r>
+              <a:rPr lang="ru-RU" dirty="0"/>
+              <a:t> </a:t>
+            </a:r>
+            <a:r>
+              <a:rPr lang="ru-RU" dirty="0" err="1"/>
+              <a:t>узагальненого</a:t>
+            </a:r>
+            <a:r>
+              <a:rPr lang="ru-RU" dirty="0"/>
+              <a:t> </a:t>
+            </a:r>
+            <a:r>
+              <a:rPr lang="ru-RU" dirty="0" err="1"/>
+              <a:t>програмування</a:t>
+            </a:r>
+            <a:r>
+              <a:rPr lang="ru-RU" dirty="0"/>
+              <a:t> на С++)</a:t>
             </a:r>
             <a:endParaRPr lang="en-US" dirty="0"/>
           </a:p>
@@ -8296,6 +8320,934 @@
           <p:cNvPr id="2" name="Title 1">
             <a:extLst>
               <a:ext uri="{FF2B5EF4-FFF2-40B4-BE49-F238E27FC236}">
+                <a16:creationId xmlns:a16="http://schemas.microsoft.com/office/drawing/2014/main" id="{FEF3B073-FE39-128D-F577-10151E30B0BE}"/>
+              </a:ext>
+            </a:extLst>
+          </p:cNvPr>
+          <p:cNvSpPr>
+            <a:spLocks noGrp="1"/>
+          </p:cNvSpPr>
+          <p:nvPr>
+            <p:ph type="title"/>
+          </p:nvPr>
+        </p:nvSpPr>
+        <p:spPr/>
+        <p:txBody>
+          <a:bodyPr/>
+          <a:lstStyle/>
+          <a:p>
+            <a:r>
+              <a:rPr lang="en-US" dirty="0" err="1"/>
+              <a:t>GenScatterHierarchy</a:t>
+            </a:r>
+            <a:r>
+              <a:rPr lang="en-US" dirty="0"/>
+              <a:t>: </a:t>
+            </a:r>
+            <a:r>
+              <a:rPr lang="ru-RU" dirty="0" err="1"/>
+              <a:t>оголошення</a:t>
+            </a:r>
+            <a:endParaRPr lang="en-US" dirty="0"/>
+          </a:p>
+        </p:txBody>
+      </p:sp>
+      <p:sp>
+        <p:nvSpPr>
+          <p:cNvPr id="3" name="Content Placeholder 2">
+            <a:extLst>
+              <a:ext uri="{FF2B5EF4-FFF2-40B4-BE49-F238E27FC236}">
+                <a16:creationId xmlns:a16="http://schemas.microsoft.com/office/drawing/2014/main" id="{F8F9AA12-D1FB-AD0B-303F-5EE5B3E872DC}"/>
+              </a:ext>
+            </a:extLst>
+          </p:cNvPr>
+          <p:cNvSpPr>
+            <a:spLocks noGrp="1"/>
+          </p:cNvSpPr>
+          <p:nvPr>
+            <p:ph idx="1"/>
+          </p:nvPr>
+        </p:nvSpPr>
+        <p:spPr>
+          <a:xfrm>
+            <a:off x="2589212" y="2133600"/>
+            <a:ext cx="8915400" cy="1750243"/>
+          </a:xfrm>
+        </p:spPr>
+        <p:txBody>
+          <a:bodyPr>
+            <a:normAutofit fontScale="92500" lnSpcReduction="20000"/>
+          </a:bodyPr>
+          <a:lstStyle/>
+          <a:p>
+            <a:pPr marL="0" indent="0">
+              <a:buNone/>
+            </a:pPr>
+            <a:r>
+              <a:rPr lang="en-US" dirty="0" err="1"/>
+              <a:t>GenScatterHierarchy</a:t>
+            </a:r>
+            <a:r>
+              <a:rPr lang="en-US" dirty="0"/>
+              <a:t> </a:t>
+            </a:r>
+            <a:r>
+              <a:rPr lang="ru-RU" dirty="0"/>
+              <a:t>як </a:t>
+            </a:r>
+            <a:r>
+              <a:rPr lang="ru-RU" dirty="0" err="1"/>
+              <a:t>параметризований</a:t>
+            </a:r>
+            <a:r>
+              <a:rPr lang="ru-RU" dirty="0"/>
+              <a:t> </a:t>
+            </a:r>
+            <a:r>
+              <a:rPr lang="ru-RU" dirty="0" err="1"/>
+              <a:t>клас</a:t>
+            </a:r>
+            <a:r>
+              <a:rPr lang="ru-RU" dirty="0"/>
+              <a:t> </a:t>
+            </a:r>
+            <a:r>
+              <a:rPr lang="ru-RU" dirty="0" err="1"/>
+              <a:t>міститиме</a:t>
+            </a:r>
+            <a:r>
+              <a:rPr lang="ru-RU" dirty="0"/>
+              <a:t> два </a:t>
+            </a:r>
+            <a:r>
+              <a:rPr lang="ru-RU" dirty="0" err="1"/>
+              <a:t>типові</a:t>
+            </a:r>
+            <a:r>
+              <a:rPr lang="ru-RU" dirty="0"/>
+              <a:t> </a:t>
+            </a:r>
+            <a:r>
+              <a:rPr lang="ru-RU" dirty="0" err="1"/>
+              <a:t>параметри</a:t>
+            </a:r>
+            <a:r>
+              <a:rPr lang="ru-RU" dirty="0"/>
+              <a:t>: </a:t>
+            </a:r>
+          </a:p>
+          <a:p>
+            <a:r>
+              <a:rPr lang="ru-RU" dirty="0"/>
+              <a:t>список </a:t>
+            </a:r>
+            <a:r>
+              <a:rPr lang="ru-RU" dirty="0" err="1"/>
+              <a:t>типів</a:t>
+            </a:r>
+            <a:r>
+              <a:rPr lang="ru-RU" dirty="0"/>
+              <a:t>, за </a:t>
+            </a:r>
+            <a:r>
+              <a:rPr lang="ru-RU" dirty="0" err="1"/>
+              <a:t>яким</a:t>
+            </a:r>
+            <a:r>
+              <a:rPr lang="ru-RU" dirty="0"/>
+              <a:t> </a:t>
+            </a:r>
+            <a:r>
+              <a:rPr lang="ru-RU" dirty="0" err="1"/>
+              <a:t>генерується</a:t>
+            </a:r>
+            <a:r>
+              <a:rPr lang="ru-RU" dirty="0"/>
+              <a:t> </a:t>
+            </a:r>
+            <a:r>
+              <a:rPr lang="ru-RU" dirty="0" err="1"/>
+              <a:t>ієрархія</a:t>
+            </a:r>
+            <a:endParaRPr lang="ru-RU" dirty="0"/>
+          </a:p>
+          <a:p>
+            <a:r>
+              <a:rPr lang="ru-RU" dirty="0" err="1"/>
+              <a:t>юніт</a:t>
+            </a:r>
+            <a:r>
+              <a:rPr lang="ru-RU" dirty="0"/>
+              <a:t>, в </a:t>
+            </a:r>
+            <a:r>
+              <a:rPr lang="ru-RU" dirty="0" err="1"/>
+              <a:t>кожен</a:t>
+            </a:r>
+            <a:r>
+              <a:rPr lang="ru-RU" dirty="0"/>
+              <a:t> з </a:t>
+            </a:r>
+            <a:r>
+              <a:rPr lang="ru-RU" dirty="0" err="1"/>
+              <a:t>яких</a:t>
+            </a:r>
+            <a:r>
+              <a:rPr lang="ru-RU" dirty="0"/>
+              <a:t> </a:t>
+            </a:r>
+            <a:r>
+              <a:rPr lang="ru-RU" dirty="0" err="1"/>
+              <a:t>підставиться</a:t>
+            </a:r>
+            <a:r>
+              <a:rPr lang="ru-RU" dirty="0"/>
+              <a:t> </a:t>
+            </a:r>
+            <a:r>
+              <a:rPr lang="ru-RU" dirty="0" err="1"/>
+              <a:t>кожен</a:t>
+            </a:r>
+            <a:r>
+              <a:rPr lang="ru-RU" dirty="0"/>
+              <a:t> тип </a:t>
+            </a:r>
+            <a:r>
+              <a:rPr lang="ru-RU" dirty="0" err="1"/>
+              <a:t>зі</a:t>
+            </a:r>
+            <a:r>
+              <a:rPr lang="ru-RU" dirty="0"/>
+              <a:t> списку</a:t>
+            </a:r>
+          </a:p>
+          <a:p>
+            <a:pPr marL="0" indent="0">
+              <a:buNone/>
+            </a:pPr>
+            <a:r>
+              <a:rPr lang="en-US" dirty="0" err="1"/>
+              <a:t>GenScatterHierarchy</a:t>
+            </a:r>
+            <a:r>
+              <a:rPr lang="en-US" dirty="0"/>
+              <a:t> </a:t>
+            </a:r>
+            <a:r>
+              <a:rPr lang="ru-RU" dirty="0" err="1"/>
+              <a:t>вбере</a:t>
+            </a:r>
+            <a:r>
+              <a:rPr lang="ru-RU" dirty="0"/>
+              <a:t> у себе </a:t>
+            </a:r>
+            <a:r>
+              <a:rPr lang="ru-RU" dirty="0" err="1"/>
+              <a:t>функціональність</a:t>
+            </a:r>
+            <a:r>
+              <a:rPr lang="ru-RU" dirty="0"/>
+              <a:t> кожного </a:t>
+            </a:r>
+            <a:r>
+              <a:rPr lang="ru-RU" dirty="0" err="1"/>
+              <a:t>юніта</a:t>
+            </a:r>
+            <a:r>
+              <a:rPr lang="ru-RU" dirty="0"/>
+              <a:t> шляхом </a:t>
+            </a:r>
+            <a:r>
+              <a:rPr lang="ru-RU" dirty="0" err="1"/>
+              <a:t>наслідування</a:t>
+            </a:r>
+            <a:r>
+              <a:rPr lang="ru-RU" dirty="0"/>
+              <a:t> (</a:t>
+            </a:r>
+            <a:r>
+              <a:rPr lang="ru-RU" dirty="0" err="1"/>
+              <a:t>далі</a:t>
+            </a:r>
+            <a:r>
+              <a:rPr lang="ru-RU" dirty="0"/>
+              <a:t> буде </a:t>
+            </a:r>
+            <a:r>
+              <a:rPr lang="ru-RU" dirty="0" err="1"/>
+              <a:t>діаграма</a:t>
+            </a:r>
+            <a:r>
+              <a:rPr lang="ru-RU" dirty="0"/>
+              <a:t>).</a:t>
+            </a:r>
+            <a:endParaRPr lang="en-US" dirty="0"/>
+          </a:p>
+        </p:txBody>
+      </p:sp>
+      <p:sp>
+        <p:nvSpPr>
+          <p:cNvPr id="5" name="TextBox 4">
+            <a:extLst>
+              <a:ext uri="{FF2B5EF4-FFF2-40B4-BE49-F238E27FC236}">
+                <a16:creationId xmlns:a16="http://schemas.microsoft.com/office/drawing/2014/main" id="{D1F5FE11-EEEC-FF74-1BBE-930DED4E69C0}"/>
+              </a:ext>
+            </a:extLst>
+          </p:cNvPr>
+          <p:cNvSpPr txBox="1"/>
+          <p:nvPr/>
+        </p:nvSpPr>
+        <p:spPr>
+          <a:xfrm>
+            <a:off x="2987896" y="4150945"/>
+            <a:ext cx="8118032" cy="923330"/>
+          </a:xfrm>
+          <a:prstGeom prst="rect">
+            <a:avLst/>
+          </a:prstGeom>
+          <a:noFill/>
+        </p:spPr>
+        <p:txBody>
+          <a:bodyPr wrap="square">
+            <a:spAutoFit/>
+          </a:bodyPr>
+          <a:lstStyle/>
+          <a:p>
+            <a:endParaRPr lang="en-US" sz="1800" dirty="0">
+              <a:solidFill>
+                <a:srgbClr val="000000"/>
+              </a:solidFill>
+              <a:latin typeface="Cascadia Mono" panose="020B0609020000020004" pitchFamily="49" charset="0"/>
+            </a:endParaRPr>
+          </a:p>
+          <a:p>
+            <a:r>
+              <a:rPr lang="en-US" sz="1800" dirty="0">
+                <a:solidFill>
+                  <a:srgbClr val="000000"/>
+                </a:solidFill>
+                <a:latin typeface="Cascadia Mono" panose="020B0609020000020004" pitchFamily="49" charset="0"/>
+              </a:rPr>
+              <a:t>    </a:t>
+            </a:r>
+            <a:r>
+              <a:rPr lang="en-US" sz="1800" dirty="0">
+                <a:solidFill>
+                  <a:srgbClr val="0000FF"/>
+                </a:solidFill>
+                <a:latin typeface="Cascadia Mono" panose="020B0609020000020004" pitchFamily="49" charset="0"/>
+              </a:rPr>
+              <a:t>template</a:t>
+            </a:r>
+            <a:r>
+              <a:rPr lang="en-US" sz="1800" dirty="0">
+                <a:solidFill>
+                  <a:srgbClr val="000000"/>
+                </a:solidFill>
+                <a:latin typeface="Cascadia Mono" panose="020B0609020000020004" pitchFamily="49" charset="0"/>
+              </a:rPr>
+              <a:t> &lt;</a:t>
+            </a:r>
+            <a:r>
+              <a:rPr lang="en-US" sz="1800" dirty="0">
+                <a:solidFill>
+                  <a:srgbClr val="0000FF"/>
+                </a:solidFill>
+                <a:latin typeface="Cascadia Mono" panose="020B0609020000020004" pitchFamily="49" charset="0"/>
+              </a:rPr>
+              <a:t>class</a:t>
+            </a:r>
+            <a:r>
+              <a:rPr lang="en-US" sz="1800" dirty="0">
+                <a:solidFill>
+                  <a:srgbClr val="000000"/>
+                </a:solidFill>
+                <a:latin typeface="Cascadia Mono" panose="020B0609020000020004" pitchFamily="49" charset="0"/>
+              </a:rPr>
+              <a:t> </a:t>
+            </a:r>
+            <a:r>
+              <a:rPr lang="en-US" sz="1800" dirty="0" err="1">
+                <a:solidFill>
+                  <a:srgbClr val="2B91AF"/>
+                </a:solidFill>
+                <a:latin typeface="Cascadia Mono" panose="020B0609020000020004" pitchFamily="49" charset="0"/>
+              </a:rPr>
+              <a:t>TList</a:t>
+            </a:r>
+            <a:r>
+              <a:rPr lang="en-US" sz="1800" dirty="0">
+                <a:solidFill>
+                  <a:srgbClr val="000000"/>
+                </a:solidFill>
+                <a:latin typeface="Cascadia Mono" panose="020B0609020000020004" pitchFamily="49" charset="0"/>
+              </a:rPr>
+              <a:t>, </a:t>
+            </a:r>
+            <a:r>
+              <a:rPr lang="en-US" sz="1800" dirty="0">
+                <a:solidFill>
+                  <a:srgbClr val="0000FF"/>
+                </a:solidFill>
+                <a:latin typeface="Cascadia Mono" panose="020B0609020000020004" pitchFamily="49" charset="0"/>
+              </a:rPr>
+              <a:t>template</a:t>
+            </a:r>
+            <a:r>
+              <a:rPr lang="en-US" sz="1800" dirty="0">
+                <a:solidFill>
+                  <a:srgbClr val="000000"/>
+                </a:solidFill>
+                <a:latin typeface="Cascadia Mono" panose="020B0609020000020004" pitchFamily="49" charset="0"/>
+              </a:rPr>
+              <a:t> &lt;</a:t>
+            </a:r>
+            <a:r>
+              <a:rPr lang="en-US" sz="1800" dirty="0">
+                <a:solidFill>
+                  <a:srgbClr val="0000FF"/>
+                </a:solidFill>
+                <a:latin typeface="Cascadia Mono" panose="020B0609020000020004" pitchFamily="49" charset="0"/>
+              </a:rPr>
+              <a:t>class</a:t>
+            </a:r>
+            <a:r>
+              <a:rPr lang="en-US" sz="1800" dirty="0">
+                <a:solidFill>
+                  <a:srgbClr val="000000"/>
+                </a:solidFill>
+                <a:latin typeface="Cascadia Mono" panose="020B0609020000020004" pitchFamily="49" charset="0"/>
+              </a:rPr>
+              <a:t>&gt; </a:t>
+            </a:r>
+            <a:r>
+              <a:rPr lang="en-US" sz="1800" dirty="0">
+                <a:solidFill>
+                  <a:srgbClr val="0000FF"/>
+                </a:solidFill>
+                <a:latin typeface="Cascadia Mono" panose="020B0609020000020004" pitchFamily="49" charset="0"/>
+              </a:rPr>
+              <a:t>class</a:t>
+            </a:r>
+            <a:r>
+              <a:rPr lang="en-US" sz="1800" dirty="0">
+                <a:solidFill>
+                  <a:srgbClr val="000000"/>
+                </a:solidFill>
+                <a:latin typeface="Cascadia Mono" panose="020B0609020000020004" pitchFamily="49" charset="0"/>
+              </a:rPr>
+              <a:t> </a:t>
+            </a:r>
+            <a:r>
+              <a:rPr lang="en-US" sz="1800" dirty="0">
+                <a:solidFill>
+                  <a:srgbClr val="2B91AF"/>
+                </a:solidFill>
+                <a:latin typeface="Cascadia Mono" panose="020B0609020000020004" pitchFamily="49" charset="0"/>
+              </a:rPr>
+              <a:t>Unit</a:t>
+            </a:r>
+            <a:r>
+              <a:rPr lang="en-US" sz="1800" dirty="0">
+                <a:solidFill>
+                  <a:srgbClr val="000000"/>
+                </a:solidFill>
+                <a:latin typeface="Cascadia Mono" panose="020B0609020000020004" pitchFamily="49" charset="0"/>
+              </a:rPr>
+              <a:t>&gt;</a:t>
+            </a:r>
+          </a:p>
+          <a:p>
+            <a:r>
+              <a:rPr lang="en-US" sz="1800" dirty="0">
+                <a:solidFill>
+                  <a:srgbClr val="000000"/>
+                </a:solidFill>
+                <a:latin typeface="Cascadia Mono" panose="020B0609020000020004" pitchFamily="49" charset="0"/>
+              </a:rPr>
+              <a:t>    </a:t>
+            </a:r>
+            <a:r>
+              <a:rPr lang="en-US" sz="1800" dirty="0">
+                <a:solidFill>
+                  <a:srgbClr val="0000FF"/>
+                </a:solidFill>
+                <a:latin typeface="Cascadia Mono" panose="020B0609020000020004" pitchFamily="49" charset="0"/>
+              </a:rPr>
+              <a:t>class</a:t>
+            </a:r>
+            <a:r>
+              <a:rPr lang="en-US" sz="1800" dirty="0">
+                <a:solidFill>
+                  <a:srgbClr val="000000"/>
+                </a:solidFill>
+                <a:latin typeface="Cascadia Mono" panose="020B0609020000020004" pitchFamily="49" charset="0"/>
+              </a:rPr>
+              <a:t> </a:t>
+            </a:r>
+            <a:r>
+              <a:rPr lang="en-US" sz="1800" dirty="0" err="1">
+                <a:solidFill>
+                  <a:srgbClr val="2B91AF"/>
+                </a:solidFill>
+                <a:latin typeface="Cascadia Mono" panose="020B0609020000020004" pitchFamily="49" charset="0"/>
+              </a:rPr>
+              <a:t>GenScatterHierarchy</a:t>
+            </a:r>
+            <a:r>
+              <a:rPr lang="en-US" sz="1800" dirty="0">
+                <a:solidFill>
+                  <a:srgbClr val="000000"/>
+                </a:solidFill>
+                <a:latin typeface="Cascadia Mono" panose="020B0609020000020004" pitchFamily="49" charset="0"/>
+              </a:rPr>
+              <a:t>;</a:t>
+            </a:r>
+            <a:endParaRPr lang="en-US" dirty="0"/>
+          </a:p>
+        </p:txBody>
+      </p:sp>
+      <p:sp>
+        <p:nvSpPr>
+          <p:cNvPr id="4" name="Slide Number Placeholder 3">
+            <a:extLst>
+              <a:ext uri="{FF2B5EF4-FFF2-40B4-BE49-F238E27FC236}">
+                <a16:creationId xmlns:a16="http://schemas.microsoft.com/office/drawing/2014/main" id="{5A9E32B0-175E-E446-51EB-1289D4DB6FED}"/>
+              </a:ext>
+            </a:extLst>
+          </p:cNvPr>
+          <p:cNvSpPr>
+            <a:spLocks noGrp="1"/>
+          </p:cNvSpPr>
+          <p:nvPr>
+            <p:ph type="sldNum" sz="quarter" idx="12"/>
+          </p:nvPr>
+        </p:nvSpPr>
+        <p:spPr/>
+        <p:txBody>
+          <a:bodyPr/>
+          <a:lstStyle/>
+          <a:p>
+            <a:fld id="{A18EF1EA-E2A2-4F50-BB23-E89A51CC8F5B}" type="slidenum">
+              <a:rPr lang="en-US" smtClean="0"/>
+              <a:t>10</a:t>
+            </a:fld>
+            <a:endParaRPr lang="en-US"/>
+          </a:p>
+        </p:txBody>
+      </p:sp>
+    </p:spTree>
+    <p:extLst>
+      <p:ext uri="{BB962C8B-B14F-4D97-AF65-F5344CB8AC3E}">
+        <p14:creationId xmlns:p14="http://schemas.microsoft.com/office/powerpoint/2010/main" val="3763437758"/>
+      </p:ext>
+    </p:extLst>
+  </p:cSld>
+  <p:clrMapOvr>
+    <a:masterClrMapping/>
+  </p:clrMapOvr>
+</p:sld>
+</file>
+
+<file path=ppt/slides/slide11.xml><?xml version="1.0" encoding="utf-8"?>
+<p:sld xmlns:a="http://schemas.openxmlformats.org/drawingml/2006/main" xmlns:r="http://schemas.openxmlformats.org/officeDocument/2006/relationships" xmlns:p="http://schemas.openxmlformats.org/presentationml/2006/main">
+  <p:cSld>
+    <p:spTree>
+      <p:nvGrpSpPr>
+        <p:cNvPr id="1" name=""/>
+        <p:cNvGrpSpPr/>
+        <p:nvPr/>
+      </p:nvGrpSpPr>
+      <p:grpSpPr>
+        <a:xfrm>
+          <a:off x="0" y="0"/>
+          <a:ext cx="0" cy="0"/>
+          <a:chOff x="0" y="0"/>
+          <a:chExt cx="0" cy="0"/>
+        </a:xfrm>
+      </p:grpSpPr>
+      <p:sp>
+        <p:nvSpPr>
+          <p:cNvPr id="2" name="Заголовок 1">
+            <a:extLst>
+              <a:ext uri="{FF2B5EF4-FFF2-40B4-BE49-F238E27FC236}">
+                <a16:creationId xmlns:a16="http://schemas.microsoft.com/office/drawing/2014/main" id="{79906986-9005-01FE-C17E-878017B60B16}"/>
+              </a:ext>
+            </a:extLst>
+          </p:cNvPr>
+          <p:cNvSpPr>
+            <a:spLocks noGrp="1"/>
+          </p:cNvSpPr>
+          <p:nvPr>
+            <p:ph type="title"/>
+          </p:nvPr>
+        </p:nvSpPr>
+        <p:spPr/>
+        <p:txBody>
+          <a:bodyPr/>
+          <a:lstStyle/>
+          <a:p>
+            <a:r>
+              <a:rPr lang="en-US" dirty="0" err="1"/>
+              <a:t>GenScatterHierarchy</a:t>
+            </a:r>
+            <a:r>
+              <a:rPr lang="ru-RU" dirty="0"/>
+              <a:t>: </a:t>
+            </a:r>
+            <a:r>
+              <a:rPr lang="ru-RU" dirty="0" err="1"/>
+              <a:t>діаграма</a:t>
+            </a:r>
+            <a:endParaRPr lang="ru-UA" dirty="0"/>
+          </a:p>
+        </p:txBody>
+      </p:sp>
+      <p:pic>
+        <p:nvPicPr>
+          <p:cNvPr id="5" name="Місце для вмісту 4">
+            <a:extLst>
+              <a:ext uri="{FF2B5EF4-FFF2-40B4-BE49-F238E27FC236}">
+                <a16:creationId xmlns:a16="http://schemas.microsoft.com/office/drawing/2014/main" id="{BD813341-4B59-E035-A547-4FCDB787D91A}"/>
+              </a:ext>
+            </a:extLst>
+          </p:cNvPr>
+          <p:cNvPicPr>
+            <a:picLocks noGrp="1" noChangeAspect="1"/>
+          </p:cNvPicPr>
+          <p:nvPr>
+            <p:ph idx="1"/>
+          </p:nvPr>
+        </p:nvPicPr>
+        <p:blipFill>
+          <a:blip r:embed="rId2"/>
+          <a:stretch>
+            <a:fillRect/>
+          </a:stretch>
+        </p:blipFill>
+        <p:spPr>
+          <a:xfrm>
+            <a:off x="6264264" y="1905000"/>
+            <a:ext cx="5623231" cy="4593626"/>
+          </a:xfrm>
+        </p:spPr>
+      </p:pic>
+      <p:sp>
+        <p:nvSpPr>
+          <p:cNvPr id="7" name="TextBox 6">
+            <a:extLst>
+              <a:ext uri="{FF2B5EF4-FFF2-40B4-BE49-F238E27FC236}">
+                <a16:creationId xmlns:a16="http://schemas.microsoft.com/office/drawing/2014/main" id="{E2F2B3DF-FA12-69A4-E279-4BBA51EA9877}"/>
+              </a:ext>
+            </a:extLst>
+          </p:cNvPr>
+          <p:cNvSpPr txBox="1"/>
+          <p:nvPr/>
+        </p:nvSpPr>
+        <p:spPr>
+          <a:xfrm>
+            <a:off x="2592924" y="2216654"/>
+            <a:ext cx="3503075" cy="4247317"/>
+          </a:xfrm>
+          <a:prstGeom prst="rect">
+            <a:avLst/>
+          </a:prstGeom>
+          <a:noFill/>
+        </p:spPr>
+        <p:txBody>
+          <a:bodyPr wrap="square">
+            <a:spAutoFit/>
+          </a:bodyPr>
+          <a:lstStyle/>
+          <a:p>
+            <a:r>
+              <a:rPr lang="ru-RU" dirty="0"/>
+              <a:t>Як </a:t>
+            </a:r>
+            <a:r>
+              <a:rPr lang="ru-RU" dirty="0" err="1"/>
+              <a:t>бачимо</a:t>
+            </a:r>
+            <a:r>
+              <a:rPr lang="ru-RU" dirty="0"/>
+              <a:t>, </a:t>
+            </a:r>
+            <a:r>
+              <a:rPr lang="ru-RU" dirty="0" err="1"/>
+              <a:t>кожна</a:t>
+            </a:r>
+            <a:r>
+              <a:rPr lang="ru-RU" dirty="0"/>
+              <a:t> </a:t>
+            </a:r>
+            <a:r>
+              <a:rPr lang="ru-RU" dirty="0" err="1"/>
+              <a:t>конкретизація</a:t>
+            </a:r>
+            <a:r>
+              <a:rPr lang="ru-RU" dirty="0"/>
+              <a:t> </a:t>
+            </a:r>
+            <a:r>
+              <a:rPr lang="en-US" dirty="0" err="1"/>
+              <a:t>GenScatterHierarchy</a:t>
+            </a:r>
+            <a:r>
+              <a:rPr lang="en-US" dirty="0"/>
+              <a:t>, </a:t>
+            </a:r>
+            <a:r>
+              <a:rPr lang="ru-RU" dirty="0"/>
+              <a:t>яка </a:t>
+            </a:r>
+            <a:r>
+              <a:rPr lang="ru-RU" dirty="0" err="1"/>
+              <a:t>знаходиться</a:t>
+            </a:r>
+            <a:r>
+              <a:rPr lang="ru-RU" dirty="0"/>
+              <a:t> </a:t>
+            </a:r>
+            <a:r>
+              <a:rPr lang="ru-RU" dirty="0" err="1"/>
+              <a:t>нижче</a:t>
+            </a:r>
+            <a:r>
+              <a:rPr lang="ru-RU" dirty="0"/>
+              <a:t> по </a:t>
+            </a:r>
+            <a:r>
+              <a:rPr lang="ru-RU" dirty="0" err="1"/>
+              <a:t>ієрархії</a:t>
+            </a:r>
+            <a:r>
+              <a:rPr lang="ru-RU" dirty="0"/>
+              <a:t>, </a:t>
+            </a:r>
+            <a:r>
+              <a:rPr lang="ru-RU" dirty="0" err="1"/>
+              <a:t>вбирає</a:t>
+            </a:r>
+            <a:r>
+              <a:rPr lang="ru-RU" dirty="0"/>
+              <a:t> в себе </a:t>
+            </a:r>
+            <a:r>
+              <a:rPr lang="ru-RU" dirty="0" err="1"/>
+              <a:t>функціонал</a:t>
+            </a:r>
+            <a:r>
+              <a:rPr lang="ru-RU" dirty="0"/>
+              <a:t> </a:t>
+            </a:r>
+            <a:r>
+              <a:rPr lang="ru-RU" dirty="0" err="1"/>
+              <a:t>юнітів</a:t>
+            </a:r>
+            <a:r>
+              <a:rPr lang="ru-RU" dirty="0"/>
+              <a:t>, </a:t>
+            </a:r>
+            <a:r>
+              <a:rPr lang="ru-RU" dirty="0" err="1"/>
+              <a:t>що</a:t>
+            </a:r>
+            <a:r>
+              <a:rPr lang="ru-RU" dirty="0"/>
+              <a:t> лежать </a:t>
+            </a:r>
+            <a:r>
+              <a:rPr lang="ru-RU" dirty="0" err="1"/>
+              <a:t>вище</a:t>
+            </a:r>
+            <a:r>
+              <a:rPr lang="ru-RU" dirty="0"/>
+              <a:t>.</a:t>
+            </a:r>
+          </a:p>
+          <a:p>
+            <a:r>
+              <a:rPr lang="ru-RU" dirty="0" err="1"/>
+              <a:t>Рекурсія</a:t>
+            </a:r>
+            <a:r>
+              <a:rPr lang="ru-RU" dirty="0"/>
+              <a:t> тут </a:t>
+            </a:r>
+            <a:r>
+              <a:rPr lang="ru-RU" dirty="0" err="1"/>
+              <a:t>лише</a:t>
+            </a:r>
+            <a:r>
+              <a:rPr lang="ru-RU" dirty="0"/>
+              <a:t> для </a:t>
+            </a:r>
+            <a:r>
+              <a:rPr lang="ru-RU" dirty="0" err="1"/>
+              <a:t>проходження</a:t>
+            </a:r>
+            <a:r>
+              <a:rPr lang="ru-RU" dirty="0"/>
+              <a:t> по списку </a:t>
+            </a:r>
+            <a:r>
+              <a:rPr lang="ru-RU" dirty="0" err="1"/>
+              <a:t>типів</a:t>
+            </a:r>
+            <a:r>
+              <a:rPr lang="ru-RU" dirty="0"/>
+              <a:t>.</a:t>
+            </a:r>
+          </a:p>
+          <a:p>
+            <a:r>
+              <a:rPr lang="ru-RU" dirty="0" err="1"/>
+              <a:t>Аби</a:t>
+            </a:r>
+            <a:r>
+              <a:rPr lang="ru-RU" dirty="0"/>
+              <a:t> </a:t>
+            </a:r>
+            <a:r>
+              <a:rPr lang="ru-RU" dirty="0" err="1"/>
+              <a:t>досягти</a:t>
+            </a:r>
+            <a:r>
+              <a:rPr lang="ru-RU" dirty="0"/>
+              <a:t> </a:t>
+            </a:r>
+            <a:r>
+              <a:rPr lang="ru-RU" dirty="0" err="1"/>
+              <a:t>такої</a:t>
+            </a:r>
+            <a:r>
+              <a:rPr lang="ru-RU" dirty="0"/>
+              <a:t> </a:t>
+            </a:r>
+            <a:r>
+              <a:rPr lang="ru-RU" dirty="0" err="1"/>
+              <a:t>ієрархії</a:t>
+            </a:r>
+            <a:r>
+              <a:rPr lang="ru-RU" dirty="0"/>
+              <a:t>, </a:t>
+            </a:r>
+            <a:r>
+              <a:rPr lang="ru-RU" dirty="0" err="1"/>
+              <a:t>скористаємося</a:t>
+            </a:r>
+            <a:r>
+              <a:rPr lang="ru-RU" dirty="0"/>
+              <a:t> </a:t>
+            </a:r>
+            <a:r>
+              <a:rPr lang="ru-RU" dirty="0" err="1"/>
+              <a:t>потужними</a:t>
+            </a:r>
+            <a:r>
+              <a:rPr lang="ru-RU" dirty="0"/>
+              <a:t> </a:t>
+            </a:r>
+            <a:r>
+              <a:rPr lang="ru-RU" dirty="0" err="1"/>
+              <a:t>можливостями</a:t>
+            </a:r>
+            <a:r>
+              <a:rPr lang="ru-RU" dirty="0"/>
+              <a:t> </a:t>
+            </a:r>
+            <a:r>
+              <a:rPr lang="ru-RU" dirty="0" err="1"/>
+              <a:t>узагальненого</a:t>
+            </a:r>
+            <a:r>
+              <a:rPr lang="ru-RU" dirty="0"/>
+              <a:t> </a:t>
+            </a:r>
+            <a:r>
+              <a:rPr lang="ru-RU" dirty="0" err="1"/>
+              <a:t>програмування</a:t>
+            </a:r>
+            <a:r>
+              <a:rPr lang="ru-RU" dirty="0"/>
+              <a:t> на </a:t>
+            </a:r>
+            <a:r>
+              <a:rPr lang="ru-RU" dirty="0" err="1"/>
+              <a:t>мові</a:t>
+            </a:r>
+            <a:r>
+              <a:rPr lang="ru-RU" dirty="0"/>
+              <a:t> С++.</a:t>
+            </a:r>
+            <a:endParaRPr lang="en-US" dirty="0"/>
+          </a:p>
+        </p:txBody>
+      </p:sp>
+      <p:sp>
+        <p:nvSpPr>
+          <p:cNvPr id="3" name="Slide Number Placeholder 2">
+            <a:extLst>
+              <a:ext uri="{FF2B5EF4-FFF2-40B4-BE49-F238E27FC236}">
+                <a16:creationId xmlns:a16="http://schemas.microsoft.com/office/drawing/2014/main" id="{CB594AFD-5C21-D89B-0AC3-20136D679C97}"/>
+              </a:ext>
+            </a:extLst>
+          </p:cNvPr>
+          <p:cNvSpPr>
+            <a:spLocks noGrp="1"/>
+          </p:cNvSpPr>
+          <p:nvPr>
+            <p:ph type="sldNum" sz="quarter" idx="12"/>
+          </p:nvPr>
+        </p:nvSpPr>
+        <p:spPr/>
+        <p:txBody>
+          <a:bodyPr/>
+          <a:lstStyle/>
+          <a:p>
+            <a:fld id="{A18EF1EA-E2A2-4F50-BB23-E89A51CC8F5B}" type="slidenum">
+              <a:rPr lang="en-US" smtClean="0"/>
+              <a:t>11</a:t>
+            </a:fld>
+            <a:endParaRPr lang="en-US"/>
+          </a:p>
+        </p:txBody>
+      </p:sp>
+    </p:spTree>
+    <p:extLst>
+      <p:ext uri="{BB962C8B-B14F-4D97-AF65-F5344CB8AC3E}">
+        <p14:creationId xmlns:p14="http://schemas.microsoft.com/office/powerpoint/2010/main" val="3705525984"/>
+      </p:ext>
+    </p:extLst>
+  </p:cSld>
+  <p:clrMapOvr>
+    <a:masterClrMapping/>
+  </p:clrMapOvr>
+</p:sld>
+</file>
+
+<file path=ppt/slides/slide12.xml><?xml version="1.0" encoding="utf-8"?>
+<p:sld xmlns:a="http://schemas.openxmlformats.org/drawingml/2006/main" xmlns:r="http://schemas.openxmlformats.org/officeDocument/2006/relationships" xmlns:p="http://schemas.openxmlformats.org/presentationml/2006/main">
+  <p:cSld>
+    <p:spTree>
+      <p:nvGrpSpPr>
+        <p:cNvPr id="1" name=""/>
+        <p:cNvGrpSpPr/>
+        <p:nvPr/>
+      </p:nvGrpSpPr>
+      <p:grpSpPr>
+        <a:xfrm>
+          <a:off x="0" y="0"/>
+          <a:ext cx="0" cy="0"/>
+          <a:chOff x="0" y="0"/>
+          <a:chExt cx="0" cy="0"/>
+        </a:xfrm>
+      </p:grpSpPr>
+      <p:sp>
+        <p:nvSpPr>
+          <p:cNvPr id="2" name="Title 1">
+            <a:extLst>
+              <a:ext uri="{FF2B5EF4-FFF2-40B4-BE49-F238E27FC236}">
                 <a16:creationId xmlns:a16="http://schemas.microsoft.com/office/drawing/2014/main" id="{339249DD-5987-70DC-704D-FAFE8687C959}"/>
               </a:ext>
             </a:extLst>
@@ -9105,7 +10057,7 @@
           <a:p>
             <a:fld id="{A18EF1EA-E2A2-4F50-BB23-E89A51CC8F5B}" type="slidenum">
               <a:rPr lang="en-US" smtClean="0"/>
-              <a:t>10</a:t>
+              <a:t>12</a:t>
             </a:fld>
             <a:endParaRPr lang="en-US"/>
           </a:p>
@@ -9124,7 +10076,7 @@
 </p:sld>
 </file>
 
-<file path=ppt/slides/slide11.xml><?xml version="1.0" encoding="utf-8"?>
+<file path=ppt/slides/slide13.xml><?xml version="1.0" encoding="utf-8"?>
 <p:sld xmlns:a="http://schemas.openxmlformats.org/drawingml/2006/main" xmlns:r="http://schemas.openxmlformats.org/officeDocument/2006/relationships" xmlns:p="http://schemas.openxmlformats.org/presentationml/2006/main">
   <p:cSld>
     <p:spTree>
@@ -9816,7 +10768,7 @@
           <a:p>
             <a:fld id="{A18EF1EA-E2A2-4F50-BB23-E89A51CC8F5B}" type="slidenum">
               <a:rPr lang="en-US" smtClean="0"/>
-              <a:t>11</a:t>
+              <a:t>13</a:t>
             </a:fld>
             <a:endParaRPr lang="en-US"/>
           </a:p>
@@ -9835,7 +10787,7 @@
 </p:sld>
 </file>
 
-<file path=ppt/slides/slide12.xml><?xml version="1.0" encoding="utf-8"?>
+<file path=ppt/slides/slide14.xml><?xml version="1.0" encoding="utf-8"?>
 <p:sld xmlns:a="http://schemas.openxmlformats.org/drawingml/2006/main" xmlns:r="http://schemas.openxmlformats.org/officeDocument/2006/relationships" xmlns:p="http://schemas.openxmlformats.org/presentationml/2006/main">
   <p:cSld>
     <p:spTree>
@@ -10254,7 +11206,7 @@
           <a:p>
             <a:fld id="{A18EF1EA-E2A2-4F50-BB23-E89A51CC8F5B}" type="slidenum">
               <a:rPr lang="en-US" smtClean="0"/>
-              <a:t>12</a:t>
+              <a:t>14</a:t>
             </a:fld>
             <a:endParaRPr lang="en-US"/>
           </a:p>
@@ -10273,7 +11225,7 @@
 </p:sld>
 </file>
 
-<file path=ppt/slides/slide13.xml><?xml version="1.0" encoding="utf-8"?>
+<file path=ppt/slides/slide15.xml><?xml version="1.0" encoding="utf-8"?>
 <p:sld xmlns:a="http://schemas.openxmlformats.org/drawingml/2006/main" xmlns:r="http://schemas.openxmlformats.org/officeDocument/2006/relationships" xmlns:p="http://schemas.openxmlformats.org/presentationml/2006/main">
   <p:cSld>
     <p:spTree>
@@ -11009,7 +11961,7 @@
           <a:p>
             <a:fld id="{A18EF1EA-E2A2-4F50-BB23-E89A51CC8F5B}" type="slidenum">
               <a:rPr lang="en-US" smtClean="0"/>
-              <a:t>13</a:t>
+              <a:t>15</a:t>
             </a:fld>
             <a:endParaRPr lang="en-US"/>
           </a:p>
@@ -11028,7 +11980,7 @@
 </p:sld>
 </file>
 
-<file path=ppt/slides/slide14.xml><?xml version="1.0" encoding="utf-8"?>
+<file path=ppt/slides/slide16.xml><?xml version="1.0" encoding="utf-8"?>
 <p:sld xmlns:a="http://schemas.openxmlformats.org/drawingml/2006/main" xmlns:r="http://schemas.openxmlformats.org/officeDocument/2006/relationships" xmlns:p="http://schemas.openxmlformats.org/presentationml/2006/main">
   <p:cSld>
     <p:spTree>
@@ -11164,7 +12116,7 @@
           <a:p>
             <a:fld id="{A18EF1EA-E2A2-4F50-BB23-E89A51CC8F5B}" type="slidenum">
               <a:rPr lang="en-US" smtClean="0"/>
-              <a:t>14</a:t>
+              <a:t>16</a:t>
             </a:fld>
             <a:endParaRPr lang="en-US"/>
           </a:p>
@@ -11183,7 +12135,7 @@
 </p:sld>
 </file>
 
-<file path=ppt/slides/slide15.xml><?xml version="1.0" encoding="utf-8"?>
+<file path=ppt/slides/slide17.xml><?xml version="1.0" encoding="utf-8"?>
 <p:sld xmlns:a="http://schemas.openxmlformats.org/drawingml/2006/main" xmlns:r="http://schemas.openxmlformats.org/officeDocument/2006/relationships" xmlns:p="http://schemas.openxmlformats.org/presentationml/2006/main">
   <p:cSld>
     <p:spTree>
@@ -11704,7 +12656,7 @@
           <a:p>
             <a:fld id="{A18EF1EA-E2A2-4F50-BB23-E89A51CC8F5B}" type="slidenum">
               <a:rPr lang="en-US" smtClean="0"/>
-              <a:t>15</a:t>
+              <a:t>17</a:t>
             </a:fld>
             <a:endParaRPr lang="en-US"/>
           </a:p>
@@ -11723,7 +12675,7 @@
 </p:sld>
 </file>
 
-<file path=ppt/slides/slide16.xml><?xml version="1.0" encoding="utf-8"?>
+<file path=ppt/slides/slide18.xml><?xml version="1.0" encoding="utf-8"?>
 <p:sld xmlns:a="http://schemas.openxmlformats.org/drawingml/2006/main" xmlns:r="http://schemas.openxmlformats.org/officeDocument/2006/relationships" xmlns:p="http://schemas.openxmlformats.org/presentationml/2006/main">
   <p:cSld>
     <p:spTree>
@@ -12020,6 +12972,50 @@
               </a:rPr>
               <a:t>;</a:t>
             </a:r>
+            <a:endParaRPr lang="ru-RU" sz="1800" dirty="0">
+              <a:solidFill>
+                <a:srgbClr val="2B91AF"/>
+              </a:solidFill>
+              <a:latin typeface="Cascadia Mono" panose="020B0609020000020004" pitchFamily="49" charset="0"/>
+            </a:endParaRPr>
+          </a:p>
+          <a:p>
+            <a:r>
+              <a:rPr lang="en-US" sz="1800" dirty="0">
+                <a:solidFill>
+                  <a:srgbClr val="2B91AF"/>
+                </a:solidFill>
+                <a:latin typeface="Cascadia Mono" panose="020B0609020000020004" pitchFamily="49" charset="0"/>
+              </a:rPr>
+              <a:t>Type2Type</a:t>
+            </a:r>
+            <a:r>
+              <a:rPr lang="ru-RU" dirty="0">
+                <a:solidFill>
+                  <a:srgbClr val="2B91AF"/>
+                </a:solidFill>
+                <a:latin typeface="Cascadia Mono" panose="020B0609020000020004" pitchFamily="49" charset="0"/>
+              </a:rPr>
+              <a:t> –</a:t>
+            </a:r>
+            <a:r>
+              <a:rPr lang="en-US" dirty="0">
+                <a:solidFill>
+                  <a:srgbClr val="2B91AF"/>
+                </a:solidFill>
+                <a:latin typeface="Cascadia Mono" panose="020B0609020000020004" pitchFamily="49" charset="0"/>
+              </a:rPr>
+              <a:t>&gt; </a:t>
+            </a:r>
+            <a:r>
+              <a:rPr lang="en-US" sz="1800" dirty="0">
+                <a:solidFill>
+                  <a:srgbClr val="2B91AF"/>
+                </a:solidFill>
+                <a:latin typeface="Cascadia Mono" panose="020B0609020000020004" pitchFamily="49" charset="0"/>
+              </a:rPr>
+              <a:t>Dispatcher</a:t>
+            </a:r>
             <a:endParaRPr lang="en-US" dirty="0"/>
           </a:p>
         </p:txBody>
@@ -12047,7 +13043,7 @@
           <a:p>
             <a:fld id="{A18EF1EA-E2A2-4F50-BB23-E89A51CC8F5B}" type="slidenum">
               <a:rPr lang="en-US" smtClean="0"/>
-              <a:t>16</a:t>
+              <a:t>18</a:t>
             </a:fld>
             <a:endParaRPr lang="en-US"/>
           </a:p>
@@ -12066,7 +13062,7 @@
 </p:sld>
 </file>
 
-<file path=ppt/slides/slide17.xml><?xml version="1.0" encoding="utf-8"?>
+<file path=ppt/slides/slide19.xml><?xml version="1.0" encoding="utf-8"?>
 <p:sld xmlns:a="http://schemas.openxmlformats.org/drawingml/2006/main" xmlns:r="http://schemas.openxmlformats.org/officeDocument/2006/relationships" xmlns:p="http://schemas.openxmlformats.org/presentationml/2006/main">
   <p:cSld>
     <p:spTree>
@@ -12579,7 +13575,7 @@
           <a:p>
             <a:fld id="{A18EF1EA-E2A2-4F50-BB23-E89A51CC8F5B}" type="slidenum">
               <a:rPr lang="en-US" smtClean="0"/>
-              <a:t>17</a:t>
+              <a:t>19</a:t>
             </a:fld>
             <a:endParaRPr lang="en-US"/>
           </a:p>
@@ -12598,7 +13594,779 @@
 </p:sld>
 </file>
 
-<file path=ppt/slides/slide18.xml><?xml version="1.0" encoding="utf-8"?>
+<file path=ppt/slides/slide2.xml><?xml version="1.0" encoding="utf-8"?>
+<p:sld xmlns:a="http://schemas.openxmlformats.org/drawingml/2006/main" xmlns:r="http://schemas.openxmlformats.org/officeDocument/2006/relationships" xmlns:p="http://schemas.openxmlformats.org/presentationml/2006/main">
+  <p:cSld>
+    <p:spTree>
+      <p:nvGrpSpPr>
+        <p:cNvPr id="1" name=""/>
+        <p:cNvGrpSpPr/>
+        <p:nvPr/>
+      </p:nvGrpSpPr>
+      <p:grpSpPr>
+        <a:xfrm>
+          <a:off x="0" y="0"/>
+          <a:ext cx="0" cy="0"/>
+          <a:chOff x="0" y="0"/>
+          <a:chExt cx="0" cy="0"/>
+        </a:xfrm>
+      </p:grpSpPr>
+      <p:sp>
+        <p:nvSpPr>
+          <p:cNvPr id="2" name="Заголовок 1">
+            <a:extLst>
+              <a:ext uri="{FF2B5EF4-FFF2-40B4-BE49-F238E27FC236}">
+                <a16:creationId xmlns:a16="http://schemas.microsoft.com/office/drawing/2014/main" id="{49249E41-C118-DB2E-1F59-D7FD5BFFC71E}"/>
+              </a:ext>
+            </a:extLst>
+          </p:cNvPr>
+          <p:cNvSpPr>
+            <a:spLocks noGrp="1"/>
+          </p:cNvSpPr>
+          <p:nvPr>
+            <p:ph type="title"/>
+          </p:nvPr>
+        </p:nvSpPr>
+        <p:spPr/>
+        <p:txBody>
+          <a:bodyPr/>
+          <a:lstStyle/>
+          <a:p>
+            <a:r>
+              <a:rPr lang="ru-RU" dirty="0"/>
+              <a:t>Як </a:t>
+            </a:r>
+            <a:r>
+              <a:rPr lang="ru-RU" dirty="0" err="1"/>
+              <a:t>узагальнити</a:t>
+            </a:r>
+            <a:r>
+              <a:rPr lang="ru-RU" dirty="0"/>
+              <a:t> </a:t>
+            </a:r>
+            <a:r>
+              <a:rPr lang="ru-RU" dirty="0" err="1"/>
+              <a:t>абстрактні</a:t>
+            </a:r>
+            <a:r>
+              <a:rPr lang="ru-RU" dirty="0"/>
+              <a:t> фабрики?</a:t>
+            </a:r>
+            <a:endParaRPr lang="ru-UA" dirty="0"/>
+          </a:p>
+        </p:txBody>
+      </p:sp>
+      <p:sp>
+        <p:nvSpPr>
+          <p:cNvPr id="5" name="Місце для вмісту 4">
+            <a:extLst>
+              <a:ext uri="{FF2B5EF4-FFF2-40B4-BE49-F238E27FC236}">
+                <a16:creationId xmlns:a16="http://schemas.microsoft.com/office/drawing/2014/main" id="{6466EB40-AFF4-640E-BFA4-CE62C8BE372C}"/>
+              </a:ext>
+            </a:extLst>
+          </p:cNvPr>
+          <p:cNvSpPr>
+            <a:spLocks noGrp="1"/>
+          </p:cNvSpPr>
+          <p:nvPr>
+            <p:ph idx="1"/>
+          </p:nvPr>
+        </p:nvSpPr>
+        <p:spPr/>
+        <p:txBody>
+          <a:bodyPr/>
+          <a:lstStyle/>
+          <a:p>
+            <a:r>
+              <a:rPr lang="ru-RU" dirty="0" err="1"/>
+              <a:t>Хотілося</a:t>
+            </a:r>
+            <a:r>
+              <a:rPr lang="ru-RU" dirty="0"/>
+              <a:t> б </a:t>
+            </a:r>
+            <a:r>
+              <a:rPr lang="ru-RU" dirty="0" err="1"/>
+              <a:t>написати</a:t>
+            </a:r>
+            <a:r>
+              <a:rPr lang="ru-RU" dirty="0"/>
+              <a:t> один, </a:t>
+            </a:r>
+            <a:r>
+              <a:rPr lang="ru-RU" dirty="0" err="1"/>
+              <a:t>узагальнений</a:t>
+            </a:r>
+            <a:r>
+              <a:rPr lang="ru-RU" dirty="0"/>
+              <a:t> </a:t>
+            </a:r>
+            <a:r>
+              <a:rPr lang="ru-RU" dirty="0" err="1"/>
+              <a:t>клас</a:t>
+            </a:r>
+            <a:r>
+              <a:rPr lang="ru-RU" dirty="0"/>
+              <a:t>, </a:t>
+            </a:r>
+            <a:r>
+              <a:rPr lang="ru-RU" dirty="0" err="1"/>
+              <a:t>який</a:t>
+            </a:r>
+            <a:r>
+              <a:rPr lang="ru-RU" dirty="0"/>
+              <a:t> би </a:t>
+            </a:r>
+            <a:r>
+              <a:rPr lang="ru-RU" dirty="0" err="1"/>
+              <a:t>генерував</a:t>
+            </a:r>
+            <a:r>
+              <a:rPr lang="ru-RU" dirty="0"/>
+              <a:t> нам </a:t>
+            </a:r>
+            <a:r>
+              <a:rPr lang="ru-RU" dirty="0" err="1"/>
+              <a:t>інтерфейси</a:t>
+            </a:r>
+            <a:r>
+              <a:rPr lang="ru-RU" dirty="0"/>
+              <a:t> та </a:t>
+            </a:r>
+            <a:r>
+              <a:rPr lang="ru-RU" dirty="0" err="1"/>
+              <a:t>реалізації</a:t>
+            </a:r>
+            <a:r>
+              <a:rPr lang="ru-RU" dirty="0"/>
+              <a:t> фабрик </a:t>
+            </a:r>
+            <a:r>
+              <a:rPr lang="ru-RU" dirty="0" err="1"/>
+              <a:t>залежно</a:t>
+            </a:r>
+            <a:r>
+              <a:rPr lang="ru-RU" dirty="0"/>
+              <a:t> </a:t>
+            </a:r>
+            <a:r>
+              <a:rPr lang="ru-RU" dirty="0" err="1"/>
+              <a:t>від</a:t>
+            </a:r>
+            <a:r>
+              <a:rPr lang="ru-RU" dirty="0"/>
+              <a:t> </a:t>
+            </a:r>
+            <a:r>
+              <a:rPr lang="ru-RU" dirty="0" err="1"/>
+              <a:t>типів</a:t>
+            </a:r>
+            <a:r>
+              <a:rPr lang="ru-RU" dirty="0"/>
+              <a:t> </a:t>
+            </a:r>
+            <a:r>
+              <a:rPr lang="ru-RU" dirty="0" err="1"/>
+              <a:t>продуктів</a:t>
+            </a:r>
+            <a:r>
+              <a:rPr lang="ru-RU" dirty="0"/>
+              <a:t>, </a:t>
+            </a:r>
+            <a:r>
+              <a:rPr lang="ru-RU" dirty="0" err="1"/>
+              <a:t>які</a:t>
+            </a:r>
+            <a:r>
+              <a:rPr lang="ru-RU" dirty="0"/>
+              <a:t> ми </a:t>
+            </a:r>
+            <a:r>
+              <a:rPr lang="ru-RU" dirty="0" err="1"/>
+              <a:t>хочемо</a:t>
+            </a:r>
+            <a:r>
+              <a:rPr lang="ru-RU" dirty="0"/>
+              <a:t>, </a:t>
+            </a:r>
+            <a:r>
+              <a:rPr lang="ru-RU" dirty="0" err="1"/>
+              <a:t>щоб</a:t>
+            </a:r>
+            <a:r>
+              <a:rPr lang="ru-RU" dirty="0"/>
+              <a:t> вони </a:t>
+            </a:r>
+            <a:r>
+              <a:rPr lang="ru-RU" dirty="0" err="1"/>
+              <a:t>створювали</a:t>
+            </a:r>
+            <a:endParaRPr lang="ru-RU" dirty="0"/>
+          </a:p>
+          <a:p>
+            <a:r>
+              <a:rPr lang="ru-RU" dirty="0" err="1"/>
+              <a:t>Наприклад</a:t>
+            </a:r>
+            <a:r>
+              <a:rPr lang="ru-RU" dirty="0"/>
+              <a:t>:</a:t>
+            </a:r>
+          </a:p>
+          <a:p>
+            <a:pPr marL="0" indent="0">
+              <a:buNone/>
+            </a:pPr>
+            <a:endParaRPr lang="ru-UA" dirty="0"/>
+          </a:p>
+        </p:txBody>
+      </p:sp>
+      <p:sp>
+        <p:nvSpPr>
+          <p:cNvPr id="7" name="TextBox 6">
+            <a:extLst>
+              <a:ext uri="{FF2B5EF4-FFF2-40B4-BE49-F238E27FC236}">
+                <a16:creationId xmlns:a16="http://schemas.microsoft.com/office/drawing/2014/main" id="{3A72CA68-6A09-4813-B549-382802BA061B}"/>
+              </a:ext>
+            </a:extLst>
+          </p:cNvPr>
+          <p:cNvSpPr txBox="1"/>
+          <p:nvPr/>
+        </p:nvSpPr>
+        <p:spPr>
+          <a:xfrm>
+            <a:off x="3223968" y="3551319"/>
+            <a:ext cx="8757500" cy="2862322"/>
+          </a:xfrm>
+          <a:prstGeom prst="rect">
+            <a:avLst/>
+          </a:prstGeom>
+          <a:noFill/>
+        </p:spPr>
+        <p:txBody>
+          <a:bodyPr wrap="square">
+            <a:spAutoFit/>
+          </a:bodyPr>
+          <a:lstStyle/>
+          <a:p>
+            <a:endParaRPr lang="ru-UA" sz="1800" dirty="0">
+              <a:solidFill>
+                <a:srgbClr val="000000"/>
+              </a:solidFill>
+              <a:latin typeface="Cascadia Mono" panose="020B0609020000020004" pitchFamily="49" charset="0"/>
+            </a:endParaRPr>
+          </a:p>
+          <a:p>
+            <a:r>
+              <a:rPr lang="en-US" sz="1800" dirty="0">
+                <a:solidFill>
+                  <a:srgbClr val="0000FF"/>
+                </a:solidFill>
+                <a:latin typeface="Cascadia Mono" panose="020B0609020000020004" pitchFamily="49" charset="0"/>
+              </a:rPr>
+              <a:t>using</a:t>
+            </a:r>
+            <a:r>
+              <a:rPr lang="en-US" sz="1800" dirty="0">
+                <a:solidFill>
+                  <a:srgbClr val="000000"/>
+                </a:solidFill>
+                <a:latin typeface="Cascadia Mono" panose="020B0609020000020004" pitchFamily="49" charset="0"/>
+              </a:rPr>
+              <a:t> </a:t>
+            </a:r>
+            <a:r>
+              <a:rPr lang="en-US" sz="1800" dirty="0" err="1">
+                <a:solidFill>
+                  <a:srgbClr val="2B91AF"/>
+                </a:solidFill>
+                <a:latin typeface="Cascadia Mono" panose="020B0609020000020004" pitchFamily="49" charset="0"/>
+              </a:rPr>
+              <a:t>AbstractEnemyFactory</a:t>
+            </a:r>
+            <a:r>
+              <a:rPr lang="en-US" sz="1800" dirty="0">
+                <a:solidFill>
+                  <a:srgbClr val="000000"/>
+                </a:solidFill>
+                <a:latin typeface="Cascadia Mono" panose="020B0609020000020004" pitchFamily="49" charset="0"/>
+              </a:rPr>
+              <a:t> = </a:t>
+            </a:r>
+          </a:p>
+          <a:p>
+            <a:r>
+              <a:rPr lang="en-US" sz="1800" dirty="0" err="1">
+                <a:solidFill>
+                  <a:srgbClr val="2B91AF"/>
+                </a:solidFill>
+                <a:latin typeface="Cascadia Mono" panose="020B0609020000020004" pitchFamily="49" charset="0"/>
+              </a:rPr>
+              <a:t>IFactory</a:t>
+            </a:r>
+            <a:r>
+              <a:rPr lang="en-US" sz="1800" dirty="0">
+                <a:solidFill>
+                  <a:srgbClr val="000000"/>
+                </a:solidFill>
+                <a:latin typeface="Cascadia Mono" panose="020B0609020000020004" pitchFamily="49" charset="0"/>
+              </a:rPr>
+              <a:t>&lt;</a:t>
+            </a:r>
+            <a:r>
+              <a:rPr lang="en-US" sz="1800" dirty="0">
+                <a:solidFill>
+                  <a:srgbClr val="2B91AF"/>
+                </a:solidFill>
+                <a:latin typeface="Cascadia Mono" panose="020B0609020000020004" pitchFamily="49" charset="0"/>
+              </a:rPr>
+              <a:t>Soldier</a:t>
+            </a:r>
+            <a:r>
+              <a:rPr lang="en-US" dirty="0">
+                <a:solidFill>
+                  <a:srgbClr val="2B91AF"/>
+                </a:solidFill>
+                <a:latin typeface="Cascadia Mono" panose="020B0609020000020004" pitchFamily="49" charset="0"/>
+              </a:rPr>
+              <a:t>, </a:t>
+            </a:r>
+            <a:r>
+              <a:rPr lang="en-US" sz="1800" dirty="0">
+                <a:solidFill>
+                  <a:srgbClr val="2B91AF"/>
+                </a:solidFill>
+                <a:latin typeface="Cascadia Mono" panose="020B0609020000020004" pitchFamily="49" charset="0"/>
+              </a:rPr>
+              <a:t>Monster</a:t>
+            </a:r>
+            <a:r>
+              <a:rPr lang="en-US" sz="1800" dirty="0">
+                <a:solidFill>
+                  <a:srgbClr val="000000"/>
+                </a:solidFill>
+                <a:latin typeface="Cascadia Mono" panose="020B0609020000020004" pitchFamily="49" charset="0"/>
+              </a:rPr>
+              <a:t>,</a:t>
+            </a:r>
+            <a:r>
+              <a:rPr lang="en-US" sz="1800" dirty="0">
+                <a:solidFill>
+                  <a:srgbClr val="2B91AF"/>
+                </a:solidFill>
+                <a:latin typeface="Cascadia Mono" panose="020B0609020000020004" pitchFamily="49" charset="0"/>
+              </a:rPr>
+              <a:t> </a:t>
+            </a:r>
+            <a:r>
+              <a:rPr lang="en-US" dirty="0" err="1">
+                <a:solidFill>
+                  <a:srgbClr val="2B91AF"/>
+                </a:solidFill>
+                <a:latin typeface="Cascadia Mono" panose="020B0609020000020004" pitchFamily="49" charset="0"/>
+              </a:rPr>
+              <a:t>Super</a:t>
+            </a:r>
+            <a:r>
+              <a:rPr lang="en-US" sz="1800" dirty="0" err="1">
+                <a:solidFill>
+                  <a:srgbClr val="2B91AF"/>
+                </a:solidFill>
+                <a:latin typeface="Cascadia Mono" panose="020B0609020000020004" pitchFamily="49" charset="0"/>
+              </a:rPr>
+              <a:t>Monster</a:t>
+            </a:r>
+            <a:r>
+              <a:rPr lang="en-US" sz="1800" dirty="0">
+                <a:solidFill>
+                  <a:srgbClr val="000000"/>
+                </a:solidFill>
+                <a:latin typeface="Cascadia Mono" panose="020B0609020000020004" pitchFamily="49" charset="0"/>
+              </a:rPr>
+              <a:t>&gt;;</a:t>
+            </a:r>
+            <a:endParaRPr lang="ru-UA" dirty="0"/>
+          </a:p>
+          <a:p>
+            <a:endParaRPr lang="ru-UA" sz="1800" dirty="0">
+              <a:solidFill>
+                <a:srgbClr val="000000"/>
+              </a:solidFill>
+              <a:latin typeface="Cascadia Mono" panose="020B0609020000020004" pitchFamily="49" charset="0"/>
+            </a:endParaRPr>
+          </a:p>
+          <a:p>
+            <a:r>
+              <a:rPr lang="en-US" sz="1800" dirty="0">
+                <a:solidFill>
+                  <a:srgbClr val="0000FF"/>
+                </a:solidFill>
+                <a:latin typeface="Cascadia Mono" panose="020B0609020000020004" pitchFamily="49" charset="0"/>
+              </a:rPr>
+              <a:t>using</a:t>
+            </a:r>
+            <a:r>
+              <a:rPr lang="en-US" sz="1800" dirty="0">
+                <a:solidFill>
+                  <a:srgbClr val="000000"/>
+                </a:solidFill>
+                <a:latin typeface="Cascadia Mono" panose="020B0609020000020004" pitchFamily="49" charset="0"/>
+              </a:rPr>
+              <a:t> </a:t>
+            </a:r>
+            <a:r>
+              <a:rPr lang="en-US" sz="1800" dirty="0" err="1">
+                <a:solidFill>
+                  <a:srgbClr val="2B91AF"/>
+                </a:solidFill>
+                <a:latin typeface="Cascadia Mono" panose="020B0609020000020004" pitchFamily="49" charset="0"/>
+              </a:rPr>
+              <a:t>EasyLevelEnemyFactory</a:t>
+            </a:r>
+            <a:r>
+              <a:rPr lang="en-US" sz="1800" dirty="0">
+                <a:solidFill>
+                  <a:srgbClr val="000000"/>
+                </a:solidFill>
+                <a:latin typeface="Cascadia Mono" panose="020B0609020000020004" pitchFamily="49" charset="0"/>
+              </a:rPr>
+              <a:t> = </a:t>
+            </a:r>
+          </a:p>
+          <a:p>
+            <a:r>
+              <a:rPr lang="en-US" dirty="0" err="1">
+                <a:solidFill>
+                  <a:srgbClr val="2B91AF"/>
+                </a:solidFill>
+                <a:latin typeface="Cascadia Mono" panose="020B0609020000020004" pitchFamily="49" charset="0"/>
+              </a:rPr>
+              <a:t>Concrete</a:t>
+            </a:r>
+            <a:r>
+              <a:rPr lang="en-US" sz="1800" dirty="0" err="1">
+                <a:solidFill>
+                  <a:srgbClr val="2B91AF"/>
+                </a:solidFill>
+                <a:latin typeface="Cascadia Mono" panose="020B0609020000020004" pitchFamily="49" charset="0"/>
+              </a:rPr>
+              <a:t>Factory</a:t>
+            </a:r>
+            <a:r>
+              <a:rPr lang="en-US" sz="1800" dirty="0">
+                <a:solidFill>
+                  <a:srgbClr val="000000"/>
+                </a:solidFill>
+                <a:latin typeface="Cascadia Mono" panose="020B0609020000020004" pitchFamily="49" charset="0"/>
+              </a:rPr>
+              <a:t>&lt;</a:t>
+            </a:r>
+            <a:r>
+              <a:rPr lang="en-US" sz="1800" dirty="0" err="1">
+                <a:solidFill>
+                  <a:srgbClr val="2B91AF"/>
+                </a:solidFill>
+                <a:latin typeface="Cascadia Mono" panose="020B0609020000020004" pitchFamily="49" charset="0"/>
+              </a:rPr>
+              <a:t>SillySoldier</a:t>
+            </a:r>
+            <a:r>
+              <a:rPr lang="en-US" dirty="0">
+                <a:solidFill>
+                  <a:srgbClr val="2B91AF"/>
+                </a:solidFill>
+                <a:latin typeface="Cascadia Mono" panose="020B0609020000020004" pitchFamily="49" charset="0"/>
+              </a:rPr>
+              <a:t>, </a:t>
+            </a:r>
+            <a:r>
+              <a:rPr lang="en-US" dirty="0" err="1">
+                <a:solidFill>
+                  <a:srgbClr val="2B91AF"/>
+                </a:solidFill>
+                <a:latin typeface="Cascadia Mono" panose="020B0609020000020004" pitchFamily="49" charset="0"/>
+              </a:rPr>
+              <a:t>Silly</a:t>
+            </a:r>
+            <a:r>
+              <a:rPr lang="en-US" sz="1800" dirty="0" err="1">
+                <a:solidFill>
+                  <a:srgbClr val="2B91AF"/>
+                </a:solidFill>
+                <a:latin typeface="Cascadia Mono" panose="020B0609020000020004" pitchFamily="49" charset="0"/>
+              </a:rPr>
+              <a:t>Monster</a:t>
+            </a:r>
+            <a:r>
+              <a:rPr lang="en-US" sz="1800" dirty="0">
+                <a:solidFill>
+                  <a:srgbClr val="000000"/>
+                </a:solidFill>
+                <a:latin typeface="Cascadia Mono" panose="020B0609020000020004" pitchFamily="49" charset="0"/>
+              </a:rPr>
+              <a:t>,</a:t>
+            </a:r>
+            <a:r>
+              <a:rPr lang="en-US" sz="1800" dirty="0">
+                <a:solidFill>
+                  <a:srgbClr val="2B91AF"/>
+                </a:solidFill>
+                <a:latin typeface="Cascadia Mono" panose="020B0609020000020004" pitchFamily="49" charset="0"/>
+              </a:rPr>
+              <a:t> </a:t>
+            </a:r>
+            <a:r>
+              <a:rPr lang="en-US" sz="1800" dirty="0" err="1">
+                <a:solidFill>
+                  <a:srgbClr val="2B91AF"/>
+                </a:solidFill>
+                <a:latin typeface="Cascadia Mono" panose="020B0609020000020004" pitchFamily="49" charset="0"/>
+              </a:rPr>
+              <a:t>Silly</a:t>
+            </a:r>
+            <a:r>
+              <a:rPr lang="en-US" dirty="0" err="1">
+                <a:solidFill>
+                  <a:srgbClr val="2B91AF"/>
+                </a:solidFill>
+                <a:latin typeface="Cascadia Mono" panose="020B0609020000020004" pitchFamily="49" charset="0"/>
+              </a:rPr>
+              <a:t>Super</a:t>
+            </a:r>
+            <a:r>
+              <a:rPr lang="en-US" sz="1800" dirty="0" err="1">
+                <a:solidFill>
+                  <a:srgbClr val="2B91AF"/>
+                </a:solidFill>
+                <a:latin typeface="Cascadia Mono" panose="020B0609020000020004" pitchFamily="49" charset="0"/>
+              </a:rPr>
+              <a:t>Monster</a:t>
+            </a:r>
+            <a:r>
+              <a:rPr lang="en-US" sz="1800" dirty="0">
+                <a:solidFill>
+                  <a:srgbClr val="000000"/>
+                </a:solidFill>
+                <a:latin typeface="Cascadia Mono" panose="020B0609020000020004" pitchFamily="49" charset="0"/>
+              </a:rPr>
+              <a:t>&gt;;</a:t>
+            </a:r>
+            <a:endParaRPr lang="ru-UA" dirty="0"/>
+          </a:p>
+          <a:p>
+            <a:endParaRPr lang="ru-UA" sz="1800" dirty="0">
+              <a:solidFill>
+                <a:srgbClr val="000000"/>
+              </a:solidFill>
+              <a:latin typeface="Cascadia Mono" panose="020B0609020000020004" pitchFamily="49" charset="0"/>
+            </a:endParaRPr>
+          </a:p>
+          <a:p>
+            <a:r>
+              <a:rPr lang="en-US" sz="1800" dirty="0">
+                <a:solidFill>
+                  <a:srgbClr val="0000FF"/>
+                </a:solidFill>
+                <a:latin typeface="Cascadia Mono" panose="020B0609020000020004" pitchFamily="49" charset="0"/>
+              </a:rPr>
+              <a:t>using</a:t>
+            </a:r>
+            <a:r>
+              <a:rPr lang="en-US" sz="1800" dirty="0">
+                <a:solidFill>
+                  <a:srgbClr val="000000"/>
+                </a:solidFill>
+                <a:latin typeface="Cascadia Mono" panose="020B0609020000020004" pitchFamily="49" charset="0"/>
+              </a:rPr>
+              <a:t> </a:t>
+            </a:r>
+            <a:r>
+              <a:rPr lang="en-US" sz="1800" dirty="0" err="1">
+                <a:solidFill>
+                  <a:srgbClr val="2B91AF"/>
+                </a:solidFill>
+                <a:latin typeface="Cascadia Mono" panose="020B0609020000020004" pitchFamily="49" charset="0"/>
+              </a:rPr>
+              <a:t>DieHardLevelEnemyFactory</a:t>
+            </a:r>
+            <a:r>
+              <a:rPr lang="en-US" sz="1800" dirty="0">
+                <a:solidFill>
+                  <a:srgbClr val="000000"/>
+                </a:solidFill>
+                <a:latin typeface="Cascadia Mono" panose="020B0609020000020004" pitchFamily="49" charset="0"/>
+              </a:rPr>
+              <a:t> = </a:t>
+            </a:r>
+          </a:p>
+          <a:p>
+            <a:r>
+              <a:rPr lang="en-US" dirty="0" err="1">
+                <a:solidFill>
+                  <a:srgbClr val="2B91AF"/>
+                </a:solidFill>
+                <a:latin typeface="Cascadia Mono" panose="020B0609020000020004" pitchFamily="49" charset="0"/>
+              </a:rPr>
+              <a:t>Concrete</a:t>
+            </a:r>
+            <a:r>
+              <a:rPr lang="en-US" sz="1800" dirty="0" err="1">
+                <a:solidFill>
+                  <a:srgbClr val="2B91AF"/>
+                </a:solidFill>
+                <a:latin typeface="Cascadia Mono" panose="020B0609020000020004" pitchFamily="49" charset="0"/>
+              </a:rPr>
+              <a:t>Factory</a:t>
+            </a:r>
+            <a:r>
+              <a:rPr lang="en-US" sz="1800" dirty="0">
+                <a:solidFill>
+                  <a:srgbClr val="2B91AF"/>
+                </a:solidFill>
+                <a:latin typeface="Cascadia Mono" panose="020B0609020000020004" pitchFamily="49" charset="0"/>
+              </a:rPr>
+              <a:t> </a:t>
+            </a:r>
+            <a:r>
+              <a:rPr lang="en-US" sz="1800" dirty="0">
+                <a:solidFill>
+                  <a:srgbClr val="000000"/>
+                </a:solidFill>
+                <a:latin typeface="Cascadia Mono" panose="020B0609020000020004" pitchFamily="49" charset="0"/>
+              </a:rPr>
+              <a:t>&lt;</a:t>
+            </a:r>
+            <a:r>
+              <a:rPr lang="en-US" sz="1800" dirty="0" err="1">
+                <a:solidFill>
+                  <a:srgbClr val="2B91AF"/>
+                </a:solidFill>
+                <a:latin typeface="Cascadia Mono" panose="020B0609020000020004" pitchFamily="49" charset="0"/>
+              </a:rPr>
+              <a:t>BadSoldier</a:t>
+            </a:r>
+            <a:r>
+              <a:rPr lang="en-US" dirty="0">
+                <a:solidFill>
+                  <a:srgbClr val="2B91AF"/>
+                </a:solidFill>
+                <a:latin typeface="Cascadia Mono" panose="020B0609020000020004" pitchFamily="49" charset="0"/>
+              </a:rPr>
+              <a:t>, </a:t>
+            </a:r>
+            <a:r>
+              <a:rPr lang="en-US" sz="1800" dirty="0" err="1">
+                <a:solidFill>
+                  <a:srgbClr val="2B91AF"/>
+                </a:solidFill>
+                <a:latin typeface="Cascadia Mono" panose="020B0609020000020004" pitchFamily="49" charset="0"/>
+              </a:rPr>
+              <a:t>BadMonster</a:t>
+            </a:r>
+            <a:r>
+              <a:rPr lang="en-US" sz="1800" dirty="0">
+                <a:solidFill>
+                  <a:srgbClr val="000000"/>
+                </a:solidFill>
+                <a:latin typeface="Cascadia Mono" panose="020B0609020000020004" pitchFamily="49" charset="0"/>
+              </a:rPr>
+              <a:t>,</a:t>
+            </a:r>
+            <a:r>
+              <a:rPr lang="en-US" sz="1800" dirty="0">
+                <a:solidFill>
+                  <a:srgbClr val="2B91AF"/>
+                </a:solidFill>
+                <a:latin typeface="Cascadia Mono" panose="020B0609020000020004" pitchFamily="49" charset="0"/>
+              </a:rPr>
+              <a:t> </a:t>
+            </a:r>
+            <a:r>
+              <a:rPr lang="en-US" sz="1800" dirty="0" err="1">
+                <a:solidFill>
+                  <a:srgbClr val="2B91AF"/>
+                </a:solidFill>
+                <a:latin typeface="Cascadia Mono" panose="020B0609020000020004" pitchFamily="49" charset="0"/>
+              </a:rPr>
+              <a:t>Bad</a:t>
+            </a:r>
+            <a:r>
+              <a:rPr lang="en-US" dirty="0" err="1">
+                <a:solidFill>
+                  <a:srgbClr val="2B91AF"/>
+                </a:solidFill>
+                <a:latin typeface="Cascadia Mono" panose="020B0609020000020004" pitchFamily="49" charset="0"/>
+              </a:rPr>
+              <a:t>Super</a:t>
+            </a:r>
+            <a:r>
+              <a:rPr lang="en-US" sz="1800" dirty="0" err="1">
+                <a:solidFill>
+                  <a:srgbClr val="2B91AF"/>
+                </a:solidFill>
+                <a:latin typeface="Cascadia Mono" panose="020B0609020000020004" pitchFamily="49" charset="0"/>
+              </a:rPr>
+              <a:t>Monster</a:t>
+            </a:r>
+            <a:r>
+              <a:rPr lang="en-US" sz="1800" dirty="0">
+                <a:solidFill>
+                  <a:srgbClr val="000000"/>
+                </a:solidFill>
+                <a:latin typeface="Cascadia Mono" panose="020B0609020000020004" pitchFamily="49" charset="0"/>
+              </a:rPr>
+              <a:t>&gt;;</a:t>
+            </a:r>
+            <a:endParaRPr lang="ru-UA" dirty="0"/>
+          </a:p>
+          <a:p>
+            <a:endParaRPr lang="ru-UA" dirty="0"/>
+          </a:p>
+        </p:txBody>
+      </p:sp>
+      <p:sp>
+        <p:nvSpPr>
+          <p:cNvPr id="3" name="Slide Number Placeholder 2">
+            <a:extLst>
+              <a:ext uri="{FF2B5EF4-FFF2-40B4-BE49-F238E27FC236}">
+                <a16:creationId xmlns:a16="http://schemas.microsoft.com/office/drawing/2014/main" id="{C41081B2-10EE-F1D0-3BEB-51355FB0BE88}"/>
+              </a:ext>
+            </a:extLst>
+          </p:cNvPr>
+          <p:cNvSpPr>
+            <a:spLocks noGrp="1"/>
+          </p:cNvSpPr>
+          <p:nvPr>
+            <p:ph type="sldNum" sz="quarter" idx="12"/>
+          </p:nvPr>
+        </p:nvSpPr>
+        <p:spPr/>
+        <p:txBody>
+          <a:bodyPr/>
+          <a:lstStyle/>
+          <a:p>
+            <a:fld id="{A18EF1EA-E2A2-4F50-BB23-E89A51CC8F5B}" type="slidenum">
+              <a:rPr lang="en-US" smtClean="0"/>
+              <a:t>2</a:t>
+            </a:fld>
+            <a:endParaRPr lang="en-US"/>
+          </a:p>
+        </p:txBody>
+      </p:sp>
+    </p:spTree>
+    <p:extLst>
+      <p:ext uri="{BB962C8B-B14F-4D97-AF65-F5344CB8AC3E}">
+        <p14:creationId xmlns:p14="http://schemas.microsoft.com/office/powerpoint/2010/main" val="1490671681"/>
+      </p:ext>
+    </p:extLst>
+  </p:cSld>
+  <p:clrMapOvr>
+    <a:masterClrMapping/>
+  </p:clrMapOvr>
+</p:sld>
+</file>
+
+<file path=ppt/slides/slide20.xml><?xml version="1.0" encoding="utf-8"?>
 <p:sld xmlns:a="http://schemas.openxmlformats.org/drawingml/2006/main" xmlns:r="http://schemas.openxmlformats.org/officeDocument/2006/relationships" xmlns:p="http://schemas.openxmlformats.org/presentationml/2006/main">
   <p:cSld>
     <p:spTree>
@@ -12847,7 +14615,7 @@
           <a:p>
             <a:fld id="{A18EF1EA-E2A2-4F50-BB23-E89A51CC8F5B}" type="slidenum">
               <a:rPr lang="en-US" smtClean="0"/>
-              <a:t>18</a:t>
+              <a:t>20</a:t>
             </a:fld>
             <a:endParaRPr lang="en-US"/>
           </a:p>
@@ -12866,7 +14634,7 @@
 </p:sld>
 </file>
 
-<file path=ppt/slides/slide19.xml><?xml version="1.0" encoding="utf-8"?>
+<file path=ppt/slides/slide21.xml><?xml version="1.0" encoding="utf-8"?>
 <p:sld xmlns:a="http://schemas.openxmlformats.org/drawingml/2006/main" xmlns:r="http://schemas.openxmlformats.org/officeDocument/2006/relationships" xmlns:p="http://schemas.openxmlformats.org/presentationml/2006/main">
   <p:cSld>
     <p:spTree>
@@ -13315,7 +15083,7 @@
           <a:p>
             <a:fld id="{A18EF1EA-E2A2-4F50-BB23-E89A51CC8F5B}" type="slidenum">
               <a:rPr lang="en-US" smtClean="0"/>
-              <a:t>19</a:t>
+              <a:t>21</a:t>
             </a:fld>
             <a:endParaRPr lang="en-US"/>
           </a:p>
@@ -13334,779 +15102,7 @@
 </p:sld>
 </file>
 
-<file path=ppt/slides/slide2.xml><?xml version="1.0" encoding="utf-8"?>
-<p:sld xmlns:a="http://schemas.openxmlformats.org/drawingml/2006/main" xmlns:r="http://schemas.openxmlformats.org/officeDocument/2006/relationships" xmlns:p="http://schemas.openxmlformats.org/presentationml/2006/main">
-  <p:cSld>
-    <p:spTree>
-      <p:nvGrpSpPr>
-        <p:cNvPr id="1" name=""/>
-        <p:cNvGrpSpPr/>
-        <p:nvPr/>
-      </p:nvGrpSpPr>
-      <p:grpSpPr>
-        <a:xfrm>
-          <a:off x="0" y="0"/>
-          <a:ext cx="0" cy="0"/>
-          <a:chOff x="0" y="0"/>
-          <a:chExt cx="0" cy="0"/>
-        </a:xfrm>
-      </p:grpSpPr>
-      <p:sp>
-        <p:nvSpPr>
-          <p:cNvPr id="2" name="Заголовок 1">
-            <a:extLst>
-              <a:ext uri="{FF2B5EF4-FFF2-40B4-BE49-F238E27FC236}">
-                <a16:creationId xmlns:a16="http://schemas.microsoft.com/office/drawing/2014/main" id="{49249E41-C118-DB2E-1F59-D7FD5BFFC71E}"/>
-              </a:ext>
-            </a:extLst>
-          </p:cNvPr>
-          <p:cNvSpPr>
-            <a:spLocks noGrp="1"/>
-          </p:cNvSpPr>
-          <p:nvPr>
-            <p:ph type="title"/>
-          </p:nvPr>
-        </p:nvSpPr>
-        <p:spPr/>
-        <p:txBody>
-          <a:bodyPr/>
-          <a:lstStyle/>
-          <a:p>
-            <a:r>
-              <a:rPr lang="ru-RU" dirty="0"/>
-              <a:t>Як </a:t>
-            </a:r>
-            <a:r>
-              <a:rPr lang="ru-RU" dirty="0" err="1"/>
-              <a:t>узагальнити</a:t>
-            </a:r>
-            <a:r>
-              <a:rPr lang="ru-RU" dirty="0"/>
-              <a:t> </a:t>
-            </a:r>
-            <a:r>
-              <a:rPr lang="ru-RU" dirty="0" err="1"/>
-              <a:t>абстрактні</a:t>
-            </a:r>
-            <a:r>
-              <a:rPr lang="ru-RU" dirty="0"/>
-              <a:t> фабрики?</a:t>
-            </a:r>
-            <a:endParaRPr lang="ru-UA" dirty="0"/>
-          </a:p>
-        </p:txBody>
-      </p:sp>
-      <p:sp>
-        <p:nvSpPr>
-          <p:cNvPr id="5" name="Місце для вмісту 4">
-            <a:extLst>
-              <a:ext uri="{FF2B5EF4-FFF2-40B4-BE49-F238E27FC236}">
-                <a16:creationId xmlns:a16="http://schemas.microsoft.com/office/drawing/2014/main" id="{6466EB40-AFF4-640E-BFA4-CE62C8BE372C}"/>
-              </a:ext>
-            </a:extLst>
-          </p:cNvPr>
-          <p:cNvSpPr>
-            <a:spLocks noGrp="1"/>
-          </p:cNvSpPr>
-          <p:nvPr>
-            <p:ph idx="1"/>
-          </p:nvPr>
-        </p:nvSpPr>
-        <p:spPr/>
-        <p:txBody>
-          <a:bodyPr/>
-          <a:lstStyle/>
-          <a:p>
-            <a:r>
-              <a:rPr lang="ru-RU" dirty="0" err="1"/>
-              <a:t>Хотілося</a:t>
-            </a:r>
-            <a:r>
-              <a:rPr lang="ru-RU" dirty="0"/>
-              <a:t> б </a:t>
-            </a:r>
-            <a:r>
-              <a:rPr lang="ru-RU" dirty="0" err="1"/>
-              <a:t>написати</a:t>
-            </a:r>
-            <a:r>
-              <a:rPr lang="ru-RU" dirty="0"/>
-              <a:t> один, </a:t>
-            </a:r>
-            <a:r>
-              <a:rPr lang="ru-RU" dirty="0" err="1"/>
-              <a:t>узагальнений</a:t>
-            </a:r>
-            <a:r>
-              <a:rPr lang="ru-RU" dirty="0"/>
-              <a:t> </a:t>
-            </a:r>
-            <a:r>
-              <a:rPr lang="ru-RU" dirty="0" err="1"/>
-              <a:t>клас</a:t>
-            </a:r>
-            <a:r>
-              <a:rPr lang="ru-RU" dirty="0"/>
-              <a:t>, </a:t>
-            </a:r>
-            <a:r>
-              <a:rPr lang="ru-RU" dirty="0" err="1"/>
-              <a:t>який</a:t>
-            </a:r>
-            <a:r>
-              <a:rPr lang="ru-RU" dirty="0"/>
-              <a:t> би </a:t>
-            </a:r>
-            <a:r>
-              <a:rPr lang="ru-RU" dirty="0" err="1"/>
-              <a:t>генерував</a:t>
-            </a:r>
-            <a:r>
-              <a:rPr lang="ru-RU" dirty="0"/>
-              <a:t> нам </a:t>
-            </a:r>
-            <a:r>
-              <a:rPr lang="ru-RU" dirty="0" err="1"/>
-              <a:t>інтерфейси</a:t>
-            </a:r>
-            <a:r>
-              <a:rPr lang="ru-RU" dirty="0"/>
-              <a:t> та </a:t>
-            </a:r>
-            <a:r>
-              <a:rPr lang="ru-RU" dirty="0" err="1"/>
-              <a:t>реалізації</a:t>
-            </a:r>
-            <a:r>
-              <a:rPr lang="ru-RU" dirty="0"/>
-              <a:t> фабрик </a:t>
-            </a:r>
-            <a:r>
-              <a:rPr lang="ru-RU" dirty="0" err="1"/>
-              <a:t>залежно</a:t>
-            </a:r>
-            <a:r>
-              <a:rPr lang="ru-RU" dirty="0"/>
-              <a:t> </a:t>
-            </a:r>
-            <a:r>
-              <a:rPr lang="ru-RU" dirty="0" err="1"/>
-              <a:t>від</a:t>
-            </a:r>
-            <a:r>
-              <a:rPr lang="ru-RU" dirty="0"/>
-              <a:t> </a:t>
-            </a:r>
-            <a:r>
-              <a:rPr lang="ru-RU" dirty="0" err="1"/>
-              <a:t>типів</a:t>
-            </a:r>
-            <a:r>
-              <a:rPr lang="ru-RU" dirty="0"/>
-              <a:t> </a:t>
-            </a:r>
-            <a:r>
-              <a:rPr lang="ru-RU" dirty="0" err="1"/>
-              <a:t>продуктів</a:t>
-            </a:r>
-            <a:r>
-              <a:rPr lang="ru-RU" dirty="0"/>
-              <a:t>, </a:t>
-            </a:r>
-            <a:r>
-              <a:rPr lang="ru-RU" dirty="0" err="1"/>
-              <a:t>які</a:t>
-            </a:r>
-            <a:r>
-              <a:rPr lang="ru-RU" dirty="0"/>
-              <a:t> ми </a:t>
-            </a:r>
-            <a:r>
-              <a:rPr lang="ru-RU" dirty="0" err="1"/>
-              <a:t>хочемо</a:t>
-            </a:r>
-            <a:r>
-              <a:rPr lang="ru-RU" dirty="0"/>
-              <a:t>, </a:t>
-            </a:r>
-            <a:r>
-              <a:rPr lang="ru-RU" dirty="0" err="1"/>
-              <a:t>щоб</a:t>
-            </a:r>
-            <a:r>
-              <a:rPr lang="ru-RU" dirty="0"/>
-              <a:t> вони </a:t>
-            </a:r>
-            <a:r>
-              <a:rPr lang="ru-RU" dirty="0" err="1"/>
-              <a:t>створювали</a:t>
-            </a:r>
-            <a:endParaRPr lang="ru-RU" dirty="0"/>
-          </a:p>
-          <a:p>
-            <a:r>
-              <a:rPr lang="ru-RU" dirty="0" err="1"/>
-              <a:t>Наприклад</a:t>
-            </a:r>
-            <a:r>
-              <a:rPr lang="ru-RU" dirty="0"/>
-              <a:t>:</a:t>
-            </a:r>
-          </a:p>
-          <a:p>
-            <a:pPr marL="0" indent="0">
-              <a:buNone/>
-            </a:pPr>
-            <a:endParaRPr lang="ru-UA" dirty="0"/>
-          </a:p>
-        </p:txBody>
-      </p:sp>
-      <p:sp>
-        <p:nvSpPr>
-          <p:cNvPr id="7" name="TextBox 6">
-            <a:extLst>
-              <a:ext uri="{FF2B5EF4-FFF2-40B4-BE49-F238E27FC236}">
-                <a16:creationId xmlns:a16="http://schemas.microsoft.com/office/drawing/2014/main" id="{3A72CA68-6A09-4813-B549-382802BA061B}"/>
-              </a:ext>
-            </a:extLst>
-          </p:cNvPr>
-          <p:cNvSpPr txBox="1"/>
-          <p:nvPr/>
-        </p:nvSpPr>
-        <p:spPr>
-          <a:xfrm>
-            <a:off x="3223968" y="3551319"/>
-            <a:ext cx="8757500" cy="2862322"/>
-          </a:xfrm>
-          <a:prstGeom prst="rect">
-            <a:avLst/>
-          </a:prstGeom>
-          <a:noFill/>
-        </p:spPr>
-        <p:txBody>
-          <a:bodyPr wrap="square">
-            <a:spAutoFit/>
-          </a:bodyPr>
-          <a:lstStyle/>
-          <a:p>
-            <a:endParaRPr lang="ru-UA" sz="1800" dirty="0">
-              <a:solidFill>
-                <a:srgbClr val="000000"/>
-              </a:solidFill>
-              <a:latin typeface="Cascadia Mono" panose="020B0609020000020004" pitchFamily="49" charset="0"/>
-            </a:endParaRPr>
-          </a:p>
-          <a:p>
-            <a:r>
-              <a:rPr lang="en-US" sz="1800" dirty="0">
-                <a:solidFill>
-                  <a:srgbClr val="0000FF"/>
-                </a:solidFill>
-                <a:latin typeface="Cascadia Mono" panose="020B0609020000020004" pitchFamily="49" charset="0"/>
-              </a:rPr>
-              <a:t>using</a:t>
-            </a:r>
-            <a:r>
-              <a:rPr lang="en-US" sz="1800" dirty="0">
-                <a:solidFill>
-                  <a:srgbClr val="000000"/>
-                </a:solidFill>
-                <a:latin typeface="Cascadia Mono" panose="020B0609020000020004" pitchFamily="49" charset="0"/>
-              </a:rPr>
-              <a:t> </a:t>
-            </a:r>
-            <a:r>
-              <a:rPr lang="en-US" sz="1800" dirty="0" err="1">
-                <a:solidFill>
-                  <a:srgbClr val="2B91AF"/>
-                </a:solidFill>
-                <a:latin typeface="Cascadia Mono" panose="020B0609020000020004" pitchFamily="49" charset="0"/>
-              </a:rPr>
-              <a:t>AbstractEnemyFactory</a:t>
-            </a:r>
-            <a:r>
-              <a:rPr lang="en-US" sz="1800" dirty="0">
-                <a:solidFill>
-                  <a:srgbClr val="000000"/>
-                </a:solidFill>
-                <a:latin typeface="Cascadia Mono" panose="020B0609020000020004" pitchFamily="49" charset="0"/>
-              </a:rPr>
-              <a:t> = </a:t>
-            </a:r>
-          </a:p>
-          <a:p>
-            <a:r>
-              <a:rPr lang="en-US" sz="1800" dirty="0" err="1">
-                <a:solidFill>
-                  <a:srgbClr val="2B91AF"/>
-                </a:solidFill>
-                <a:latin typeface="Cascadia Mono" panose="020B0609020000020004" pitchFamily="49" charset="0"/>
-              </a:rPr>
-              <a:t>IFactory</a:t>
-            </a:r>
-            <a:r>
-              <a:rPr lang="en-US" sz="1800" dirty="0">
-                <a:solidFill>
-                  <a:srgbClr val="000000"/>
-                </a:solidFill>
-                <a:latin typeface="Cascadia Mono" panose="020B0609020000020004" pitchFamily="49" charset="0"/>
-              </a:rPr>
-              <a:t>&lt;</a:t>
-            </a:r>
-            <a:r>
-              <a:rPr lang="en-US" sz="1800" dirty="0">
-                <a:solidFill>
-                  <a:srgbClr val="2B91AF"/>
-                </a:solidFill>
-                <a:latin typeface="Cascadia Mono" panose="020B0609020000020004" pitchFamily="49" charset="0"/>
-              </a:rPr>
-              <a:t>Soldier</a:t>
-            </a:r>
-            <a:r>
-              <a:rPr lang="en-US" dirty="0">
-                <a:solidFill>
-                  <a:srgbClr val="2B91AF"/>
-                </a:solidFill>
-                <a:latin typeface="Cascadia Mono" panose="020B0609020000020004" pitchFamily="49" charset="0"/>
-              </a:rPr>
-              <a:t>, </a:t>
-            </a:r>
-            <a:r>
-              <a:rPr lang="en-US" sz="1800" dirty="0">
-                <a:solidFill>
-                  <a:srgbClr val="2B91AF"/>
-                </a:solidFill>
-                <a:latin typeface="Cascadia Mono" panose="020B0609020000020004" pitchFamily="49" charset="0"/>
-              </a:rPr>
-              <a:t>Monster</a:t>
-            </a:r>
-            <a:r>
-              <a:rPr lang="en-US" sz="1800" dirty="0">
-                <a:solidFill>
-                  <a:srgbClr val="000000"/>
-                </a:solidFill>
-                <a:latin typeface="Cascadia Mono" panose="020B0609020000020004" pitchFamily="49" charset="0"/>
-              </a:rPr>
-              <a:t>,</a:t>
-            </a:r>
-            <a:r>
-              <a:rPr lang="en-US" sz="1800" dirty="0">
-                <a:solidFill>
-                  <a:srgbClr val="2B91AF"/>
-                </a:solidFill>
-                <a:latin typeface="Cascadia Mono" panose="020B0609020000020004" pitchFamily="49" charset="0"/>
-              </a:rPr>
-              <a:t> </a:t>
-            </a:r>
-            <a:r>
-              <a:rPr lang="en-US" dirty="0" err="1">
-                <a:solidFill>
-                  <a:srgbClr val="2B91AF"/>
-                </a:solidFill>
-                <a:latin typeface="Cascadia Mono" panose="020B0609020000020004" pitchFamily="49" charset="0"/>
-              </a:rPr>
-              <a:t>Super</a:t>
-            </a:r>
-            <a:r>
-              <a:rPr lang="en-US" sz="1800" dirty="0" err="1">
-                <a:solidFill>
-                  <a:srgbClr val="2B91AF"/>
-                </a:solidFill>
-                <a:latin typeface="Cascadia Mono" panose="020B0609020000020004" pitchFamily="49" charset="0"/>
-              </a:rPr>
-              <a:t>Monster</a:t>
-            </a:r>
-            <a:r>
-              <a:rPr lang="en-US" sz="1800" dirty="0">
-                <a:solidFill>
-                  <a:srgbClr val="000000"/>
-                </a:solidFill>
-                <a:latin typeface="Cascadia Mono" panose="020B0609020000020004" pitchFamily="49" charset="0"/>
-              </a:rPr>
-              <a:t>&gt;;</a:t>
-            </a:r>
-            <a:endParaRPr lang="ru-UA" dirty="0"/>
-          </a:p>
-          <a:p>
-            <a:endParaRPr lang="ru-UA" sz="1800" dirty="0">
-              <a:solidFill>
-                <a:srgbClr val="000000"/>
-              </a:solidFill>
-              <a:latin typeface="Cascadia Mono" panose="020B0609020000020004" pitchFamily="49" charset="0"/>
-            </a:endParaRPr>
-          </a:p>
-          <a:p>
-            <a:r>
-              <a:rPr lang="en-US" sz="1800" dirty="0">
-                <a:solidFill>
-                  <a:srgbClr val="0000FF"/>
-                </a:solidFill>
-                <a:latin typeface="Cascadia Mono" panose="020B0609020000020004" pitchFamily="49" charset="0"/>
-              </a:rPr>
-              <a:t>using</a:t>
-            </a:r>
-            <a:r>
-              <a:rPr lang="en-US" sz="1800" dirty="0">
-                <a:solidFill>
-                  <a:srgbClr val="000000"/>
-                </a:solidFill>
-                <a:latin typeface="Cascadia Mono" panose="020B0609020000020004" pitchFamily="49" charset="0"/>
-              </a:rPr>
-              <a:t> </a:t>
-            </a:r>
-            <a:r>
-              <a:rPr lang="en-US" sz="1800" dirty="0" err="1">
-                <a:solidFill>
-                  <a:srgbClr val="2B91AF"/>
-                </a:solidFill>
-                <a:latin typeface="Cascadia Mono" panose="020B0609020000020004" pitchFamily="49" charset="0"/>
-              </a:rPr>
-              <a:t>EasyLevelEnemyFactory</a:t>
-            </a:r>
-            <a:r>
-              <a:rPr lang="en-US" sz="1800" dirty="0">
-                <a:solidFill>
-                  <a:srgbClr val="000000"/>
-                </a:solidFill>
-                <a:latin typeface="Cascadia Mono" panose="020B0609020000020004" pitchFamily="49" charset="0"/>
-              </a:rPr>
-              <a:t> = </a:t>
-            </a:r>
-          </a:p>
-          <a:p>
-            <a:r>
-              <a:rPr lang="en-US" dirty="0" err="1">
-                <a:solidFill>
-                  <a:srgbClr val="2B91AF"/>
-                </a:solidFill>
-                <a:latin typeface="Cascadia Mono" panose="020B0609020000020004" pitchFamily="49" charset="0"/>
-              </a:rPr>
-              <a:t>Concrete</a:t>
-            </a:r>
-            <a:r>
-              <a:rPr lang="en-US" sz="1800" dirty="0" err="1">
-                <a:solidFill>
-                  <a:srgbClr val="2B91AF"/>
-                </a:solidFill>
-                <a:latin typeface="Cascadia Mono" panose="020B0609020000020004" pitchFamily="49" charset="0"/>
-              </a:rPr>
-              <a:t>Factory</a:t>
-            </a:r>
-            <a:r>
-              <a:rPr lang="en-US" sz="1800" dirty="0">
-                <a:solidFill>
-                  <a:srgbClr val="000000"/>
-                </a:solidFill>
-                <a:latin typeface="Cascadia Mono" panose="020B0609020000020004" pitchFamily="49" charset="0"/>
-              </a:rPr>
-              <a:t>&lt;</a:t>
-            </a:r>
-            <a:r>
-              <a:rPr lang="en-US" sz="1800" dirty="0" err="1">
-                <a:solidFill>
-                  <a:srgbClr val="2B91AF"/>
-                </a:solidFill>
-                <a:latin typeface="Cascadia Mono" panose="020B0609020000020004" pitchFamily="49" charset="0"/>
-              </a:rPr>
-              <a:t>SillySoldier</a:t>
-            </a:r>
-            <a:r>
-              <a:rPr lang="en-US" dirty="0">
-                <a:solidFill>
-                  <a:srgbClr val="2B91AF"/>
-                </a:solidFill>
-                <a:latin typeface="Cascadia Mono" panose="020B0609020000020004" pitchFamily="49" charset="0"/>
-              </a:rPr>
-              <a:t>, </a:t>
-            </a:r>
-            <a:r>
-              <a:rPr lang="en-US" dirty="0" err="1">
-                <a:solidFill>
-                  <a:srgbClr val="2B91AF"/>
-                </a:solidFill>
-                <a:latin typeface="Cascadia Mono" panose="020B0609020000020004" pitchFamily="49" charset="0"/>
-              </a:rPr>
-              <a:t>Silly</a:t>
-            </a:r>
-            <a:r>
-              <a:rPr lang="en-US" sz="1800" dirty="0" err="1">
-                <a:solidFill>
-                  <a:srgbClr val="2B91AF"/>
-                </a:solidFill>
-                <a:latin typeface="Cascadia Mono" panose="020B0609020000020004" pitchFamily="49" charset="0"/>
-              </a:rPr>
-              <a:t>Monster</a:t>
-            </a:r>
-            <a:r>
-              <a:rPr lang="en-US" sz="1800" dirty="0">
-                <a:solidFill>
-                  <a:srgbClr val="000000"/>
-                </a:solidFill>
-                <a:latin typeface="Cascadia Mono" panose="020B0609020000020004" pitchFamily="49" charset="0"/>
-              </a:rPr>
-              <a:t>,</a:t>
-            </a:r>
-            <a:r>
-              <a:rPr lang="en-US" sz="1800" dirty="0">
-                <a:solidFill>
-                  <a:srgbClr val="2B91AF"/>
-                </a:solidFill>
-                <a:latin typeface="Cascadia Mono" panose="020B0609020000020004" pitchFamily="49" charset="0"/>
-              </a:rPr>
-              <a:t> </a:t>
-            </a:r>
-            <a:r>
-              <a:rPr lang="en-US" sz="1800" dirty="0" err="1">
-                <a:solidFill>
-                  <a:srgbClr val="2B91AF"/>
-                </a:solidFill>
-                <a:latin typeface="Cascadia Mono" panose="020B0609020000020004" pitchFamily="49" charset="0"/>
-              </a:rPr>
-              <a:t>Silly</a:t>
-            </a:r>
-            <a:r>
-              <a:rPr lang="en-US" dirty="0" err="1">
-                <a:solidFill>
-                  <a:srgbClr val="2B91AF"/>
-                </a:solidFill>
-                <a:latin typeface="Cascadia Mono" panose="020B0609020000020004" pitchFamily="49" charset="0"/>
-              </a:rPr>
-              <a:t>Super</a:t>
-            </a:r>
-            <a:r>
-              <a:rPr lang="en-US" sz="1800" dirty="0" err="1">
-                <a:solidFill>
-                  <a:srgbClr val="2B91AF"/>
-                </a:solidFill>
-                <a:latin typeface="Cascadia Mono" panose="020B0609020000020004" pitchFamily="49" charset="0"/>
-              </a:rPr>
-              <a:t>Monster</a:t>
-            </a:r>
-            <a:r>
-              <a:rPr lang="en-US" sz="1800" dirty="0">
-                <a:solidFill>
-                  <a:srgbClr val="000000"/>
-                </a:solidFill>
-                <a:latin typeface="Cascadia Mono" panose="020B0609020000020004" pitchFamily="49" charset="0"/>
-              </a:rPr>
-              <a:t>&gt;;</a:t>
-            </a:r>
-            <a:endParaRPr lang="ru-UA" dirty="0"/>
-          </a:p>
-          <a:p>
-            <a:endParaRPr lang="ru-UA" sz="1800" dirty="0">
-              <a:solidFill>
-                <a:srgbClr val="000000"/>
-              </a:solidFill>
-              <a:latin typeface="Cascadia Mono" panose="020B0609020000020004" pitchFamily="49" charset="0"/>
-            </a:endParaRPr>
-          </a:p>
-          <a:p>
-            <a:r>
-              <a:rPr lang="en-US" sz="1800" dirty="0">
-                <a:solidFill>
-                  <a:srgbClr val="0000FF"/>
-                </a:solidFill>
-                <a:latin typeface="Cascadia Mono" panose="020B0609020000020004" pitchFamily="49" charset="0"/>
-              </a:rPr>
-              <a:t>using</a:t>
-            </a:r>
-            <a:r>
-              <a:rPr lang="en-US" sz="1800" dirty="0">
-                <a:solidFill>
-                  <a:srgbClr val="000000"/>
-                </a:solidFill>
-                <a:latin typeface="Cascadia Mono" panose="020B0609020000020004" pitchFamily="49" charset="0"/>
-              </a:rPr>
-              <a:t> </a:t>
-            </a:r>
-            <a:r>
-              <a:rPr lang="en-US" sz="1800" dirty="0" err="1">
-                <a:solidFill>
-                  <a:srgbClr val="2B91AF"/>
-                </a:solidFill>
-                <a:latin typeface="Cascadia Mono" panose="020B0609020000020004" pitchFamily="49" charset="0"/>
-              </a:rPr>
-              <a:t>DieHardLevelEnemyFactory</a:t>
-            </a:r>
-            <a:r>
-              <a:rPr lang="en-US" sz="1800" dirty="0">
-                <a:solidFill>
-                  <a:srgbClr val="000000"/>
-                </a:solidFill>
-                <a:latin typeface="Cascadia Mono" panose="020B0609020000020004" pitchFamily="49" charset="0"/>
-              </a:rPr>
-              <a:t> = </a:t>
-            </a:r>
-          </a:p>
-          <a:p>
-            <a:r>
-              <a:rPr lang="en-US" dirty="0" err="1">
-                <a:solidFill>
-                  <a:srgbClr val="2B91AF"/>
-                </a:solidFill>
-                <a:latin typeface="Cascadia Mono" panose="020B0609020000020004" pitchFamily="49" charset="0"/>
-              </a:rPr>
-              <a:t>Concrete</a:t>
-            </a:r>
-            <a:r>
-              <a:rPr lang="en-US" sz="1800" dirty="0" err="1">
-                <a:solidFill>
-                  <a:srgbClr val="2B91AF"/>
-                </a:solidFill>
-                <a:latin typeface="Cascadia Mono" panose="020B0609020000020004" pitchFamily="49" charset="0"/>
-              </a:rPr>
-              <a:t>Factory</a:t>
-            </a:r>
-            <a:r>
-              <a:rPr lang="en-US" sz="1800" dirty="0">
-                <a:solidFill>
-                  <a:srgbClr val="2B91AF"/>
-                </a:solidFill>
-                <a:latin typeface="Cascadia Mono" panose="020B0609020000020004" pitchFamily="49" charset="0"/>
-              </a:rPr>
-              <a:t> </a:t>
-            </a:r>
-            <a:r>
-              <a:rPr lang="en-US" sz="1800" dirty="0">
-                <a:solidFill>
-                  <a:srgbClr val="000000"/>
-                </a:solidFill>
-                <a:latin typeface="Cascadia Mono" panose="020B0609020000020004" pitchFamily="49" charset="0"/>
-              </a:rPr>
-              <a:t>&lt;</a:t>
-            </a:r>
-            <a:r>
-              <a:rPr lang="en-US" sz="1800" dirty="0" err="1">
-                <a:solidFill>
-                  <a:srgbClr val="2B91AF"/>
-                </a:solidFill>
-                <a:latin typeface="Cascadia Mono" panose="020B0609020000020004" pitchFamily="49" charset="0"/>
-              </a:rPr>
-              <a:t>BadSoldier</a:t>
-            </a:r>
-            <a:r>
-              <a:rPr lang="en-US" dirty="0">
-                <a:solidFill>
-                  <a:srgbClr val="2B91AF"/>
-                </a:solidFill>
-                <a:latin typeface="Cascadia Mono" panose="020B0609020000020004" pitchFamily="49" charset="0"/>
-              </a:rPr>
-              <a:t>, </a:t>
-            </a:r>
-            <a:r>
-              <a:rPr lang="en-US" sz="1800" dirty="0" err="1">
-                <a:solidFill>
-                  <a:srgbClr val="2B91AF"/>
-                </a:solidFill>
-                <a:latin typeface="Cascadia Mono" panose="020B0609020000020004" pitchFamily="49" charset="0"/>
-              </a:rPr>
-              <a:t>BadMonster</a:t>
-            </a:r>
-            <a:r>
-              <a:rPr lang="en-US" sz="1800" dirty="0">
-                <a:solidFill>
-                  <a:srgbClr val="000000"/>
-                </a:solidFill>
-                <a:latin typeface="Cascadia Mono" panose="020B0609020000020004" pitchFamily="49" charset="0"/>
-              </a:rPr>
-              <a:t>,</a:t>
-            </a:r>
-            <a:r>
-              <a:rPr lang="en-US" sz="1800" dirty="0">
-                <a:solidFill>
-                  <a:srgbClr val="2B91AF"/>
-                </a:solidFill>
-                <a:latin typeface="Cascadia Mono" panose="020B0609020000020004" pitchFamily="49" charset="0"/>
-              </a:rPr>
-              <a:t> </a:t>
-            </a:r>
-            <a:r>
-              <a:rPr lang="en-US" sz="1800" dirty="0" err="1">
-                <a:solidFill>
-                  <a:srgbClr val="2B91AF"/>
-                </a:solidFill>
-                <a:latin typeface="Cascadia Mono" panose="020B0609020000020004" pitchFamily="49" charset="0"/>
-              </a:rPr>
-              <a:t>Bad</a:t>
-            </a:r>
-            <a:r>
-              <a:rPr lang="en-US" dirty="0" err="1">
-                <a:solidFill>
-                  <a:srgbClr val="2B91AF"/>
-                </a:solidFill>
-                <a:latin typeface="Cascadia Mono" panose="020B0609020000020004" pitchFamily="49" charset="0"/>
-              </a:rPr>
-              <a:t>Super</a:t>
-            </a:r>
-            <a:r>
-              <a:rPr lang="en-US" sz="1800" dirty="0" err="1">
-                <a:solidFill>
-                  <a:srgbClr val="2B91AF"/>
-                </a:solidFill>
-                <a:latin typeface="Cascadia Mono" panose="020B0609020000020004" pitchFamily="49" charset="0"/>
-              </a:rPr>
-              <a:t>Monster</a:t>
-            </a:r>
-            <a:r>
-              <a:rPr lang="en-US" sz="1800" dirty="0">
-                <a:solidFill>
-                  <a:srgbClr val="000000"/>
-                </a:solidFill>
-                <a:latin typeface="Cascadia Mono" panose="020B0609020000020004" pitchFamily="49" charset="0"/>
-              </a:rPr>
-              <a:t>&gt;;</a:t>
-            </a:r>
-            <a:endParaRPr lang="ru-UA" dirty="0"/>
-          </a:p>
-          <a:p>
-            <a:endParaRPr lang="ru-UA" dirty="0"/>
-          </a:p>
-        </p:txBody>
-      </p:sp>
-      <p:sp>
-        <p:nvSpPr>
-          <p:cNvPr id="3" name="Slide Number Placeholder 2">
-            <a:extLst>
-              <a:ext uri="{FF2B5EF4-FFF2-40B4-BE49-F238E27FC236}">
-                <a16:creationId xmlns:a16="http://schemas.microsoft.com/office/drawing/2014/main" id="{C41081B2-10EE-F1D0-3BEB-51355FB0BE88}"/>
-              </a:ext>
-            </a:extLst>
-          </p:cNvPr>
-          <p:cNvSpPr>
-            <a:spLocks noGrp="1"/>
-          </p:cNvSpPr>
-          <p:nvPr>
-            <p:ph type="sldNum" sz="quarter" idx="12"/>
-          </p:nvPr>
-        </p:nvSpPr>
-        <p:spPr/>
-        <p:txBody>
-          <a:bodyPr/>
-          <a:lstStyle/>
-          <a:p>
-            <a:fld id="{A18EF1EA-E2A2-4F50-BB23-E89A51CC8F5B}" type="slidenum">
-              <a:rPr lang="en-US" smtClean="0"/>
-              <a:t>2</a:t>
-            </a:fld>
-            <a:endParaRPr lang="en-US"/>
-          </a:p>
-        </p:txBody>
-      </p:sp>
-    </p:spTree>
-    <p:extLst>
-      <p:ext uri="{BB962C8B-B14F-4D97-AF65-F5344CB8AC3E}">
-        <p14:creationId xmlns:p14="http://schemas.microsoft.com/office/powerpoint/2010/main" val="1490671681"/>
-      </p:ext>
-    </p:extLst>
-  </p:cSld>
-  <p:clrMapOvr>
-    <a:masterClrMapping/>
-  </p:clrMapOvr>
-</p:sld>
-</file>
-
-<file path=ppt/slides/slide20.xml><?xml version="1.0" encoding="utf-8"?>
+<file path=ppt/slides/slide22.xml><?xml version="1.0" encoding="utf-8"?>
 <p:sld xmlns:a="http://schemas.openxmlformats.org/drawingml/2006/main" xmlns:r="http://schemas.openxmlformats.org/officeDocument/2006/relationships" xmlns:p="http://schemas.openxmlformats.org/presentationml/2006/main">
   <p:cSld>
     <p:spTree>
@@ -14786,7 +15782,7 @@
           <a:p>
             <a:fld id="{A18EF1EA-E2A2-4F50-BB23-E89A51CC8F5B}" type="slidenum">
               <a:rPr lang="en-US" smtClean="0"/>
-              <a:t>20</a:t>
+              <a:t>22</a:t>
             </a:fld>
             <a:endParaRPr lang="en-US"/>
           </a:p>
@@ -14805,7 +15801,7 @@
 </p:sld>
 </file>
 
-<file path=ppt/slides/slide21.xml><?xml version="1.0" encoding="utf-8"?>
+<file path=ppt/slides/slide23.xml><?xml version="1.0" encoding="utf-8"?>
 <p:sld xmlns:a="http://schemas.openxmlformats.org/drawingml/2006/main" xmlns:r="http://schemas.openxmlformats.org/officeDocument/2006/relationships" xmlns:p="http://schemas.openxmlformats.org/presentationml/2006/main">
   <p:cSld>
     <p:spTree>
@@ -15384,7 +16380,7 @@
           <a:p>
             <a:fld id="{A18EF1EA-E2A2-4F50-BB23-E89A51CC8F5B}" type="slidenum">
               <a:rPr lang="en-US" smtClean="0"/>
-              <a:t>21</a:t>
+              <a:t>23</a:t>
             </a:fld>
             <a:endParaRPr lang="en-US"/>
           </a:p>
@@ -15403,7 +16399,7 @@
 </p:sld>
 </file>
 
-<file path=ppt/slides/slide22.xml><?xml version="1.0" encoding="utf-8"?>
+<file path=ppt/slides/slide24.xml><?xml version="1.0" encoding="utf-8"?>
 <p:sld xmlns:a="http://schemas.openxmlformats.org/drawingml/2006/main" xmlns:r="http://schemas.openxmlformats.org/officeDocument/2006/relationships" xmlns:p="http://schemas.openxmlformats.org/presentationml/2006/main">
   <p:cSld>
     <p:spTree>
@@ -15863,7 +16859,7 @@
           <a:p>
             <a:fld id="{A18EF1EA-E2A2-4F50-BB23-E89A51CC8F5B}" type="slidenum">
               <a:rPr lang="en-US" smtClean="0"/>
-              <a:t>22</a:t>
+              <a:t>24</a:t>
             </a:fld>
             <a:endParaRPr lang="en-US"/>
           </a:p>
@@ -15882,7 +16878,7 @@
 </p:sld>
 </file>
 
-<file path=ppt/slides/slide23.xml><?xml version="1.0" encoding="utf-8"?>
+<file path=ppt/slides/slide25.xml><?xml version="1.0" encoding="utf-8"?>
 <p:sld xmlns:a="http://schemas.openxmlformats.org/drawingml/2006/main" xmlns:r="http://schemas.openxmlformats.org/officeDocument/2006/relationships" xmlns:p="http://schemas.openxmlformats.org/presentationml/2006/main">
   <p:cSld>
     <p:spTree>
@@ -16786,7 +17782,7 @@
           <a:p>
             <a:fld id="{A18EF1EA-E2A2-4F50-BB23-E89A51CC8F5B}" type="slidenum">
               <a:rPr lang="en-US" smtClean="0"/>
-              <a:t>23</a:t>
+              <a:t>25</a:t>
             </a:fld>
             <a:endParaRPr lang="en-US"/>
           </a:p>
@@ -16805,7 +17801,7 @@
 </p:sld>
 </file>
 
-<file path=ppt/slides/slide24.xml><?xml version="1.0" encoding="utf-8"?>
+<file path=ppt/slides/slide26.xml><?xml version="1.0" encoding="utf-8"?>
 <p:sld xmlns:a="http://schemas.openxmlformats.org/drawingml/2006/main" xmlns:r="http://schemas.openxmlformats.org/officeDocument/2006/relationships" xmlns:p="http://schemas.openxmlformats.org/presentationml/2006/main">
   <p:cSld>
     <p:spTree>
@@ -17633,7 +18629,7 @@
           <a:p>
             <a:fld id="{A18EF1EA-E2A2-4F50-BB23-E89A51CC8F5B}" type="slidenum">
               <a:rPr lang="en-US" smtClean="0"/>
-              <a:t>24</a:t>
+              <a:t>26</a:t>
             </a:fld>
             <a:endParaRPr lang="en-US"/>
           </a:p>
@@ -17652,7 +18648,7 @@
 </p:sld>
 </file>
 
-<file path=ppt/slides/slide25.xml><?xml version="1.0" encoding="utf-8"?>
+<file path=ppt/slides/slide27.xml><?xml version="1.0" encoding="utf-8"?>
 <p:sld xmlns:a="http://schemas.openxmlformats.org/drawingml/2006/main" xmlns:r="http://schemas.openxmlformats.org/officeDocument/2006/relationships" xmlns:p="http://schemas.openxmlformats.org/presentationml/2006/main">
   <p:cSld>
     <p:spTree>
@@ -18126,7 +19122,7 @@
           <a:p>
             <a:fld id="{A18EF1EA-E2A2-4F50-BB23-E89A51CC8F5B}" type="slidenum">
               <a:rPr lang="en-US" smtClean="0"/>
-              <a:t>25</a:t>
+              <a:t>27</a:t>
             </a:fld>
             <a:endParaRPr lang="en-US"/>
           </a:p>
@@ -18145,7 +19141,7 @@
 </p:sld>
 </file>
 
-<file path=ppt/slides/slide26.xml><?xml version="1.0" encoding="utf-8"?>
+<file path=ppt/slides/slide28.xml><?xml version="1.0" encoding="utf-8"?>
 <p:sld xmlns:a="http://schemas.openxmlformats.org/drawingml/2006/main" xmlns:r="http://schemas.openxmlformats.org/officeDocument/2006/relationships" xmlns:p="http://schemas.openxmlformats.org/presentationml/2006/main">
   <p:cSld>
     <p:spTree>
@@ -18430,7 +19426,7 @@
           <a:p>
             <a:fld id="{A18EF1EA-E2A2-4F50-BB23-E89A51CC8F5B}" type="slidenum">
               <a:rPr lang="en-US" smtClean="0"/>
-              <a:t>26</a:t>
+              <a:t>28</a:t>
             </a:fld>
             <a:endParaRPr lang="en-US"/>
           </a:p>
@@ -18449,7 +19445,7 @@
 </p:sld>
 </file>
 
-<file path=ppt/slides/slide27.xml><?xml version="1.0" encoding="utf-8"?>
+<file path=ppt/slides/slide29.xml><?xml version="1.0" encoding="utf-8"?>
 <p:sld xmlns:a="http://schemas.openxmlformats.org/drawingml/2006/main" xmlns:r="http://schemas.openxmlformats.org/officeDocument/2006/relationships" xmlns:p="http://schemas.openxmlformats.org/presentationml/2006/main">
   <p:cSld>
     <p:spTree>
@@ -18777,7 +19773,7 @@
           <a:p>
             <a:fld id="{A18EF1EA-E2A2-4F50-BB23-E89A51CC8F5B}" type="slidenum">
               <a:rPr lang="en-US" smtClean="0"/>
-              <a:t>27</a:t>
+              <a:t>29</a:t>
             </a:fld>
             <a:endParaRPr lang="en-US"/>
           </a:p>
@@ -18787,714 +19783,6 @@
     <p:extLst>
       <p:ext uri="{BB962C8B-B14F-4D97-AF65-F5344CB8AC3E}">
         <p14:creationId xmlns:p14="http://schemas.microsoft.com/office/powerpoint/2010/main" val="3240120224"/>
-      </p:ext>
-    </p:extLst>
-  </p:cSld>
-  <p:clrMapOvr>
-    <a:masterClrMapping/>
-  </p:clrMapOvr>
-</p:sld>
-</file>
-
-<file path=ppt/slides/slide28.xml><?xml version="1.0" encoding="utf-8"?>
-<p:sld xmlns:a="http://schemas.openxmlformats.org/drawingml/2006/main" xmlns:r="http://schemas.openxmlformats.org/officeDocument/2006/relationships" xmlns:p="http://schemas.openxmlformats.org/presentationml/2006/main">
-  <p:cSld>
-    <p:spTree>
-      <p:nvGrpSpPr>
-        <p:cNvPr id="1" name=""/>
-        <p:cNvGrpSpPr/>
-        <p:nvPr/>
-      </p:nvGrpSpPr>
-      <p:grpSpPr>
-        <a:xfrm>
-          <a:off x="0" y="0"/>
-          <a:ext cx="0" cy="0"/>
-          <a:chOff x="0" y="0"/>
-          <a:chExt cx="0" cy="0"/>
-        </a:xfrm>
-      </p:grpSpPr>
-      <p:sp>
-        <p:nvSpPr>
-          <p:cNvPr id="2" name="Заголовок 1">
-            <a:extLst>
-              <a:ext uri="{FF2B5EF4-FFF2-40B4-BE49-F238E27FC236}">
-                <a16:creationId xmlns:a16="http://schemas.microsoft.com/office/drawing/2014/main" id="{037CCFE4-14A7-145C-569D-AF1680962579}"/>
-              </a:ext>
-            </a:extLst>
-          </p:cNvPr>
-          <p:cNvSpPr>
-            <a:spLocks noGrp="1"/>
-          </p:cNvSpPr>
-          <p:nvPr>
-            <p:ph type="title"/>
-          </p:nvPr>
-        </p:nvSpPr>
-        <p:spPr/>
-        <p:txBody>
-          <a:bodyPr/>
-          <a:lstStyle/>
-          <a:p>
-            <a:r>
-              <a:rPr lang="ru-RU" dirty="0" err="1"/>
-              <a:t>Погодьтесь</a:t>
-            </a:r>
-            <a:r>
-              <a:rPr lang="ru-RU" dirty="0"/>
-              <a:t>, </a:t>
-            </a:r>
-            <a:r>
-              <a:rPr lang="ru-RU" dirty="0" err="1"/>
-              <a:t>потужно</a:t>
-            </a:r>
-            <a:r>
-              <a:rPr lang="ru-RU" dirty="0"/>
-              <a:t> </a:t>
-            </a:r>
-            <a:r>
-              <a:rPr lang="ru-RU" dirty="0">
-                <a:sym typeface="Wingdings" panose="05000000000000000000" pitchFamily="2" charset="2"/>
-              </a:rPr>
-              <a:t></a:t>
-            </a:r>
-            <a:endParaRPr lang="ru-UA" dirty="0"/>
-          </a:p>
-        </p:txBody>
-      </p:sp>
-      <p:sp>
-        <p:nvSpPr>
-          <p:cNvPr id="3" name="Місце для вмісту 2">
-            <a:extLst>
-              <a:ext uri="{FF2B5EF4-FFF2-40B4-BE49-F238E27FC236}">
-                <a16:creationId xmlns:a16="http://schemas.microsoft.com/office/drawing/2014/main" id="{C4A3E0F8-AA57-2F77-1D64-900A42BBCEF6}"/>
-              </a:ext>
-            </a:extLst>
-          </p:cNvPr>
-          <p:cNvSpPr>
-            <a:spLocks noGrp="1"/>
-          </p:cNvSpPr>
-          <p:nvPr>
-            <p:ph idx="1"/>
-          </p:nvPr>
-        </p:nvSpPr>
-        <p:spPr/>
-        <p:txBody>
-          <a:bodyPr>
-            <a:normAutofit/>
-          </a:bodyPr>
-          <a:lstStyle/>
-          <a:p>
-            <a:pPr marL="0" indent="0">
-              <a:buNone/>
-            </a:pPr>
-            <a:r>
-              <a:rPr lang="ru-RU" dirty="0" err="1"/>
-              <a:t>Взагалі</a:t>
-            </a:r>
-            <a:r>
-              <a:rPr lang="ru-RU" dirty="0"/>
-              <a:t>, </a:t>
-            </a:r>
-            <a:r>
-              <a:rPr lang="ru-RU" dirty="0" err="1"/>
-              <a:t>техніки</a:t>
-            </a:r>
-            <a:r>
-              <a:rPr lang="ru-RU" dirty="0"/>
-              <a:t>, </a:t>
-            </a:r>
-            <a:r>
-              <a:rPr lang="ru-RU" dirty="0" err="1"/>
-              <a:t>запропоновані</a:t>
-            </a:r>
-            <a:r>
-              <a:rPr lang="ru-RU" dirty="0"/>
-              <a:t> для фабричного методу, </a:t>
-            </a:r>
-            <a:r>
-              <a:rPr lang="ru-RU" dirty="0" err="1"/>
-              <a:t>доречно</a:t>
-            </a:r>
-            <a:r>
-              <a:rPr lang="ru-RU" dirty="0"/>
-              <a:t> </a:t>
-            </a:r>
-            <a:r>
-              <a:rPr lang="ru-RU" dirty="0" err="1"/>
-              <a:t>використовувати</a:t>
-            </a:r>
-            <a:r>
-              <a:rPr lang="ru-RU" dirty="0"/>
-              <a:t> і для </a:t>
-            </a:r>
-            <a:r>
-              <a:rPr lang="ru-RU" dirty="0" err="1"/>
-              <a:t>абстрактних</a:t>
-            </a:r>
-            <a:r>
-              <a:rPr lang="ru-RU" dirty="0"/>
-              <a:t> фабрик:</a:t>
-            </a:r>
-          </a:p>
-          <a:p>
-            <a:r>
-              <a:rPr lang="ru-RU" dirty="0" err="1"/>
-              <a:t>Фабричний</a:t>
-            </a:r>
-            <a:r>
-              <a:rPr lang="ru-RU" dirty="0"/>
-              <a:t> метод за </a:t>
-            </a:r>
-            <a:r>
-              <a:rPr lang="ru-RU" dirty="0" err="1"/>
-              <a:t>замовчуванням</a:t>
-            </a:r>
-            <a:endParaRPr lang="ru-RU" dirty="0"/>
-          </a:p>
-          <a:p>
-            <a:r>
-              <a:rPr lang="ru-RU" dirty="0" err="1"/>
-              <a:t>Ліниве</a:t>
-            </a:r>
-            <a:r>
-              <a:rPr lang="ru-RU" dirty="0"/>
-              <a:t> </a:t>
-            </a:r>
-            <a:r>
-              <a:rPr lang="ru-RU" dirty="0" err="1"/>
-              <a:t>створення</a:t>
-            </a:r>
-            <a:r>
-              <a:rPr lang="ru-RU" dirty="0"/>
-              <a:t> </a:t>
-            </a:r>
-            <a:r>
-              <a:rPr lang="ru-RU" dirty="0" err="1"/>
-              <a:t>об’єктів</a:t>
-            </a:r>
-            <a:endParaRPr lang="ru-RU" dirty="0"/>
-          </a:p>
-          <a:p>
-            <a:r>
-              <a:rPr lang="ru-RU" dirty="0" err="1"/>
-              <a:t>Параметризовані</a:t>
-            </a:r>
-            <a:r>
-              <a:rPr lang="ru-RU" dirty="0"/>
-              <a:t> </a:t>
-            </a:r>
-            <a:r>
-              <a:rPr lang="ru-RU" dirty="0" err="1"/>
-              <a:t>фабричні</a:t>
-            </a:r>
-            <a:r>
-              <a:rPr lang="ru-RU" dirty="0"/>
-              <a:t> </a:t>
-            </a:r>
-            <a:r>
-              <a:rPr lang="ru-RU" dirty="0" err="1"/>
-              <a:t>методи</a:t>
-            </a:r>
-            <a:endParaRPr lang="ru-UA" dirty="0"/>
-          </a:p>
-          <a:p>
-            <a:endParaRPr lang="ru-RU" dirty="0"/>
-          </a:p>
-          <a:p>
-            <a:pPr marL="0" indent="0">
-              <a:buNone/>
-            </a:pPr>
-            <a:r>
-              <a:rPr lang="ru-RU" dirty="0" err="1"/>
-              <a:t>Щоб</a:t>
-            </a:r>
-            <a:r>
-              <a:rPr lang="ru-RU" dirty="0"/>
-              <a:t> </a:t>
-            </a:r>
-            <a:r>
-              <a:rPr lang="ru-RU" dirty="0" err="1"/>
-              <a:t>застосувати</a:t>
-            </a:r>
-            <a:r>
-              <a:rPr lang="ru-RU" dirty="0"/>
-              <a:t> </a:t>
-            </a:r>
-            <a:r>
-              <a:rPr lang="ru-RU" dirty="0" err="1"/>
-              <a:t>якусь</a:t>
-            </a:r>
-            <a:r>
-              <a:rPr lang="ru-RU" dirty="0"/>
-              <a:t> з них до </a:t>
-            </a:r>
-            <a:r>
-              <a:rPr lang="ru-RU" dirty="0" err="1"/>
-              <a:t>всієї</a:t>
-            </a:r>
-            <a:r>
-              <a:rPr lang="ru-RU" dirty="0"/>
-              <a:t> фабрики, треба </a:t>
-            </a:r>
-            <a:r>
-              <a:rPr lang="ru-RU" dirty="0" err="1"/>
-              <a:t>всього</a:t>
-            </a:r>
-            <a:r>
-              <a:rPr lang="ru-RU" dirty="0"/>
-              <a:t> </a:t>
-            </a:r>
-            <a:r>
-              <a:rPr lang="ru-RU" dirty="0" err="1"/>
-              <a:t>лише</a:t>
-            </a:r>
-            <a:r>
-              <a:rPr lang="ru-RU" dirty="0"/>
-              <a:t> </a:t>
-            </a:r>
-            <a:r>
-              <a:rPr lang="ru-RU" dirty="0" err="1"/>
-              <a:t>застосувати</a:t>
-            </a:r>
-            <a:r>
-              <a:rPr lang="ru-RU" dirty="0"/>
-              <a:t> </a:t>
-            </a:r>
-            <a:r>
-              <a:rPr lang="ru-RU" dirty="0" err="1"/>
-              <a:t>їх</a:t>
-            </a:r>
-            <a:r>
-              <a:rPr lang="ru-RU" dirty="0"/>
-              <a:t> до конкретного </a:t>
-            </a:r>
-            <a:r>
-              <a:rPr lang="ru-RU" dirty="0" err="1"/>
-              <a:t>юніту</a:t>
-            </a:r>
-            <a:r>
-              <a:rPr lang="ru-RU" dirty="0"/>
-              <a:t> (</a:t>
-            </a:r>
-            <a:r>
-              <a:rPr lang="ru-RU" dirty="0" err="1"/>
-              <a:t>інтерфейсу</a:t>
-            </a:r>
-            <a:r>
-              <a:rPr lang="ru-RU" dirty="0"/>
-              <a:t> </a:t>
-            </a:r>
-            <a:r>
-              <a:rPr lang="ru-RU" dirty="0" err="1"/>
-              <a:t>чи</a:t>
-            </a:r>
-            <a:r>
-              <a:rPr lang="ru-RU" dirty="0"/>
-              <a:t> </a:t>
-            </a:r>
-            <a:r>
-              <a:rPr lang="ru-RU" dirty="0" err="1"/>
-              <a:t>реалізації</a:t>
-            </a:r>
-            <a:r>
-              <a:rPr lang="ru-RU" dirty="0"/>
-              <a:t>)</a:t>
-            </a:r>
-          </a:p>
-          <a:p>
-            <a:pPr marL="0" indent="0">
-              <a:buNone/>
-            </a:pPr>
-            <a:endParaRPr lang="ru-UA" dirty="0"/>
-          </a:p>
-        </p:txBody>
-      </p:sp>
-      <p:sp>
-        <p:nvSpPr>
-          <p:cNvPr id="4" name="Slide Number Placeholder 3">
-            <a:extLst>
-              <a:ext uri="{FF2B5EF4-FFF2-40B4-BE49-F238E27FC236}">
-                <a16:creationId xmlns:a16="http://schemas.microsoft.com/office/drawing/2014/main" id="{D0E3DAA7-8B58-8E46-D256-9A557A27E4C2}"/>
-              </a:ext>
-            </a:extLst>
-          </p:cNvPr>
-          <p:cNvSpPr>
-            <a:spLocks noGrp="1"/>
-          </p:cNvSpPr>
-          <p:nvPr>
-            <p:ph type="sldNum" sz="quarter" idx="12"/>
-          </p:nvPr>
-        </p:nvSpPr>
-        <p:spPr/>
-        <p:txBody>
-          <a:bodyPr/>
-          <a:lstStyle/>
-          <a:p>
-            <a:fld id="{A18EF1EA-E2A2-4F50-BB23-E89A51CC8F5B}" type="slidenum">
-              <a:rPr lang="en-US" smtClean="0"/>
-              <a:t>28</a:t>
-            </a:fld>
-            <a:endParaRPr lang="en-US"/>
-          </a:p>
-        </p:txBody>
-      </p:sp>
-    </p:spTree>
-    <p:extLst>
-      <p:ext uri="{BB962C8B-B14F-4D97-AF65-F5344CB8AC3E}">
-        <p14:creationId xmlns:p14="http://schemas.microsoft.com/office/powerpoint/2010/main" val="285818883"/>
-      </p:ext>
-    </p:extLst>
-  </p:cSld>
-  <p:clrMapOvr>
-    <a:masterClrMapping/>
-  </p:clrMapOvr>
-</p:sld>
-</file>
-
-<file path=ppt/slides/slide29.xml><?xml version="1.0" encoding="utf-8"?>
-<p:sld xmlns:a="http://schemas.openxmlformats.org/drawingml/2006/main" xmlns:r="http://schemas.openxmlformats.org/officeDocument/2006/relationships" xmlns:p="http://schemas.openxmlformats.org/presentationml/2006/main">
-  <p:cSld>
-    <p:spTree>
-      <p:nvGrpSpPr>
-        <p:cNvPr id="1" name=""/>
-        <p:cNvGrpSpPr/>
-        <p:nvPr/>
-      </p:nvGrpSpPr>
-      <p:grpSpPr>
-        <a:xfrm>
-          <a:off x="0" y="0"/>
-          <a:ext cx="0" cy="0"/>
-          <a:chOff x="0" y="0"/>
-          <a:chExt cx="0" cy="0"/>
-        </a:xfrm>
-      </p:grpSpPr>
-      <p:sp>
-        <p:nvSpPr>
-          <p:cNvPr id="2" name="Title 1">
-            <a:extLst>
-              <a:ext uri="{FF2B5EF4-FFF2-40B4-BE49-F238E27FC236}">
-                <a16:creationId xmlns:a16="http://schemas.microsoft.com/office/drawing/2014/main" id="{4176B744-78E6-C8F6-ECE6-ACB022AFD790}"/>
-              </a:ext>
-            </a:extLst>
-          </p:cNvPr>
-          <p:cNvSpPr>
-            <a:spLocks noGrp="1"/>
-          </p:cNvSpPr>
-          <p:nvPr>
-            <p:ph type="title"/>
-          </p:nvPr>
-        </p:nvSpPr>
-        <p:spPr/>
-        <p:txBody>
-          <a:bodyPr/>
-          <a:lstStyle/>
-          <a:p>
-            <a:r>
-              <a:rPr lang="ru-RU" dirty="0" err="1"/>
-              <a:t>Висновок</a:t>
-            </a:r>
-            <a:endParaRPr lang="en-US" dirty="0"/>
-          </a:p>
-        </p:txBody>
-      </p:sp>
-      <p:sp>
-        <p:nvSpPr>
-          <p:cNvPr id="3" name="Content Placeholder 2">
-            <a:extLst>
-              <a:ext uri="{FF2B5EF4-FFF2-40B4-BE49-F238E27FC236}">
-                <a16:creationId xmlns:a16="http://schemas.microsoft.com/office/drawing/2014/main" id="{EE3703CE-8911-DDDE-CAEC-04CED7B4C39A}"/>
-              </a:ext>
-            </a:extLst>
-          </p:cNvPr>
-          <p:cNvSpPr>
-            <a:spLocks noGrp="1"/>
-          </p:cNvSpPr>
-          <p:nvPr>
-            <p:ph idx="1"/>
-          </p:nvPr>
-        </p:nvSpPr>
-        <p:spPr/>
-        <p:txBody>
-          <a:bodyPr/>
-          <a:lstStyle/>
-          <a:p>
-            <a:pPr marL="0" indent="0">
-              <a:buNone/>
-            </a:pPr>
-            <a:r>
-              <a:rPr lang="ru-RU" dirty="0"/>
-              <a:t>Дана </a:t>
-            </a:r>
-            <a:r>
-              <a:rPr lang="ru-RU" dirty="0" err="1"/>
-              <a:t>реалізація</a:t>
-            </a:r>
-            <a:r>
-              <a:rPr lang="ru-RU" dirty="0"/>
-              <a:t> </a:t>
-            </a:r>
-            <a:r>
-              <a:rPr lang="ru-RU" dirty="0" err="1"/>
-              <a:t>абстрактної</a:t>
-            </a:r>
-            <a:r>
-              <a:rPr lang="ru-RU" dirty="0"/>
-              <a:t> фабрики є </a:t>
-            </a:r>
-            <a:r>
-              <a:rPr lang="ru-RU" dirty="0" err="1"/>
-              <a:t>дуже</a:t>
-            </a:r>
-            <a:r>
-              <a:rPr lang="ru-RU" dirty="0"/>
-              <a:t> складною і </a:t>
-            </a:r>
-            <a:r>
-              <a:rPr lang="ru-RU" dirty="0" err="1"/>
-              <a:t>спирається</a:t>
-            </a:r>
-            <a:r>
-              <a:rPr lang="ru-RU" dirty="0"/>
-              <a:t> на </a:t>
-            </a:r>
-            <a:r>
-              <a:rPr lang="ru-RU" dirty="0" err="1"/>
-              <a:t>потужні</a:t>
-            </a:r>
-            <a:r>
-              <a:rPr lang="ru-RU" dirty="0"/>
-              <a:t> </a:t>
-            </a:r>
-            <a:r>
-              <a:rPr lang="ru-RU" dirty="0" err="1"/>
-              <a:t>можливості</a:t>
-            </a:r>
-            <a:r>
-              <a:rPr lang="ru-RU" dirty="0"/>
-              <a:t> </a:t>
-            </a:r>
-            <a:r>
-              <a:rPr lang="ru-RU" dirty="0" err="1"/>
-              <a:t>узагальненого</a:t>
-            </a:r>
-            <a:r>
-              <a:rPr lang="ru-RU" dirty="0"/>
-              <a:t> </a:t>
-            </a:r>
-            <a:r>
-              <a:rPr lang="ru-RU" dirty="0" err="1"/>
-              <a:t>програмування</a:t>
-            </a:r>
-            <a:r>
-              <a:rPr lang="ru-RU" dirty="0"/>
-              <a:t> </a:t>
-            </a:r>
-            <a:r>
-              <a:rPr lang="ru-RU" dirty="0" err="1"/>
-              <a:t>мови</a:t>
-            </a:r>
-            <a:r>
-              <a:rPr lang="ru-RU" dirty="0"/>
-              <a:t> С++.</a:t>
-            </a:r>
-          </a:p>
-          <a:p>
-            <a:pPr marL="0" indent="0">
-              <a:buNone/>
-            </a:pPr>
-            <a:r>
-              <a:rPr lang="ru-RU" dirty="0" err="1"/>
-              <a:t>Проте</a:t>
-            </a:r>
-            <a:r>
-              <a:rPr lang="ru-RU" dirty="0"/>
-              <a:t> </a:t>
-            </a:r>
-            <a:r>
-              <a:rPr lang="ru-RU" dirty="0" err="1"/>
-              <a:t>така</a:t>
-            </a:r>
-            <a:r>
-              <a:rPr lang="ru-RU" dirty="0"/>
-              <a:t> </a:t>
-            </a:r>
-            <a:r>
-              <a:rPr lang="ru-RU" dirty="0" err="1"/>
-              <a:t>реалізація</a:t>
-            </a:r>
-            <a:r>
-              <a:rPr lang="ru-RU" dirty="0"/>
-              <a:t> </a:t>
-            </a:r>
-            <a:r>
-              <a:rPr lang="ru-RU" dirty="0" err="1"/>
-              <a:t>дозволяє</a:t>
-            </a:r>
-            <a:r>
-              <a:rPr lang="ru-RU" dirty="0"/>
-              <a:t> </a:t>
-            </a:r>
-            <a:r>
-              <a:rPr lang="ru-RU" dirty="0" err="1"/>
-              <a:t>досягти</a:t>
-            </a:r>
-            <a:r>
-              <a:rPr lang="ru-RU" dirty="0"/>
-              <a:t> </a:t>
-            </a:r>
-            <a:r>
-              <a:rPr lang="ru-RU" dirty="0" err="1"/>
-              <a:t>великої</a:t>
-            </a:r>
-            <a:r>
-              <a:rPr lang="ru-RU" dirty="0"/>
-              <a:t> </a:t>
-            </a:r>
-            <a:r>
-              <a:rPr lang="ru-RU" dirty="0" err="1"/>
-              <a:t>простоти</a:t>
-            </a:r>
-            <a:r>
-              <a:rPr lang="ru-RU" dirty="0"/>
-              <a:t> та </a:t>
-            </a:r>
-            <a:r>
-              <a:rPr lang="ru-RU" dirty="0" err="1"/>
-              <a:t>гнучкості</a:t>
-            </a:r>
-            <a:r>
-              <a:rPr lang="ru-RU" dirty="0"/>
-              <a:t> </a:t>
-            </a:r>
-            <a:r>
-              <a:rPr lang="ru-RU" dirty="0" err="1"/>
-              <a:t>використання</a:t>
-            </a:r>
-            <a:r>
-              <a:rPr lang="ru-RU" dirty="0"/>
-              <a:t> таких фабрик. </a:t>
-            </a:r>
-            <a:r>
-              <a:rPr lang="ru-RU" dirty="0" err="1"/>
-              <a:t>Довільні</a:t>
-            </a:r>
-            <a:r>
-              <a:rPr lang="ru-RU" dirty="0"/>
-              <a:t> </a:t>
-            </a:r>
-            <a:r>
-              <a:rPr lang="ru-RU" dirty="0" err="1"/>
-              <a:t>розширення</a:t>
-            </a:r>
-            <a:r>
-              <a:rPr lang="ru-RU" dirty="0"/>
-              <a:t> </a:t>
-            </a:r>
-            <a:r>
-              <a:rPr lang="ru-RU" dirty="0" err="1"/>
-              <a:t>ієрархії</a:t>
-            </a:r>
-            <a:r>
-              <a:rPr lang="ru-RU" dirty="0"/>
-              <a:t> таких фабрик </a:t>
-            </a:r>
-            <a:r>
-              <a:rPr lang="ru-RU" dirty="0" err="1"/>
-              <a:t>зводиться</a:t>
-            </a:r>
-            <a:r>
-              <a:rPr lang="ru-RU" dirty="0"/>
-              <a:t> до </a:t>
-            </a:r>
-            <a:r>
-              <a:rPr lang="ru-RU" dirty="0" err="1"/>
-              <a:t>розширення</a:t>
-            </a:r>
-            <a:r>
-              <a:rPr lang="ru-RU" dirty="0"/>
-              <a:t> </a:t>
-            </a:r>
-            <a:r>
-              <a:rPr lang="ru-RU" dirty="0" err="1"/>
-              <a:t>всього</a:t>
-            </a:r>
-            <a:r>
-              <a:rPr lang="ru-RU" dirty="0"/>
-              <a:t> </a:t>
-            </a:r>
-            <a:r>
-              <a:rPr lang="ru-RU" dirty="0" err="1"/>
-              <a:t>лише</a:t>
-            </a:r>
-            <a:r>
-              <a:rPr lang="ru-RU" dirty="0"/>
-              <a:t> </a:t>
-            </a:r>
-            <a:r>
-              <a:rPr lang="ru-RU" dirty="0" err="1"/>
-              <a:t>ієрархії</a:t>
-            </a:r>
-            <a:r>
-              <a:rPr lang="ru-RU" dirty="0"/>
-              <a:t> </a:t>
-            </a:r>
-            <a:r>
-              <a:rPr lang="ru-RU" dirty="0" err="1"/>
-              <a:t>юнітів</a:t>
-            </a:r>
-            <a:r>
-              <a:rPr lang="ru-RU" dirty="0"/>
-              <a:t> </a:t>
-            </a:r>
-            <a:r>
-              <a:rPr lang="ru-RU" dirty="0" err="1"/>
-              <a:t>цих</a:t>
-            </a:r>
-            <a:r>
-              <a:rPr lang="ru-RU" dirty="0"/>
-              <a:t> фабрик.</a:t>
-            </a:r>
-          </a:p>
-          <a:p>
-            <a:pPr marL="0" indent="0">
-              <a:buNone/>
-            </a:pPr>
-            <a:endParaRPr lang="ru-RU" dirty="0"/>
-          </a:p>
-        </p:txBody>
-      </p:sp>
-      <p:sp>
-        <p:nvSpPr>
-          <p:cNvPr id="4" name="Slide Number Placeholder 3">
-            <a:extLst>
-              <a:ext uri="{FF2B5EF4-FFF2-40B4-BE49-F238E27FC236}">
-                <a16:creationId xmlns:a16="http://schemas.microsoft.com/office/drawing/2014/main" id="{373E704B-4F1C-CE7D-0CE2-C4E5F24CA74F}"/>
-              </a:ext>
-            </a:extLst>
-          </p:cNvPr>
-          <p:cNvSpPr>
-            <a:spLocks noGrp="1"/>
-          </p:cNvSpPr>
-          <p:nvPr>
-            <p:ph type="sldNum" sz="quarter" idx="12"/>
-          </p:nvPr>
-        </p:nvSpPr>
-        <p:spPr/>
-        <p:txBody>
-          <a:bodyPr/>
-          <a:lstStyle/>
-          <a:p>
-            <a:fld id="{A18EF1EA-E2A2-4F50-BB23-E89A51CC8F5B}" type="slidenum">
-              <a:rPr lang="en-US" smtClean="0"/>
-              <a:t>29</a:t>
-            </a:fld>
-            <a:endParaRPr lang="en-US"/>
-          </a:p>
-        </p:txBody>
-      </p:sp>
-    </p:spTree>
-    <p:extLst>
-      <p:ext uri="{BB962C8B-B14F-4D97-AF65-F5344CB8AC3E}">
-        <p14:creationId xmlns:p14="http://schemas.microsoft.com/office/powerpoint/2010/main" val="1020837009"/>
       </p:ext>
     </p:extLst>
   </p:cSld>
@@ -19781,6 +20069,19 @@
           </a:p>
           <a:p>
             <a:r>
+              <a:rPr lang="en-US" dirty="0"/>
+              <a:t>Type2Type</a:t>
+            </a:r>
+          </a:p>
+          <a:p>
+            <a:r>
+              <a:rPr lang="en-US" dirty="0" err="1"/>
+              <a:t>Typelist</a:t>
+            </a:r>
+            <a:endParaRPr lang="en-US" dirty="0"/>
+          </a:p>
+          <a:p>
+            <a:r>
               <a:rPr lang="en-US" dirty="0" err="1"/>
               <a:t>GenScatterHierarchy</a:t>
             </a:r>
@@ -19790,19 +20091,6 @@
             <a:r>
               <a:rPr lang="en-US" dirty="0" err="1"/>
               <a:t>GenLinearHierarchy</a:t>
-            </a:r>
-            <a:endParaRPr lang="en-US" dirty="0"/>
-          </a:p>
-          <a:p>
-            <a:r>
-              <a:rPr lang="en-US" dirty="0"/>
-              <a:t>Type2Type</a:t>
-            </a:r>
-          </a:p>
-          <a:p>
-            <a:r>
-              <a:rPr lang="en-US" dirty="0" err="1"/>
-              <a:t>Typelist</a:t>
             </a:r>
             <a:endParaRPr lang="en-US" dirty="0"/>
           </a:p>
@@ -19857,6 +20145,714 @@
 </file>
 
 <file path=ppt/slides/slide30.xml><?xml version="1.0" encoding="utf-8"?>
+<p:sld xmlns:a="http://schemas.openxmlformats.org/drawingml/2006/main" xmlns:r="http://schemas.openxmlformats.org/officeDocument/2006/relationships" xmlns:p="http://schemas.openxmlformats.org/presentationml/2006/main">
+  <p:cSld>
+    <p:spTree>
+      <p:nvGrpSpPr>
+        <p:cNvPr id="1" name=""/>
+        <p:cNvGrpSpPr/>
+        <p:nvPr/>
+      </p:nvGrpSpPr>
+      <p:grpSpPr>
+        <a:xfrm>
+          <a:off x="0" y="0"/>
+          <a:ext cx="0" cy="0"/>
+          <a:chOff x="0" y="0"/>
+          <a:chExt cx="0" cy="0"/>
+        </a:xfrm>
+      </p:grpSpPr>
+      <p:sp>
+        <p:nvSpPr>
+          <p:cNvPr id="2" name="Заголовок 1">
+            <a:extLst>
+              <a:ext uri="{FF2B5EF4-FFF2-40B4-BE49-F238E27FC236}">
+                <a16:creationId xmlns:a16="http://schemas.microsoft.com/office/drawing/2014/main" id="{037CCFE4-14A7-145C-569D-AF1680962579}"/>
+              </a:ext>
+            </a:extLst>
+          </p:cNvPr>
+          <p:cNvSpPr>
+            <a:spLocks noGrp="1"/>
+          </p:cNvSpPr>
+          <p:nvPr>
+            <p:ph type="title"/>
+          </p:nvPr>
+        </p:nvSpPr>
+        <p:spPr/>
+        <p:txBody>
+          <a:bodyPr/>
+          <a:lstStyle/>
+          <a:p>
+            <a:r>
+              <a:rPr lang="ru-RU" dirty="0" err="1"/>
+              <a:t>Погодьтесь</a:t>
+            </a:r>
+            <a:r>
+              <a:rPr lang="ru-RU" dirty="0"/>
+              <a:t>, </a:t>
+            </a:r>
+            <a:r>
+              <a:rPr lang="ru-RU" dirty="0" err="1"/>
+              <a:t>потужно</a:t>
+            </a:r>
+            <a:r>
+              <a:rPr lang="ru-RU" dirty="0"/>
+              <a:t> </a:t>
+            </a:r>
+            <a:r>
+              <a:rPr lang="ru-RU" dirty="0">
+                <a:sym typeface="Wingdings" panose="05000000000000000000" pitchFamily="2" charset="2"/>
+              </a:rPr>
+              <a:t></a:t>
+            </a:r>
+            <a:endParaRPr lang="ru-UA" dirty="0"/>
+          </a:p>
+        </p:txBody>
+      </p:sp>
+      <p:sp>
+        <p:nvSpPr>
+          <p:cNvPr id="3" name="Місце для вмісту 2">
+            <a:extLst>
+              <a:ext uri="{FF2B5EF4-FFF2-40B4-BE49-F238E27FC236}">
+                <a16:creationId xmlns:a16="http://schemas.microsoft.com/office/drawing/2014/main" id="{C4A3E0F8-AA57-2F77-1D64-900A42BBCEF6}"/>
+              </a:ext>
+            </a:extLst>
+          </p:cNvPr>
+          <p:cNvSpPr>
+            <a:spLocks noGrp="1"/>
+          </p:cNvSpPr>
+          <p:nvPr>
+            <p:ph idx="1"/>
+          </p:nvPr>
+        </p:nvSpPr>
+        <p:spPr/>
+        <p:txBody>
+          <a:bodyPr>
+            <a:normAutofit/>
+          </a:bodyPr>
+          <a:lstStyle/>
+          <a:p>
+            <a:pPr marL="0" indent="0">
+              <a:buNone/>
+            </a:pPr>
+            <a:r>
+              <a:rPr lang="ru-RU" dirty="0" err="1"/>
+              <a:t>Взагалі</a:t>
+            </a:r>
+            <a:r>
+              <a:rPr lang="ru-RU" dirty="0"/>
+              <a:t>, </a:t>
+            </a:r>
+            <a:r>
+              <a:rPr lang="ru-RU" dirty="0" err="1"/>
+              <a:t>техніки</a:t>
+            </a:r>
+            <a:r>
+              <a:rPr lang="ru-RU" dirty="0"/>
+              <a:t>, </a:t>
+            </a:r>
+            <a:r>
+              <a:rPr lang="ru-RU" dirty="0" err="1"/>
+              <a:t>запропоновані</a:t>
+            </a:r>
+            <a:r>
+              <a:rPr lang="ru-RU" dirty="0"/>
+              <a:t> для фабричного методу, </a:t>
+            </a:r>
+            <a:r>
+              <a:rPr lang="ru-RU" dirty="0" err="1"/>
+              <a:t>доречно</a:t>
+            </a:r>
+            <a:r>
+              <a:rPr lang="ru-RU" dirty="0"/>
+              <a:t> </a:t>
+            </a:r>
+            <a:r>
+              <a:rPr lang="ru-RU" dirty="0" err="1"/>
+              <a:t>використовувати</a:t>
+            </a:r>
+            <a:r>
+              <a:rPr lang="ru-RU" dirty="0"/>
+              <a:t> і для </a:t>
+            </a:r>
+            <a:r>
+              <a:rPr lang="ru-RU" dirty="0" err="1"/>
+              <a:t>абстрактних</a:t>
+            </a:r>
+            <a:r>
+              <a:rPr lang="ru-RU" dirty="0"/>
+              <a:t> фабрик:</a:t>
+            </a:r>
+          </a:p>
+          <a:p>
+            <a:r>
+              <a:rPr lang="ru-RU" dirty="0" err="1"/>
+              <a:t>Фабричний</a:t>
+            </a:r>
+            <a:r>
+              <a:rPr lang="ru-RU" dirty="0"/>
+              <a:t> метод за </a:t>
+            </a:r>
+            <a:r>
+              <a:rPr lang="ru-RU" dirty="0" err="1"/>
+              <a:t>замовчуванням</a:t>
+            </a:r>
+            <a:endParaRPr lang="ru-RU" dirty="0"/>
+          </a:p>
+          <a:p>
+            <a:r>
+              <a:rPr lang="ru-RU" dirty="0" err="1"/>
+              <a:t>Ліниве</a:t>
+            </a:r>
+            <a:r>
+              <a:rPr lang="ru-RU" dirty="0"/>
+              <a:t> </a:t>
+            </a:r>
+            <a:r>
+              <a:rPr lang="ru-RU" dirty="0" err="1"/>
+              <a:t>створення</a:t>
+            </a:r>
+            <a:r>
+              <a:rPr lang="ru-RU" dirty="0"/>
+              <a:t> </a:t>
+            </a:r>
+            <a:r>
+              <a:rPr lang="ru-RU" dirty="0" err="1"/>
+              <a:t>об’єктів</a:t>
+            </a:r>
+            <a:endParaRPr lang="ru-RU" dirty="0"/>
+          </a:p>
+          <a:p>
+            <a:r>
+              <a:rPr lang="ru-RU" dirty="0" err="1"/>
+              <a:t>Параметризовані</a:t>
+            </a:r>
+            <a:r>
+              <a:rPr lang="ru-RU" dirty="0"/>
+              <a:t> </a:t>
+            </a:r>
+            <a:r>
+              <a:rPr lang="ru-RU" dirty="0" err="1"/>
+              <a:t>фабричні</a:t>
+            </a:r>
+            <a:r>
+              <a:rPr lang="ru-RU" dirty="0"/>
+              <a:t> </a:t>
+            </a:r>
+            <a:r>
+              <a:rPr lang="ru-RU" dirty="0" err="1"/>
+              <a:t>методи</a:t>
+            </a:r>
+            <a:endParaRPr lang="ru-UA" dirty="0"/>
+          </a:p>
+          <a:p>
+            <a:endParaRPr lang="ru-RU" dirty="0"/>
+          </a:p>
+          <a:p>
+            <a:pPr marL="0" indent="0">
+              <a:buNone/>
+            </a:pPr>
+            <a:r>
+              <a:rPr lang="ru-RU" dirty="0" err="1"/>
+              <a:t>Щоб</a:t>
+            </a:r>
+            <a:r>
+              <a:rPr lang="ru-RU" dirty="0"/>
+              <a:t> </a:t>
+            </a:r>
+            <a:r>
+              <a:rPr lang="ru-RU" dirty="0" err="1"/>
+              <a:t>застосувати</a:t>
+            </a:r>
+            <a:r>
+              <a:rPr lang="ru-RU" dirty="0"/>
+              <a:t> </a:t>
+            </a:r>
+            <a:r>
+              <a:rPr lang="ru-RU" dirty="0" err="1"/>
+              <a:t>якусь</a:t>
+            </a:r>
+            <a:r>
+              <a:rPr lang="ru-RU" dirty="0"/>
+              <a:t> з них до </a:t>
+            </a:r>
+            <a:r>
+              <a:rPr lang="ru-RU" dirty="0" err="1"/>
+              <a:t>всієї</a:t>
+            </a:r>
+            <a:r>
+              <a:rPr lang="ru-RU" dirty="0"/>
+              <a:t> фабрики, треба </a:t>
+            </a:r>
+            <a:r>
+              <a:rPr lang="ru-RU" dirty="0" err="1"/>
+              <a:t>всього</a:t>
+            </a:r>
+            <a:r>
+              <a:rPr lang="ru-RU" dirty="0"/>
+              <a:t> </a:t>
+            </a:r>
+            <a:r>
+              <a:rPr lang="ru-RU" dirty="0" err="1"/>
+              <a:t>лише</a:t>
+            </a:r>
+            <a:r>
+              <a:rPr lang="ru-RU" dirty="0"/>
+              <a:t> </a:t>
+            </a:r>
+            <a:r>
+              <a:rPr lang="ru-RU" dirty="0" err="1"/>
+              <a:t>застосувати</a:t>
+            </a:r>
+            <a:r>
+              <a:rPr lang="ru-RU" dirty="0"/>
+              <a:t> </a:t>
+            </a:r>
+            <a:r>
+              <a:rPr lang="ru-RU" dirty="0" err="1"/>
+              <a:t>їх</a:t>
+            </a:r>
+            <a:r>
+              <a:rPr lang="ru-RU" dirty="0"/>
+              <a:t> до конкретного </a:t>
+            </a:r>
+            <a:r>
+              <a:rPr lang="ru-RU" dirty="0" err="1"/>
+              <a:t>юніту</a:t>
+            </a:r>
+            <a:r>
+              <a:rPr lang="ru-RU" dirty="0"/>
+              <a:t> (</a:t>
+            </a:r>
+            <a:r>
+              <a:rPr lang="ru-RU" dirty="0" err="1"/>
+              <a:t>інтерфейсу</a:t>
+            </a:r>
+            <a:r>
+              <a:rPr lang="ru-RU" dirty="0"/>
+              <a:t> </a:t>
+            </a:r>
+            <a:r>
+              <a:rPr lang="ru-RU" dirty="0" err="1"/>
+              <a:t>чи</a:t>
+            </a:r>
+            <a:r>
+              <a:rPr lang="ru-RU" dirty="0"/>
+              <a:t> </a:t>
+            </a:r>
+            <a:r>
+              <a:rPr lang="ru-RU" dirty="0" err="1"/>
+              <a:t>реалізації</a:t>
+            </a:r>
+            <a:r>
+              <a:rPr lang="ru-RU" dirty="0"/>
+              <a:t>)</a:t>
+            </a:r>
+          </a:p>
+          <a:p>
+            <a:pPr marL="0" indent="0">
+              <a:buNone/>
+            </a:pPr>
+            <a:endParaRPr lang="ru-UA" dirty="0"/>
+          </a:p>
+        </p:txBody>
+      </p:sp>
+      <p:sp>
+        <p:nvSpPr>
+          <p:cNvPr id="4" name="Slide Number Placeholder 3">
+            <a:extLst>
+              <a:ext uri="{FF2B5EF4-FFF2-40B4-BE49-F238E27FC236}">
+                <a16:creationId xmlns:a16="http://schemas.microsoft.com/office/drawing/2014/main" id="{D0E3DAA7-8B58-8E46-D256-9A557A27E4C2}"/>
+              </a:ext>
+            </a:extLst>
+          </p:cNvPr>
+          <p:cNvSpPr>
+            <a:spLocks noGrp="1"/>
+          </p:cNvSpPr>
+          <p:nvPr>
+            <p:ph type="sldNum" sz="quarter" idx="12"/>
+          </p:nvPr>
+        </p:nvSpPr>
+        <p:spPr/>
+        <p:txBody>
+          <a:bodyPr/>
+          <a:lstStyle/>
+          <a:p>
+            <a:fld id="{A18EF1EA-E2A2-4F50-BB23-E89A51CC8F5B}" type="slidenum">
+              <a:rPr lang="en-US" smtClean="0"/>
+              <a:t>30</a:t>
+            </a:fld>
+            <a:endParaRPr lang="en-US"/>
+          </a:p>
+        </p:txBody>
+      </p:sp>
+    </p:spTree>
+    <p:extLst>
+      <p:ext uri="{BB962C8B-B14F-4D97-AF65-F5344CB8AC3E}">
+        <p14:creationId xmlns:p14="http://schemas.microsoft.com/office/powerpoint/2010/main" val="285818883"/>
+      </p:ext>
+    </p:extLst>
+  </p:cSld>
+  <p:clrMapOvr>
+    <a:masterClrMapping/>
+  </p:clrMapOvr>
+</p:sld>
+</file>
+
+<file path=ppt/slides/slide31.xml><?xml version="1.0" encoding="utf-8"?>
+<p:sld xmlns:a="http://schemas.openxmlformats.org/drawingml/2006/main" xmlns:r="http://schemas.openxmlformats.org/officeDocument/2006/relationships" xmlns:p="http://schemas.openxmlformats.org/presentationml/2006/main">
+  <p:cSld>
+    <p:spTree>
+      <p:nvGrpSpPr>
+        <p:cNvPr id="1" name=""/>
+        <p:cNvGrpSpPr/>
+        <p:nvPr/>
+      </p:nvGrpSpPr>
+      <p:grpSpPr>
+        <a:xfrm>
+          <a:off x="0" y="0"/>
+          <a:ext cx="0" cy="0"/>
+          <a:chOff x="0" y="0"/>
+          <a:chExt cx="0" cy="0"/>
+        </a:xfrm>
+      </p:grpSpPr>
+      <p:sp>
+        <p:nvSpPr>
+          <p:cNvPr id="2" name="Title 1">
+            <a:extLst>
+              <a:ext uri="{FF2B5EF4-FFF2-40B4-BE49-F238E27FC236}">
+                <a16:creationId xmlns:a16="http://schemas.microsoft.com/office/drawing/2014/main" id="{4176B744-78E6-C8F6-ECE6-ACB022AFD790}"/>
+              </a:ext>
+            </a:extLst>
+          </p:cNvPr>
+          <p:cNvSpPr>
+            <a:spLocks noGrp="1"/>
+          </p:cNvSpPr>
+          <p:nvPr>
+            <p:ph type="title"/>
+          </p:nvPr>
+        </p:nvSpPr>
+        <p:spPr/>
+        <p:txBody>
+          <a:bodyPr/>
+          <a:lstStyle/>
+          <a:p>
+            <a:r>
+              <a:rPr lang="ru-RU" dirty="0" err="1"/>
+              <a:t>Висновок</a:t>
+            </a:r>
+            <a:endParaRPr lang="en-US" dirty="0"/>
+          </a:p>
+        </p:txBody>
+      </p:sp>
+      <p:sp>
+        <p:nvSpPr>
+          <p:cNvPr id="3" name="Content Placeholder 2">
+            <a:extLst>
+              <a:ext uri="{FF2B5EF4-FFF2-40B4-BE49-F238E27FC236}">
+                <a16:creationId xmlns:a16="http://schemas.microsoft.com/office/drawing/2014/main" id="{EE3703CE-8911-DDDE-CAEC-04CED7B4C39A}"/>
+              </a:ext>
+            </a:extLst>
+          </p:cNvPr>
+          <p:cNvSpPr>
+            <a:spLocks noGrp="1"/>
+          </p:cNvSpPr>
+          <p:nvPr>
+            <p:ph idx="1"/>
+          </p:nvPr>
+        </p:nvSpPr>
+        <p:spPr/>
+        <p:txBody>
+          <a:bodyPr/>
+          <a:lstStyle/>
+          <a:p>
+            <a:pPr marL="0" indent="0">
+              <a:buNone/>
+            </a:pPr>
+            <a:r>
+              <a:rPr lang="ru-RU" dirty="0"/>
+              <a:t>Дана </a:t>
+            </a:r>
+            <a:r>
+              <a:rPr lang="ru-RU" dirty="0" err="1"/>
+              <a:t>реалізація</a:t>
+            </a:r>
+            <a:r>
+              <a:rPr lang="ru-RU" dirty="0"/>
+              <a:t> </a:t>
+            </a:r>
+            <a:r>
+              <a:rPr lang="ru-RU" dirty="0" err="1"/>
+              <a:t>абстрактної</a:t>
+            </a:r>
+            <a:r>
+              <a:rPr lang="ru-RU" dirty="0"/>
+              <a:t> фабрики є </a:t>
+            </a:r>
+            <a:r>
+              <a:rPr lang="ru-RU" dirty="0" err="1"/>
+              <a:t>дуже</a:t>
+            </a:r>
+            <a:r>
+              <a:rPr lang="ru-RU" dirty="0"/>
+              <a:t> складною і </a:t>
+            </a:r>
+            <a:r>
+              <a:rPr lang="ru-RU" dirty="0" err="1"/>
+              <a:t>спирається</a:t>
+            </a:r>
+            <a:r>
+              <a:rPr lang="ru-RU" dirty="0"/>
+              <a:t> на </a:t>
+            </a:r>
+            <a:r>
+              <a:rPr lang="ru-RU" dirty="0" err="1"/>
+              <a:t>потужні</a:t>
+            </a:r>
+            <a:r>
+              <a:rPr lang="ru-RU" dirty="0"/>
+              <a:t> </a:t>
+            </a:r>
+            <a:r>
+              <a:rPr lang="ru-RU" dirty="0" err="1"/>
+              <a:t>можливості</a:t>
+            </a:r>
+            <a:r>
+              <a:rPr lang="ru-RU" dirty="0"/>
+              <a:t> </a:t>
+            </a:r>
+            <a:r>
+              <a:rPr lang="ru-RU" dirty="0" err="1"/>
+              <a:t>узагальненого</a:t>
+            </a:r>
+            <a:r>
+              <a:rPr lang="ru-RU" dirty="0"/>
+              <a:t> </a:t>
+            </a:r>
+            <a:r>
+              <a:rPr lang="ru-RU" dirty="0" err="1"/>
+              <a:t>програмування</a:t>
+            </a:r>
+            <a:r>
+              <a:rPr lang="ru-RU" dirty="0"/>
+              <a:t> </a:t>
+            </a:r>
+            <a:r>
+              <a:rPr lang="ru-RU" dirty="0" err="1"/>
+              <a:t>мови</a:t>
+            </a:r>
+            <a:r>
+              <a:rPr lang="ru-RU" dirty="0"/>
+              <a:t> С++.</a:t>
+            </a:r>
+          </a:p>
+          <a:p>
+            <a:pPr marL="0" indent="0">
+              <a:buNone/>
+            </a:pPr>
+            <a:r>
+              <a:rPr lang="ru-RU" dirty="0" err="1"/>
+              <a:t>Проте</a:t>
+            </a:r>
+            <a:r>
+              <a:rPr lang="ru-RU" dirty="0"/>
+              <a:t> </a:t>
+            </a:r>
+            <a:r>
+              <a:rPr lang="ru-RU" dirty="0" err="1"/>
+              <a:t>така</a:t>
+            </a:r>
+            <a:r>
+              <a:rPr lang="ru-RU" dirty="0"/>
+              <a:t> </a:t>
+            </a:r>
+            <a:r>
+              <a:rPr lang="ru-RU" dirty="0" err="1"/>
+              <a:t>реалізація</a:t>
+            </a:r>
+            <a:r>
+              <a:rPr lang="ru-RU" dirty="0"/>
+              <a:t> </a:t>
+            </a:r>
+            <a:r>
+              <a:rPr lang="ru-RU" dirty="0" err="1"/>
+              <a:t>дозволяє</a:t>
+            </a:r>
+            <a:r>
+              <a:rPr lang="ru-RU" dirty="0"/>
+              <a:t> </a:t>
+            </a:r>
+            <a:r>
+              <a:rPr lang="ru-RU" dirty="0" err="1"/>
+              <a:t>досягти</a:t>
+            </a:r>
+            <a:r>
+              <a:rPr lang="ru-RU" dirty="0"/>
+              <a:t> </a:t>
+            </a:r>
+            <a:r>
+              <a:rPr lang="ru-RU" dirty="0" err="1"/>
+              <a:t>великої</a:t>
+            </a:r>
+            <a:r>
+              <a:rPr lang="ru-RU" dirty="0"/>
+              <a:t> </a:t>
+            </a:r>
+            <a:r>
+              <a:rPr lang="ru-RU" dirty="0" err="1"/>
+              <a:t>простоти</a:t>
+            </a:r>
+            <a:r>
+              <a:rPr lang="ru-RU" dirty="0"/>
+              <a:t> та </a:t>
+            </a:r>
+            <a:r>
+              <a:rPr lang="ru-RU" dirty="0" err="1"/>
+              <a:t>гнучкості</a:t>
+            </a:r>
+            <a:r>
+              <a:rPr lang="ru-RU" dirty="0"/>
+              <a:t> </a:t>
+            </a:r>
+            <a:r>
+              <a:rPr lang="ru-RU" dirty="0" err="1"/>
+              <a:t>використання</a:t>
+            </a:r>
+            <a:r>
+              <a:rPr lang="ru-RU" dirty="0"/>
+              <a:t> таких фабрик. </a:t>
+            </a:r>
+            <a:r>
+              <a:rPr lang="ru-RU" dirty="0" err="1"/>
+              <a:t>Довільні</a:t>
+            </a:r>
+            <a:r>
+              <a:rPr lang="ru-RU" dirty="0"/>
+              <a:t> </a:t>
+            </a:r>
+            <a:r>
+              <a:rPr lang="ru-RU" dirty="0" err="1"/>
+              <a:t>розширення</a:t>
+            </a:r>
+            <a:r>
+              <a:rPr lang="ru-RU" dirty="0"/>
+              <a:t> </a:t>
+            </a:r>
+            <a:r>
+              <a:rPr lang="ru-RU" dirty="0" err="1"/>
+              <a:t>ієрархії</a:t>
+            </a:r>
+            <a:r>
+              <a:rPr lang="ru-RU" dirty="0"/>
+              <a:t> таких фабрик </a:t>
+            </a:r>
+            <a:r>
+              <a:rPr lang="ru-RU" dirty="0" err="1"/>
+              <a:t>зводиться</a:t>
+            </a:r>
+            <a:r>
+              <a:rPr lang="ru-RU" dirty="0"/>
+              <a:t> до </a:t>
+            </a:r>
+            <a:r>
+              <a:rPr lang="ru-RU" dirty="0" err="1"/>
+              <a:t>розширення</a:t>
+            </a:r>
+            <a:r>
+              <a:rPr lang="ru-RU" dirty="0"/>
+              <a:t> </a:t>
+            </a:r>
+            <a:r>
+              <a:rPr lang="ru-RU" dirty="0" err="1"/>
+              <a:t>всього</a:t>
+            </a:r>
+            <a:r>
+              <a:rPr lang="ru-RU" dirty="0"/>
+              <a:t> </a:t>
+            </a:r>
+            <a:r>
+              <a:rPr lang="ru-RU" dirty="0" err="1"/>
+              <a:t>лише</a:t>
+            </a:r>
+            <a:r>
+              <a:rPr lang="ru-RU" dirty="0"/>
+              <a:t> </a:t>
+            </a:r>
+            <a:r>
+              <a:rPr lang="ru-RU" dirty="0" err="1"/>
+              <a:t>ієрархії</a:t>
+            </a:r>
+            <a:r>
+              <a:rPr lang="ru-RU" dirty="0"/>
+              <a:t> </a:t>
+            </a:r>
+            <a:r>
+              <a:rPr lang="ru-RU" dirty="0" err="1"/>
+              <a:t>юнітів</a:t>
+            </a:r>
+            <a:r>
+              <a:rPr lang="ru-RU" dirty="0"/>
+              <a:t> </a:t>
+            </a:r>
+            <a:r>
+              <a:rPr lang="ru-RU" dirty="0" err="1"/>
+              <a:t>цих</a:t>
+            </a:r>
+            <a:r>
+              <a:rPr lang="ru-RU" dirty="0"/>
+              <a:t> фабрик.</a:t>
+            </a:r>
+          </a:p>
+          <a:p>
+            <a:pPr marL="0" indent="0">
+              <a:buNone/>
+            </a:pPr>
+            <a:endParaRPr lang="ru-RU" dirty="0"/>
+          </a:p>
+        </p:txBody>
+      </p:sp>
+      <p:sp>
+        <p:nvSpPr>
+          <p:cNvPr id="4" name="Slide Number Placeholder 3">
+            <a:extLst>
+              <a:ext uri="{FF2B5EF4-FFF2-40B4-BE49-F238E27FC236}">
+                <a16:creationId xmlns:a16="http://schemas.microsoft.com/office/drawing/2014/main" id="{373E704B-4F1C-CE7D-0CE2-C4E5F24CA74F}"/>
+              </a:ext>
+            </a:extLst>
+          </p:cNvPr>
+          <p:cNvSpPr>
+            <a:spLocks noGrp="1"/>
+          </p:cNvSpPr>
+          <p:nvPr>
+            <p:ph type="sldNum" sz="quarter" idx="12"/>
+          </p:nvPr>
+        </p:nvSpPr>
+        <p:spPr/>
+        <p:txBody>
+          <a:bodyPr/>
+          <a:lstStyle/>
+          <a:p>
+            <a:fld id="{A18EF1EA-E2A2-4F50-BB23-E89A51CC8F5B}" type="slidenum">
+              <a:rPr lang="en-US" smtClean="0"/>
+              <a:t>31</a:t>
+            </a:fld>
+            <a:endParaRPr lang="en-US"/>
+          </a:p>
+        </p:txBody>
+      </p:sp>
+    </p:spTree>
+    <p:extLst>
+      <p:ext uri="{BB962C8B-B14F-4D97-AF65-F5344CB8AC3E}">
+        <p14:creationId xmlns:p14="http://schemas.microsoft.com/office/powerpoint/2010/main" val="1020837009"/>
+      </p:ext>
+    </p:extLst>
+  </p:cSld>
+  <p:clrMapOvr>
+    <a:masterClrMapping/>
+  </p:clrMapOvr>
+</p:sld>
+</file>
+
+<file path=ppt/slides/slide32.xml><?xml version="1.0" encoding="utf-8"?>
 <p:sld xmlns:a="http://schemas.openxmlformats.org/drawingml/2006/main" xmlns:r="http://schemas.openxmlformats.org/officeDocument/2006/relationships" xmlns:p="http://schemas.openxmlformats.org/presentationml/2006/main">
   <p:cSld>
     <p:spTree>
@@ -20124,7 +21120,7 @@
           <a:p>
             <a:fld id="{D2B57576-A18B-4F5B-90B8-F88C6C9850D3}" type="slidenum">
               <a:rPr lang="ru-UA" smtClean="0"/>
-              <a:t>30</a:t>
+              <a:t>32</a:t>
             </a:fld>
             <a:endParaRPr lang="ru-UA"/>
           </a:p>
@@ -20165,6 +21161,1518 @@
           <p:cNvPr id="2" name="Title 1">
             <a:extLst>
               <a:ext uri="{FF2B5EF4-FFF2-40B4-BE49-F238E27FC236}">
+                <a16:creationId xmlns:a16="http://schemas.microsoft.com/office/drawing/2014/main" id="{6B259C93-2E40-5345-2D42-801FCEDD4601}"/>
+              </a:ext>
+            </a:extLst>
+          </p:cNvPr>
+          <p:cNvSpPr>
+            <a:spLocks noGrp="1"/>
+          </p:cNvSpPr>
+          <p:nvPr>
+            <p:ph type="title"/>
+          </p:nvPr>
+        </p:nvSpPr>
+        <p:spPr/>
+        <p:txBody>
+          <a:bodyPr/>
+          <a:lstStyle/>
+          <a:p>
+            <a:r>
+              <a:rPr lang="en-US" dirty="0"/>
+              <a:t>Type2Type</a:t>
+            </a:r>
+          </a:p>
+        </p:txBody>
+      </p:sp>
+      <p:sp>
+        <p:nvSpPr>
+          <p:cNvPr id="3" name="Content Placeholder 2">
+            <a:extLst>
+              <a:ext uri="{FF2B5EF4-FFF2-40B4-BE49-F238E27FC236}">
+                <a16:creationId xmlns:a16="http://schemas.microsoft.com/office/drawing/2014/main" id="{EB5414EC-5319-1225-4772-C660DB44DD38}"/>
+              </a:ext>
+            </a:extLst>
+          </p:cNvPr>
+          <p:cNvSpPr>
+            <a:spLocks noGrp="1"/>
+          </p:cNvSpPr>
+          <p:nvPr>
+            <p:ph idx="1"/>
+          </p:nvPr>
+        </p:nvSpPr>
+        <p:spPr>
+          <a:xfrm>
+            <a:off x="2589212" y="2095893"/>
+            <a:ext cx="8915400" cy="3777622"/>
+          </a:xfrm>
+        </p:spPr>
+        <p:txBody>
+          <a:bodyPr/>
+          <a:lstStyle/>
+          <a:p>
+            <a:r>
+              <a:rPr lang="en-US" dirty="0"/>
+              <a:t>Type2Type – </a:t>
+            </a:r>
+            <a:r>
+              <a:rPr lang="ru-RU" dirty="0" err="1"/>
+              <a:t>це</a:t>
+            </a:r>
+            <a:r>
+              <a:rPr lang="ru-RU" dirty="0"/>
+              <a:t> </a:t>
+            </a:r>
+            <a:r>
+              <a:rPr lang="ru-RU" dirty="0" err="1"/>
+              <a:t>дуже</a:t>
+            </a:r>
+            <a:r>
+              <a:rPr lang="ru-RU" dirty="0"/>
+              <a:t> </a:t>
+            </a:r>
+            <a:r>
+              <a:rPr lang="ru-RU" dirty="0" err="1"/>
+              <a:t>простий</a:t>
+            </a:r>
+            <a:r>
+              <a:rPr lang="ru-RU" dirty="0"/>
+              <a:t> </a:t>
+            </a:r>
+            <a:r>
+              <a:rPr lang="ru-RU" dirty="0" err="1"/>
+              <a:t>параметризований</a:t>
+            </a:r>
+            <a:r>
+              <a:rPr lang="ru-RU" dirty="0"/>
+              <a:t> </a:t>
+            </a:r>
+            <a:r>
+              <a:rPr lang="ru-RU" dirty="0" err="1"/>
+              <a:t>клас</a:t>
+            </a:r>
+            <a:r>
+              <a:rPr lang="ru-RU" dirty="0"/>
+              <a:t>. </a:t>
+            </a:r>
+            <a:r>
+              <a:rPr lang="ru-RU" dirty="0" err="1"/>
+              <a:t>Будемо</a:t>
+            </a:r>
+            <a:r>
+              <a:rPr lang="ru-RU" dirty="0"/>
+              <a:t> </a:t>
+            </a:r>
+            <a:r>
+              <a:rPr lang="ru-RU" dirty="0" err="1"/>
+              <a:t>використовувати</a:t>
+            </a:r>
+            <a:r>
+              <a:rPr lang="ru-RU" dirty="0"/>
+              <a:t> для </a:t>
+            </a:r>
+            <a:r>
+              <a:rPr lang="ru-RU" dirty="0" err="1"/>
+              <a:t>виконання</a:t>
+            </a:r>
+            <a:r>
+              <a:rPr lang="ru-RU" dirty="0"/>
+              <a:t> </a:t>
+            </a:r>
+            <a:r>
+              <a:rPr lang="ru-RU" dirty="0" err="1"/>
+              <a:t>певної</a:t>
+            </a:r>
+            <a:r>
+              <a:rPr lang="ru-RU" dirty="0"/>
+              <a:t> </a:t>
+            </a:r>
+            <a:r>
+              <a:rPr lang="ru-RU" dirty="0" err="1"/>
+              <a:t>диспетчеризації</a:t>
+            </a:r>
+            <a:r>
+              <a:rPr lang="ru-RU" dirty="0"/>
+              <a:t> </a:t>
+            </a:r>
+            <a:r>
+              <a:rPr lang="ru-RU" dirty="0" err="1"/>
+              <a:t>викликів</a:t>
+            </a:r>
+            <a:r>
+              <a:rPr lang="ru-RU" dirty="0"/>
+              <a:t> </a:t>
+            </a:r>
+            <a:r>
+              <a:rPr lang="ru-RU" dirty="0" err="1"/>
+              <a:t>методів</a:t>
+            </a:r>
+            <a:r>
+              <a:rPr lang="ru-RU" dirty="0"/>
+              <a:t>.</a:t>
+            </a:r>
+          </a:p>
+          <a:p>
+            <a:r>
+              <a:rPr lang="ru-RU" dirty="0"/>
+              <a:t>У </a:t>
+            </a:r>
+            <a:r>
+              <a:rPr lang="ru-RU" dirty="0" err="1"/>
+              <a:t>розробленому</a:t>
+            </a:r>
+            <a:r>
+              <a:rPr lang="ru-RU" dirty="0"/>
+              <a:t> </a:t>
+            </a:r>
+            <a:r>
+              <a:rPr lang="ru-RU" dirty="0" err="1"/>
+              <a:t>коді</a:t>
+            </a:r>
+            <a:r>
+              <a:rPr lang="ru-RU" dirty="0"/>
+              <a:t> </a:t>
+            </a:r>
+            <a:r>
+              <a:rPr lang="en-US" dirty="0"/>
+              <a:t>Type2Type</a:t>
+            </a:r>
+            <a:r>
+              <a:rPr lang="ru-RU" dirty="0"/>
+              <a:t> </a:t>
+            </a:r>
+            <a:r>
+              <a:rPr lang="ru-RU" dirty="0" err="1"/>
+              <a:t>замінено</a:t>
+            </a:r>
+            <a:r>
+              <a:rPr lang="ru-RU" dirty="0"/>
+              <a:t> альтернативою </a:t>
+            </a:r>
+            <a:r>
+              <a:rPr lang="en-US" dirty="0"/>
+              <a:t>Dispatcher</a:t>
+            </a:r>
+            <a:r>
+              <a:rPr lang="ru-RU" dirty="0"/>
+              <a:t>, </a:t>
+            </a:r>
+            <a:r>
+              <a:rPr lang="ru-RU" dirty="0" err="1"/>
+              <a:t>який</a:t>
+            </a:r>
+            <a:r>
+              <a:rPr lang="ru-RU" dirty="0"/>
+              <a:t> не </a:t>
+            </a:r>
+            <a:r>
+              <a:rPr lang="ru-RU" dirty="0" err="1"/>
+              <a:t>містить</a:t>
+            </a:r>
+            <a:r>
+              <a:rPr lang="ru-RU" dirty="0"/>
+              <a:t> </a:t>
+            </a:r>
+            <a:r>
+              <a:rPr lang="ru-RU" dirty="0" err="1"/>
+              <a:t>відповідного</a:t>
+            </a:r>
+            <a:r>
+              <a:rPr lang="ru-RU" dirty="0"/>
+              <a:t> </a:t>
+            </a:r>
+            <a:r>
+              <a:rPr lang="en-US" dirty="0"/>
+              <a:t>“typedef”</a:t>
+            </a:r>
+            <a:endParaRPr lang="ru-RU" dirty="0"/>
+          </a:p>
+          <a:p>
+            <a:endParaRPr lang="ru-RU" dirty="0"/>
+          </a:p>
+          <a:p>
+            <a:endParaRPr lang="ru-RU" dirty="0"/>
+          </a:p>
+          <a:p>
+            <a:endParaRPr lang="ru-RU" dirty="0"/>
+          </a:p>
+          <a:p>
+            <a:endParaRPr lang="ru-RU" dirty="0"/>
+          </a:p>
+          <a:p>
+            <a:endParaRPr lang="ru-RU" dirty="0"/>
+          </a:p>
+          <a:p>
+            <a:endParaRPr lang="ru-RU" dirty="0"/>
+          </a:p>
+          <a:p>
+            <a:endParaRPr lang="en-US" dirty="0"/>
+          </a:p>
+        </p:txBody>
+      </p:sp>
+      <p:sp>
+        <p:nvSpPr>
+          <p:cNvPr id="4" name="Slide Number Placeholder 3">
+            <a:extLst>
+              <a:ext uri="{FF2B5EF4-FFF2-40B4-BE49-F238E27FC236}">
+                <a16:creationId xmlns:a16="http://schemas.microsoft.com/office/drawing/2014/main" id="{A973EE76-A1AE-7F0F-F119-F0F2D5D99A1B}"/>
+              </a:ext>
+            </a:extLst>
+          </p:cNvPr>
+          <p:cNvSpPr>
+            <a:spLocks noGrp="1"/>
+          </p:cNvSpPr>
+          <p:nvPr>
+            <p:ph type="sldNum" sz="quarter" idx="12"/>
+          </p:nvPr>
+        </p:nvSpPr>
+        <p:spPr/>
+        <p:txBody>
+          <a:bodyPr/>
+          <a:lstStyle/>
+          <a:p>
+            <a:fld id="{A18EF1EA-E2A2-4F50-BB23-E89A51CC8F5B}" type="slidenum">
+              <a:rPr lang="en-US" smtClean="0"/>
+              <a:t>4</a:t>
+            </a:fld>
+            <a:endParaRPr lang="en-US"/>
+          </a:p>
+        </p:txBody>
+      </p:sp>
+      <p:sp>
+        <p:nvSpPr>
+          <p:cNvPr id="6" name="TextBox 5">
+            <a:extLst>
+              <a:ext uri="{FF2B5EF4-FFF2-40B4-BE49-F238E27FC236}">
+                <a16:creationId xmlns:a16="http://schemas.microsoft.com/office/drawing/2014/main" id="{913D4293-224F-DF0E-AEC4-8D7EFCCEAE13}"/>
+              </a:ext>
+            </a:extLst>
+          </p:cNvPr>
+          <p:cNvSpPr txBox="1"/>
+          <p:nvPr/>
+        </p:nvSpPr>
+        <p:spPr>
+          <a:xfrm>
+            <a:off x="4725186" y="3984704"/>
+            <a:ext cx="6094428" cy="1477328"/>
+          </a:xfrm>
+          <a:prstGeom prst="rect">
+            <a:avLst/>
+          </a:prstGeom>
+          <a:noFill/>
+        </p:spPr>
+        <p:txBody>
+          <a:bodyPr wrap="square">
+            <a:spAutoFit/>
+          </a:bodyPr>
+          <a:lstStyle/>
+          <a:p>
+            <a:r>
+              <a:rPr lang="en-US" sz="1800" dirty="0">
+                <a:solidFill>
+                  <a:srgbClr val="0000FF"/>
+                </a:solidFill>
+                <a:latin typeface="Cascadia Mono" panose="020B0609020000020004" pitchFamily="49" charset="0"/>
+              </a:rPr>
+              <a:t>template</a:t>
+            </a:r>
+            <a:r>
+              <a:rPr lang="en-US" sz="1800" dirty="0">
+                <a:solidFill>
+                  <a:srgbClr val="000000"/>
+                </a:solidFill>
+                <a:latin typeface="Cascadia Mono" panose="020B0609020000020004" pitchFamily="49" charset="0"/>
+              </a:rPr>
+              <a:t> &lt;</a:t>
+            </a:r>
+            <a:r>
+              <a:rPr lang="en-US" sz="1800" dirty="0" err="1">
+                <a:solidFill>
+                  <a:srgbClr val="0000FF"/>
+                </a:solidFill>
+                <a:latin typeface="Cascadia Mono" panose="020B0609020000020004" pitchFamily="49" charset="0"/>
+              </a:rPr>
+              <a:t>typename</a:t>
+            </a:r>
+            <a:r>
+              <a:rPr lang="en-US" sz="1800" dirty="0">
+                <a:solidFill>
+                  <a:srgbClr val="000000"/>
+                </a:solidFill>
+                <a:latin typeface="Cascadia Mono" panose="020B0609020000020004" pitchFamily="49" charset="0"/>
+              </a:rPr>
+              <a:t> </a:t>
+            </a:r>
+            <a:r>
+              <a:rPr lang="en-US" sz="1800" dirty="0">
+                <a:solidFill>
+                  <a:srgbClr val="2B91AF"/>
+                </a:solidFill>
+                <a:latin typeface="Cascadia Mono" panose="020B0609020000020004" pitchFamily="49" charset="0"/>
+              </a:rPr>
+              <a:t>T</a:t>
+            </a:r>
+            <a:r>
+              <a:rPr lang="en-US" sz="1800" dirty="0">
+                <a:solidFill>
+                  <a:srgbClr val="000000"/>
+                </a:solidFill>
+                <a:latin typeface="Cascadia Mono" panose="020B0609020000020004" pitchFamily="49" charset="0"/>
+              </a:rPr>
+              <a:t>&gt;</a:t>
+            </a:r>
+          </a:p>
+          <a:p>
+            <a:r>
+              <a:rPr lang="en-US" sz="1800" dirty="0">
+                <a:solidFill>
+                  <a:srgbClr val="0000FF"/>
+                </a:solidFill>
+                <a:latin typeface="Cascadia Mono" panose="020B0609020000020004" pitchFamily="49" charset="0"/>
+              </a:rPr>
+              <a:t>struct</a:t>
+            </a:r>
+            <a:r>
+              <a:rPr lang="en-US" sz="1800" dirty="0">
+                <a:solidFill>
+                  <a:srgbClr val="000000"/>
+                </a:solidFill>
+                <a:latin typeface="Cascadia Mono" panose="020B0609020000020004" pitchFamily="49" charset="0"/>
+              </a:rPr>
+              <a:t> </a:t>
+            </a:r>
+            <a:r>
+              <a:rPr lang="en-US" sz="1800" dirty="0">
+                <a:solidFill>
+                  <a:srgbClr val="2B91AF"/>
+                </a:solidFill>
+                <a:latin typeface="Cascadia Mono" panose="020B0609020000020004" pitchFamily="49" charset="0"/>
+              </a:rPr>
+              <a:t>Type2Type</a:t>
+            </a:r>
+            <a:endParaRPr lang="en-US" sz="1800" dirty="0">
+              <a:solidFill>
+                <a:srgbClr val="000000"/>
+              </a:solidFill>
+              <a:latin typeface="Cascadia Mono" panose="020B0609020000020004" pitchFamily="49" charset="0"/>
+            </a:endParaRPr>
+          </a:p>
+          <a:p>
+            <a:r>
+              <a:rPr lang="en-US" sz="1800" dirty="0">
+                <a:solidFill>
+                  <a:srgbClr val="000000"/>
+                </a:solidFill>
+                <a:latin typeface="Cascadia Mono" panose="020B0609020000020004" pitchFamily="49" charset="0"/>
+              </a:rPr>
+              <a:t>{</a:t>
+            </a:r>
+          </a:p>
+          <a:p>
+            <a:r>
+              <a:rPr lang="en-US" sz="1800" dirty="0">
+                <a:solidFill>
+                  <a:srgbClr val="000000"/>
+                </a:solidFill>
+                <a:latin typeface="Cascadia Mono" panose="020B0609020000020004" pitchFamily="49" charset="0"/>
+              </a:rPr>
+              <a:t>    </a:t>
+            </a:r>
+            <a:r>
+              <a:rPr lang="en-US" sz="1800" dirty="0">
+                <a:solidFill>
+                  <a:srgbClr val="0000FF"/>
+                </a:solidFill>
+                <a:latin typeface="Cascadia Mono" panose="020B0609020000020004" pitchFamily="49" charset="0"/>
+              </a:rPr>
+              <a:t>typedef</a:t>
+            </a:r>
+            <a:r>
+              <a:rPr lang="en-US" sz="1800" dirty="0">
+                <a:solidFill>
+                  <a:srgbClr val="000000"/>
+                </a:solidFill>
+                <a:latin typeface="Cascadia Mono" panose="020B0609020000020004" pitchFamily="49" charset="0"/>
+              </a:rPr>
+              <a:t> </a:t>
+            </a:r>
+            <a:r>
+              <a:rPr lang="en-US" sz="1800" dirty="0">
+                <a:solidFill>
+                  <a:srgbClr val="2B91AF"/>
+                </a:solidFill>
+                <a:latin typeface="Cascadia Mono" panose="020B0609020000020004" pitchFamily="49" charset="0"/>
+              </a:rPr>
+              <a:t>T</a:t>
+            </a:r>
+            <a:r>
+              <a:rPr lang="en-US" sz="1800" dirty="0">
+                <a:solidFill>
+                  <a:srgbClr val="000000"/>
+                </a:solidFill>
+                <a:latin typeface="Cascadia Mono" panose="020B0609020000020004" pitchFamily="49" charset="0"/>
+              </a:rPr>
+              <a:t> </a:t>
+            </a:r>
+            <a:r>
+              <a:rPr lang="en-US" sz="1800" dirty="0" err="1">
+                <a:solidFill>
+                  <a:srgbClr val="2B91AF"/>
+                </a:solidFill>
+                <a:latin typeface="Cascadia Mono" panose="020B0609020000020004" pitchFamily="49" charset="0"/>
+              </a:rPr>
+              <a:t>OriginalType</a:t>
+            </a:r>
+            <a:r>
+              <a:rPr lang="en-US" sz="1800" dirty="0">
+                <a:solidFill>
+                  <a:srgbClr val="000000"/>
+                </a:solidFill>
+                <a:latin typeface="Cascadia Mono" panose="020B0609020000020004" pitchFamily="49" charset="0"/>
+              </a:rPr>
+              <a:t>;</a:t>
+            </a:r>
+          </a:p>
+          <a:p>
+            <a:r>
+              <a:rPr lang="en-US" sz="1800" dirty="0">
+                <a:solidFill>
+                  <a:srgbClr val="000000"/>
+                </a:solidFill>
+                <a:latin typeface="Cascadia Mono" panose="020B0609020000020004" pitchFamily="49" charset="0"/>
+              </a:rPr>
+              <a:t>};</a:t>
+            </a:r>
+            <a:endParaRPr lang="en-US" dirty="0"/>
+          </a:p>
+        </p:txBody>
+      </p:sp>
+    </p:spTree>
+    <p:extLst>
+      <p:ext uri="{BB962C8B-B14F-4D97-AF65-F5344CB8AC3E}">
+        <p14:creationId xmlns:p14="http://schemas.microsoft.com/office/powerpoint/2010/main" val="3267858463"/>
+      </p:ext>
+    </p:extLst>
+  </p:cSld>
+  <p:clrMapOvr>
+    <a:masterClrMapping/>
+  </p:clrMapOvr>
+</p:sld>
+</file>
+
+<file path=ppt/slides/slide5.xml><?xml version="1.0" encoding="utf-8"?>
+<p:sld xmlns:a="http://schemas.openxmlformats.org/drawingml/2006/main" xmlns:r="http://schemas.openxmlformats.org/officeDocument/2006/relationships" xmlns:p="http://schemas.openxmlformats.org/presentationml/2006/main">
+  <p:cSld>
+    <p:spTree>
+      <p:nvGrpSpPr>
+        <p:cNvPr id="1" name=""/>
+        <p:cNvGrpSpPr/>
+        <p:nvPr/>
+      </p:nvGrpSpPr>
+      <p:grpSpPr>
+        <a:xfrm>
+          <a:off x="0" y="0"/>
+          <a:ext cx="0" cy="0"/>
+          <a:chOff x="0" y="0"/>
+          <a:chExt cx="0" cy="0"/>
+        </a:xfrm>
+      </p:grpSpPr>
+      <p:sp>
+        <p:nvSpPr>
+          <p:cNvPr id="2" name="Title 1">
+            <a:extLst>
+              <a:ext uri="{FF2B5EF4-FFF2-40B4-BE49-F238E27FC236}">
+                <a16:creationId xmlns:a16="http://schemas.microsoft.com/office/drawing/2014/main" id="{1ADA3814-85B4-70DF-1BED-3F76A9B9B7CC}"/>
+              </a:ext>
+            </a:extLst>
+          </p:cNvPr>
+          <p:cNvSpPr>
+            <a:spLocks noGrp="1"/>
+          </p:cNvSpPr>
+          <p:nvPr>
+            <p:ph type="title"/>
+          </p:nvPr>
+        </p:nvSpPr>
+        <p:spPr/>
+        <p:txBody>
+          <a:bodyPr/>
+          <a:lstStyle/>
+          <a:p>
+            <a:r>
+              <a:rPr lang="en-US" dirty="0"/>
+              <a:t>Type2Type</a:t>
+            </a:r>
+          </a:p>
+        </p:txBody>
+      </p:sp>
+      <p:sp>
+        <p:nvSpPr>
+          <p:cNvPr id="3" name="Content Placeholder 2">
+            <a:extLst>
+              <a:ext uri="{FF2B5EF4-FFF2-40B4-BE49-F238E27FC236}">
+                <a16:creationId xmlns:a16="http://schemas.microsoft.com/office/drawing/2014/main" id="{04034FB6-33D6-419A-E6CA-44F779424F1E}"/>
+              </a:ext>
+            </a:extLst>
+          </p:cNvPr>
+          <p:cNvSpPr>
+            <a:spLocks noGrp="1"/>
+          </p:cNvSpPr>
+          <p:nvPr>
+            <p:ph idx="1"/>
+          </p:nvPr>
+        </p:nvSpPr>
+        <p:spPr>
+          <a:xfrm>
+            <a:off x="2592925" y="1784808"/>
+            <a:ext cx="8915400" cy="3777622"/>
+          </a:xfrm>
+        </p:spPr>
+        <p:txBody>
+          <a:bodyPr/>
+          <a:lstStyle/>
+          <a:p>
+            <a:r>
+              <a:rPr lang="ru-RU" dirty="0"/>
+              <a:t>У нас </a:t>
+            </a:r>
+            <a:r>
+              <a:rPr lang="ru-RU" dirty="0" err="1"/>
+              <a:t>виникне</a:t>
+            </a:r>
+            <a:r>
+              <a:rPr lang="ru-RU" dirty="0"/>
+              <a:t> </a:t>
+            </a:r>
+            <a:r>
+              <a:rPr lang="ru-RU" dirty="0" err="1"/>
+              <a:t>ситуація</a:t>
+            </a:r>
+            <a:r>
+              <a:rPr lang="ru-RU" dirty="0"/>
+              <a:t>, коли у нас буде (</a:t>
+            </a:r>
+            <a:r>
+              <a:rPr lang="ru-RU" dirty="0" err="1"/>
+              <a:t>невідома</a:t>
+            </a:r>
+            <a:r>
+              <a:rPr lang="ru-RU" dirty="0"/>
+              <a:t>)</a:t>
+            </a:r>
+            <a:r>
+              <a:rPr lang="ru-RU" dirty="0" err="1"/>
+              <a:t>кількість</a:t>
+            </a:r>
+            <a:r>
+              <a:rPr lang="ru-RU" dirty="0"/>
+              <a:t> </a:t>
+            </a:r>
+            <a:r>
+              <a:rPr lang="ru-RU" dirty="0" err="1"/>
+              <a:t>віртуальних</a:t>
+            </a:r>
+            <a:r>
+              <a:rPr lang="ru-RU" dirty="0"/>
+              <a:t> </a:t>
+            </a:r>
+            <a:r>
+              <a:rPr lang="ru-RU" dirty="0" err="1"/>
+              <a:t>функцій</a:t>
+            </a:r>
+            <a:r>
+              <a:rPr lang="ru-RU" dirty="0"/>
+              <a:t> з </a:t>
+            </a:r>
+            <a:r>
+              <a:rPr lang="ru-RU" dirty="0" err="1"/>
+              <a:t>однаковим</a:t>
+            </a:r>
+            <a:r>
+              <a:rPr lang="ru-RU" dirty="0"/>
+              <a:t> </a:t>
+            </a:r>
+            <a:r>
+              <a:rPr lang="ru-RU" dirty="0" err="1"/>
+              <a:t>ім’ям</a:t>
+            </a:r>
+            <a:r>
+              <a:rPr lang="ru-RU" dirty="0"/>
+              <a:t>. </a:t>
+            </a:r>
+            <a:r>
+              <a:rPr lang="ru-RU" dirty="0" err="1"/>
+              <a:t>Щоб</a:t>
+            </a:r>
+            <a:r>
+              <a:rPr lang="ru-RU" dirty="0"/>
+              <a:t> </a:t>
+            </a:r>
+            <a:r>
+              <a:rPr lang="ru-RU" dirty="0" err="1"/>
+              <a:t>диспетчеризувати</a:t>
+            </a:r>
+            <a:r>
+              <a:rPr lang="ru-RU" dirty="0"/>
+              <a:t> </a:t>
+            </a:r>
+            <a:r>
+              <a:rPr lang="ru-RU" dirty="0" err="1"/>
+              <a:t>виклики</a:t>
+            </a:r>
+            <a:r>
+              <a:rPr lang="ru-RU" dirty="0"/>
+              <a:t> </a:t>
+            </a:r>
+            <a:r>
+              <a:rPr lang="ru-RU" dirty="0" err="1"/>
+              <a:t>цих</a:t>
+            </a:r>
+            <a:r>
+              <a:rPr lang="ru-RU" dirty="0"/>
+              <a:t> </a:t>
+            </a:r>
+            <a:r>
+              <a:rPr lang="ru-RU" dirty="0" err="1"/>
+              <a:t>функцій</a:t>
+            </a:r>
+            <a:r>
+              <a:rPr lang="ru-RU" dirty="0"/>
+              <a:t>, ми </a:t>
+            </a:r>
+            <a:r>
+              <a:rPr lang="ru-RU" dirty="0" err="1"/>
+              <a:t>передаватимемо</a:t>
+            </a:r>
+            <a:r>
+              <a:rPr lang="ru-RU" dirty="0"/>
+              <a:t> у них параметр типу </a:t>
+            </a:r>
+            <a:r>
+              <a:rPr lang="en-US" dirty="0"/>
+              <a:t>Type2Type (</a:t>
+            </a:r>
+            <a:r>
+              <a:rPr lang="ru-RU" dirty="0" err="1"/>
+              <a:t>конкретизований</a:t>
+            </a:r>
+            <a:r>
+              <a:rPr lang="ru-RU" dirty="0"/>
+              <a:t> для </a:t>
+            </a:r>
+            <a:r>
+              <a:rPr lang="ru-RU" dirty="0" err="1"/>
+              <a:t>кожної</a:t>
+            </a:r>
+            <a:r>
+              <a:rPr lang="ru-RU" dirty="0"/>
+              <a:t> </a:t>
+            </a:r>
+            <a:r>
+              <a:rPr lang="ru-RU" dirty="0" err="1"/>
+              <a:t>функції</a:t>
+            </a:r>
+            <a:r>
+              <a:rPr lang="ru-RU" dirty="0"/>
+              <a:t>. З </a:t>
+            </a:r>
+            <a:r>
+              <a:rPr lang="ru-RU" dirty="0" err="1"/>
+              <a:t>невіртуальної</a:t>
+            </a:r>
+            <a:r>
+              <a:rPr lang="ru-RU" dirty="0"/>
+              <a:t> </a:t>
+            </a:r>
+            <a:r>
+              <a:rPr lang="ru-RU" dirty="0" err="1"/>
+              <a:t>шаблонної</a:t>
+            </a:r>
+            <a:r>
+              <a:rPr lang="ru-RU" dirty="0"/>
+              <a:t> </a:t>
+            </a:r>
+            <a:r>
+              <a:rPr lang="ru-RU" dirty="0" err="1"/>
+              <a:t>функції</a:t>
+            </a:r>
+            <a:r>
+              <a:rPr lang="ru-RU" dirty="0"/>
+              <a:t> </a:t>
+            </a:r>
+            <a:r>
+              <a:rPr lang="ru-RU" dirty="0" err="1"/>
+              <a:t>викликатимемо</a:t>
+            </a:r>
+            <a:r>
+              <a:rPr lang="ru-RU" dirty="0"/>
+              <a:t> </a:t>
+            </a:r>
+            <a:r>
+              <a:rPr lang="ru-RU" dirty="0" err="1"/>
+              <a:t>віртуальні</a:t>
+            </a:r>
+            <a:r>
+              <a:rPr lang="ru-RU" dirty="0"/>
+              <a:t>, </a:t>
+            </a:r>
+            <a:r>
+              <a:rPr lang="ru-RU" dirty="0" err="1"/>
+              <a:t>уточнюючи</a:t>
+            </a:r>
+            <a:r>
+              <a:rPr lang="ru-RU" dirty="0"/>
+              <a:t> тип, </a:t>
+            </a:r>
+            <a:r>
+              <a:rPr lang="ru-RU" dirty="0" err="1"/>
+              <a:t>яким</a:t>
+            </a:r>
+            <a:r>
+              <a:rPr lang="ru-RU" dirty="0"/>
+              <a:t> </a:t>
+            </a:r>
+            <a:r>
+              <a:rPr lang="ru-RU" dirty="0" err="1"/>
+              <a:t>конкретизовано</a:t>
+            </a:r>
+            <a:r>
+              <a:rPr lang="ru-RU" dirty="0"/>
+              <a:t> </a:t>
+            </a:r>
+            <a:r>
+              <a:rPr lang="en-US" dirty="0"/>
+              <a:t>Type2Type </a:t>
+            </a:r>
+            <a:r>
+              <a:rPr lang="ru-RU" dirty="0"/>
+              <a:t>параметр.</a:t>
+            </a:r>
+            <a:endParaRPr lang="en-US" dirty="0"/>
+          </a:p>
+        </p:txBody>
+      </p:sp>
+      <p:sp>
+        <p:nvSpPr>
+          <p:cNvPr id="4" name="Slide Number Placeholder 3">
+            <a:extLst>
+              <a:ext uri="{FF2B5EF4-FFF2-40B4-BE49-F238E27FC236}">
+                <a16:creationId xmlns:a16="http://schemas.microsoft.com/office/drawing/2014/main" id="{EC061183-4F2B-0FAC-44C9-76DA5BCC3F90}"/>
+              </a:ext>
+            </a:extLst>
+          </p:cNvPr>
+          <p:cNvSpPr>
+            <a:spLocks noGrp="1"/>
+          </p:cNvSpPr>
+          <p:nvPr>
+            <p:ph type="sldNum" sz="quarter" idx="12"/>
+          </p:nvPr>
+        </p:nvSpPr>
+        <p:spPr/>
+        <p:txBody>
+          <a:bodyPr/>
+          <a:lstStyle/>
+          <a:p>
+            <a:fld id="{A18EF1EA-E2A2-4F50-BB23-E89A51CC8F5B}" type="slidenum">
+              <a:rPr lang="en-US" smtClean="0"/>
+              <a:t>5</a:t>
+            </a:fld>
+            <a:endParaRPr lang="en-US"/>
+          </a:p>
+        </p:txBody>
+      </p:sp>
+      <p:sp>
+        <p:nvSpPr>
+          <p:cNvPr id="6" name="TextBox 5">
+            <a:extLst>
+              <a:ext uri="{FF2B5EF4-FFF2-40B4-BE49-F238E27FC236}">
+                <a16:creationId xmlns:a16="http://schemas.microsoft.com/office/drawing/2014/main" id="{C00ACEB4-9E24-91D1-6F35-EBE30982C5FC}"/>
+              </a:ext>
+            </a:extLst>
+          </p:cNvPr>
+          <p:cNvSpPr txBox="1"/>
+          <p:nvPr/>
+        </p:nvSpPr>
+        <p:spPr>
+          <a:xfrm>
+            <a:off x="3296222" y="3810449"/>
+            <a:ext cx="7501379" cy="2862322"/>
+          </a:xfrm>
+          <a:prstGeom prst="rect">
+            <a:avLst/>
+          </a:prstGeom>
+          <a:noFill/>
+        </p:spPr>
+        <p:txBody>
+          <a:bodyPr wrap="square">
+            <a:spAutoFit/>
+          </a:bodyPr>
+          <a:lstStyle/>
+          <a:p>
+            <a:r>
+              <a:rPr lang="en-US" sz="1800" dirty="0">
+                <a:solidFill>
+                  <a:srgbClr val="0000FF"/>
+                </a:solidFill>
+                <a:latin typeface="Cascadia Mono" panose="020B0609020000020004" pitchFamily="49" charset="0"/>
+              </a:rPr>
+              <a:t>class</a:t>
+            </a:r>
+            <a:r>
+              <a:rPr lang="en-US" sz="1800" dirty="0">
+                <a:solidFill>
+                  <a:srgbClr val="000000"/>
+                </a:solidFill>
+                <a:latin typeface="Cascadia Mono" panose="020B0609020000020004" pitchFamily="49" charset="0"/>
+              </a:rPr>
+              <a:t> </a:t>
+            </a:r>
+            <a:r>
+              <a:rPr lang="en-US" sz="1800" dirty="0" err="1">
+                <a:solidFill>
+                  <a:srgbClr val="2B91AF"/>
+                </a:solidFill>
+                <a:latin typeface="Cascadia Mono" panose="020B0609020000020004" pitchFamily="49" charset="0"/>
+              </a:rPr>
+              <a:t>SomeClass</a:t>
+            </a:r>
+            <a:r>
+              <a:rPr lang="ru-RU" dirty="0">
+                <a:solidFill>
+                  <a:srgbClr val="000000"/>
+                </a:solidFill>
+                <a:latin typeface="Cascadia Mono" panose="020B0609020000020004" pitchFamily="49" charset="0"/>
+              </a:rPr>
+              <a:t> </a:t>
+            </a:r>
+            <a:r>
+              <a:rPr lang="en-US" sz="1800" dirty="0">
+                <a:solidFill>
+                  <a:srgbClr val="000000"/>
+                </a:solidFill>
+                <a:latin typeface="Cascadia Mono" panose="020B0609020000020004" pitchFamily="49" charset="0"/>
+              </a:rPr>
+              <a:t>{</a:t>
+            </a:r>
+          </a:p>
+          <a:p>
+            <a:r>
+              <a:rPr lang="en-US" sz="1800" dirty="0">
+                <a:solidFill>
+                  <a:srgbClr val="0000FF"/>
+                </a:solidFill>
+                <a:latin typeface="Cascadia Mono" panose="020B0609020000020004" pitchFamily="49" charset="0"/>
+              </a:rPr>
+              <a:t>public</a:t>
+            </a:r>
+            <a:r>
+              <a:rPr lang="en-US" sz="1800" dirty="0">
+                <a:solidFill>
+                  <a:srgbClr val="000000"/>
+                </a:solidFill>
+                <a:latin typeface="Cascadia Mono" panose="020B0609020000020004" pitchFamily="49" charset="0"/>
+              </a:rPr>
+              <a:t>:</a:t>
+            </a:r>
+          </a:p>
+          <a:p>
+            <a:r>
+              <a:rPr lang="ru-RU" sz="1800" dirty="0">
+                <a:solidFill>
+                  <a:srgbClr val="0000FF"/>
+                </a:solidFill>
+                <a:latin typeface="Cascadia Mono" panose="020B0609020000020004" pitchFamily="49" charset="0"/>
+              </a:rPr>
+              <a:t>	</a:t>
+            </a:r>
+            <a:r>
+              <a:rPr lang="en-US" sz="1800" dirty="0">
+                <a:solidFill>
+                  <a:srgbClr val="0000FF"/>
+                </a:solidFill>
+                <a:latin typeface="Cascadia Mono" panose="020B0609020000020004" pitchFamily="49" charset="0"/>
+              </a:rPr>
+              <a:t>template</a:t>
+            </a:r>
+            <a:r>
+              <a:rPr lang="en-US" sz="1800" dirty="0">
+                <a:solidFill>
+                  <a:srgbClr val="000000"/>
+                </a:solidFill>
+                <a:latin typeface="Cascadia Mono" panose="020B0609020000020004" pitchFamily="49" charset="0"/>
+              </a:rPr>
+              <a:t>&lt;</a:t>
+            </a:r>
+            <a:r>
+              <a:rPr lang="en-US" sz="1800" dirty="0" err="1">
+                <a:solidFill>
+                  <a:srgbClr val="0000FF"/>
+                </a:solidFill>
+                <a:latin typeface="Cascadia Mono" panose="020B0609020000020004" pitchFamily="49" charset="0"/>
+              </a:rPr>
+              <a:t>typename</a:t>
+            </a:r>
+            <a:r>
+              <a:rPr lang="en-US" sz="1800" dirty="0">
+                <a:solidFill>
+                  <a:srgbClr val="000000"/>
+                </a:solidFill>
+                <a:latin typeface="Cascadia Mono" panose="020B0609020000020004" pitchFamily="49" charset="0"/>
+              </a:rPr>
+              <a:t> </a:t>
+            </a:r>
+            <a:r>
+              <a:rPr lang="en-US" sz="1800" dirty="0">
+                <a:solidFill>
+                  <a:srgbClr val="2B91AF"/>
+                </a:solidFill>
+                <a:latin typeface="Cascadia Mono" panose="020B0609020000020004" pitchFamily="49" charset="0"/>
+              </a:rPr>
+              <a:t>T</a:t>
+            </a:r>
+            <a:r>
+              <a:rPr lang="en-US" sz="1800" dirty="0">
+                <a:solidFill>
+                  <a:srgbClr val="000000"/>
+                </a:solidFill>
+                <a:latin typeface="Cascadia Mono" panose="020B0609020000020004" pitchFamily="49" charset="0"/>
+              </a:rPr>
+              <a:t>&gt; </a:t>
+            </a:r>
+            <a:r>
+              <a:rPr lang="en-US" sz="1800" dirty="0">
+                <a:solidFill>
+                  <a:srgbClr val="0000FF"/>
+                </a:solidFill>
+                <a:latin typeface="Cascadia Mono" panose="020B0609020000020004" pitchFamily="49" charset="0"/>
+              </a:rPr>
+              <a:t>void</a:t>
+            </a:r>
+            <a:r>
+              <a:rPr lang="en-US" sz="1800" dirty="0">
+                <a:solidFill>
+                  <a:srgbClr val="000000"/>
+                </a:solidFill>
+                <a:latin typeface="Cascadia Mono" panose="020B0609020000020004" pitchFamily="49" charset="0"/>
+              </a:rPr>
+              <a:t> </a:t>
+            </a:r>
+            <a:r>
+              <a:rPr lang="en-US" sz="1800" dirty="0" err="1">
+                <a:solidFill>
+                  <a:srgbClr val="000000"/>
+                </a:solidFill>
+                <a:latin typeface="Cascadia Mono" panose="020B0609020000020004" pitchFamily="49" charset="0"/>
+              </a:rPr>
+              <a:t>some_func</a:t>
+            </a:r>
+            <a:r>
+              <a:rPr lang="en-US" sz="1800" dirty="0">
+                <a:solidFill>
+                  <a:srgbClr val="000000"/>
+                </a:solidFill>
+                <a:latin typeface="Cascadia Mono" panose="020B0609020000020004" pitchFamily="49" charset="0"/>
+              </a:rPr>
+              <a:t>()</a:t>
+            </a:r>
+            <a:r>
+              <a:rPr lang="ru-RU" sz="1800" dirty="0">
+                <a:solidFill>
+                  <a:srgbClr val="000000"/>
+                </a:solidFill>
+                <a:latin typeface="Cascadia Mono" panose="020B0609020000020004" pitchFamily="49" charset="0"/>
+              </a:rPr>
+              <a:t> </a:t>
+            </a:r>
+            <a:r>
+              <a:rPr lang="en-US" sz="1800" dirty="0">
+                <a:solidFill>
+                  <a:srgbClr val="000000"/>
+                </a:solidFill>
+                <a:latin typeface="Cascadia Mono" panose="020B0609020000020004" pitchFamily="49" charset="0"/>
+              </a:rPr>
+              <a:t>{</a:t>
+            </a:r>
+          </a:p>
+          <a:p>
+            <a:r>
+              <a:rPr lang="ru-RU" sz="1800" dirty="0">
+                <a:solidFill>
+                  <a:srgbClr val="000000"/>
+                </a:solidFill>
+                <a:latin typeface="Cascadia Mono" panose="020B0609020000020004" pitchFamily="49" charset="0"/>
+              </a:rPr>
+              <a:t>		</a:t>
+            </a:r>
+            <a:r>
+              <a:rPr lang="en-US" sz="1800" dirty="0" err="1">
+                <a:solidFill>
+                  <a:srgbClr val="000000"/>
+                </a:solidFill>
+                <a:latin typeface="Cascadia Mono" panose="020B0609020000020004" pitchFamily="49" charset="0"/>
+              </a:rPr>
+              <a:t>some_virt_func</a:t>
+            </a:r>
+            <a:r>
+              <a:rPr lang="en-US" sz="1800" dirty="0">
+                <a:solidFill>
+                  <a:srgbClr val="000000"/>
+                </a:solidFill>
+                <a:latin typeface="Cascadia Mono" panose="020B0609020000020004" pitchFamily="49" charset="0"/>
+              </a:rPr>
+              <a:t>(</a:t>
+            </a:r>
+            <a:r>
+              <a:rPr lang="en-US" sz="1800" dirty="0">
+                <a:solidFill>
+                  <a:srgbClr val="2B91AF"/>
+                </a:solidFill>
+                <a:latin typeface="Cascadia Mono" panose="020B0609020000020004" pitchFamily="49" charset="0"/>
+              </a:rPr>
+              <a:t>Type2Type</a:t>
+            </a:r>
+            <a:r>
+              <a:rPr lang="en-US" sz="1800" dirty="0">
+                <a:solidFill>
+                  <a:srgbClr val="000000"/>
+                </a:solidFill>
+                <a:latin typeface="Cascadia Mono" panose="020B0609020000020004" pitchFamily="49" charset="0"/>
+              </a:rPr>
+              <a:t>&lt;</a:t>
+            </a:r>
+            <a:r>
+              <a:rPr lang="en-US" sz="1800" dirty="0">
+                <a:solidFill>
+                  <a:srgbClr val="2B91AF"/>
+                </a:solidFill>
+                <a:latin typeface="Cascadia Mono" panose="020B0609020000020004" pitchFamily="49" charset="0"/>
+              </a:rPr>
+              <a:t>T</a:t>
+            </a:r>
+            <a:r>
+              <a:rPr lang="en-US" sz="1800" dirty="0">
+                <a:solidFill>
+                  <a:srgbClr val="000000"/>
+                </a:solidFill>
+                <a:latin typeface="Cascadia Mono" panose="020B0609020000020004" pitchFamily="49" charset="0"/>
+              </a:rPr>
+              <a:t>&gt;</a:t>
+            </a:r>
+            <a:r>
+              <a:rPr lang="ru-RU" sz="1800">
+                <a:solidFill>
+                  <a:srgbClr val="000000"/>
+                </a:solidFill>
+                <a:latin typeface="Cascadia Mono" panose="020B0609020000020004" pitchFamily="49" charset="0"/>
+              </a:rPr>
+              <a:t>()</a:t>
+            </a:r>
+            <a:r>
+              <a:rPr lang="en-US" sz="1800">
+                <a:solidFill>
+                  <a:srgbClr val="000000"/>
+                </a:solidFill>
+                <a:latin typeface="Cascadia Mono" panose="020B0609020000020004" pitchFamily="49" charset="0"/>
+              </a:rPr>
+              <a:t>);</a:t>
+            </a:r>
+            <a:endParaRPr lang="en-US" sz="1800" dirty="0">
+              <a:solidFill>
+                <a:srgbClr val="000000"/>
+              </a:solidFill>
+              <a:latin typeface="Cascadia Mono" panose="020B0609020000020004" pitchFamily="49" charset="0"/>
+            </a:endParaRPr>
+          </a:p>
+          <a:p>
+            <a:r>
+              <a:rPr lang="ru-RU" sz="1800" dirty="0">
+                <a:solidFill>
+                  <a:srgbClr val="000000"/>
+                </a:solidFill>
+                <a:latin typeface="Cascadia Mono" panose="020B0609020000020004" pitchFamily="49" charset="0"/>
+              </a:rPr>
+              <a:t>	</a:t>
+            </a:r>
+            <a:r>
+              <a:rPr lang="en-US" sz="1800" dirty="0">
+                <a:solidFill>
+                  <a:srgbClr val="000000"/>
+                </a:solidFill>
+                <a:latin typeface="Cascadia Mono" panose="020B0609020000020004" pitchFamily="49" charset="0"/>
+              </a:rPr>
+              <a:t>}</a:t>
+            </a:r>
+          </a:p>
+          <a:p>
+            <a:r>
+              <a:rPr lang="en-US" sz="1800" dirty="0">
+                <a:solidFill>
+                  <a:srgbClr val="0000FF"/>
+                </a:solidFill>
+                <a:latin typeface="Cascadia Mono" panose="020B0609020000020004" pitchFamily="49" charset="0"/>
+              </a:rPr>
+              <a:t>private</a:t>
+            </a:r>
+            <a:r>
+              <a:rPr lang="en-US" sz="1800" dirty="0">
+                <a:solidFill>
+                  <a:srgbClr val="000000"/>
+                </a:solidFill>
+                <a:latin typeface="Cascadia Mono" panose="020B0609020000020004" pitchFamily="49" charset="0"/>
+              </a:rPr>
+              <a:t>:</a:t>
+            </a:r>
+          </a:p>
+          <a:p>
+            <a:r>
+              <a:rPr lang="ru-RU" sz="1800" dirty="0">
+                <a:solidFill>
+                  <a:srgbClr val="0000FF"/>
+                </a:solidFill>
+                <a:latin typeface="Cascadia Mono" panose="020B0609020000020004" pitchFamily="49" charset="0"/>
+              </a:rPr>
+              <a:t>	</a:t>
+            </a:r>
+            <a:r>
+              <a:rPr lang="en-US" sz="1800" dirty="0">
+                <a:solidFill>
+                  <a:srgbClr val="0000FF"/>
+                </a:solidFill>
+                <a:latin typeface="Cascadia Mono" panose="020B0609020000020004" pitchFamily="49" charset="0"/>
+              </a:rPr>
+              <a:t>virtual</a:t>
+            </a:r>
+            <a:r>
+              <a:rPr lang="en-US" sz="1800" dirty="0">
+                <a:solidFill>
+                  <a:srgbClr val="000000"/>
+                </a:solidFill>
+                <a:latin typeface="Cascadia Mono" panose="020B0609020000020004" pitchFamily="49" charset="0"/>
+              </a:rPr>
+              <a:t> </a:t>
+            </a:r>
+            <a:r>
+              <a:rPr lang="en-US" sz="1800" dirty="0">
+                <a:solidFill>
+                  <a:srgbClr val="0000FF"/>
+                </a:solidFill>
+                <a:latin typeface="Cascadia Mono" panose="020B0609020000020004" pitchFamily="49" charset="0"/>
+              </a:rPr>
+              <a:t>void</a:t>
+            </a:r>
+            <a:r>
+              <a:rPr lang="en-US" sz="1800" dirty="0">
+                <a:solidFill>
+                  <a:srgbClr val="000000"/>
+                </a:solidFill>
+                <a:latin typeface="Cascadia Mono" panose="020B0609020000020004" pitchFamily="49" charset="0"/>
+              </a:rPr>
+              <a:t> </a:t>
+            </a:r>
+            <a:r>
+              <a:rPr lang="en-US" sz="1800" dirty="0" err="1">
+                <a:solidFill>
+                  <a:srgbClr val="000000"/>
+                </a:solidFill>
+                <a:latin typeface="Cascadia Mono" panose="020B0609020000020004" pitchFamily="49" charset="0"/>
+              </a:rPr>
+              <a:t>some_virt_func</a:t>
+            </a:r>
+            <a:r>
+              <a:rPr lang="en-US" sz="1800" dirty="0">
+                <a:solidFill>
+                  <a:srgbClr val="000000"/>
+                </a:solidFill>
+                <a:latin typeface="Cascadia Mono" panose="020B0609020000020004" pitchFamily="49" charset="0"/>
+              </a:rPr>
+              <a:t>(</a:t>
+            </a:r>
+            <a:r>
+              <a:rPr lang="en-US" sz="1800" dirty="0">
+                <a:solidFill>
+                  <a:srgbClr val="2B91AF"/>
+                </a:solidFill>
+                <a:latin typeface="Cascadia Mono" panose="020B0609020000020004" pitchFamily="49" charset="0"/>
+              </a:rPr>
+              <a:t>Type2Type</a:t>
+            </a:r>
+            <a:r>
+              <a:rPr lang="en-US" sz="1800" dirty="0">
+                <a:solidFill>
+                  <a:srgbClr val="000000"/>
+                </a:solidFill>
+                <a:latin typeface="Cascadia Mono" panose="020B0609020000020004" pitchFamily="49" charset="0"/>
+              </a:rPr>
+              <a:t>&lt;</a:t>
+            </a:r>
+            <a:r>
+              <a:rPr lang="en-US" sz="1800" dirty="0">
+                <a:solidFill>
+                  <a:srgbClr val="0000FF"/>
+                </a:solidFill>
+                <a:latin typeface="Cascadia Mono" panose="020B0609020000020004" pitchFamily="49" charset="0"/>
+              </a:rPr>
+              <a:t>int</a:t>
+            </a:r>
+            <a:r>
+              <a:rPr lang="en-US" sz="1800" dirty="0">
+                <a:solidFill>
+                  <a:srgbClr val="000000"/>
+                </a:solidFill>
+                <a:latin typeface="Cascadia Mono" panose="020B0609020000020004" pitchFamily="49" charset="0"/>
+              </a:rPr>
+              <a:t>&gt;) = 0;</a:t>
+            </a:r>
+          </a:p>
+          <a:p>
+            <a:r>
+              <a:rPr lang="ru-RU" sz="1800" dirty="0">
+                <a:solidFill>
+                  <a:srgbClr val="0000FF"/>
+                </a:solidFill>
+                <a:latin typeface="Cascadia Mono" panose="020B0609020000020004" pitchFamily="49" charset="0"/>
+              </a:rPr>
+              <a:t>	</a:t>
+            </a:r>
+            <a:r>
+              <a:rPr lang="en-US" sz="1800" dirty="0">
+                <a:solidFill>
+                  <a:srgbClr val="0000FF"/>
+                </a:solidFill>
+                <a:latin typeface="Cascadia Mono" panose="020B0609020000020004" pitchFamily="49" charset="0"/>
+              </a:rPr>
+              <a:t>virtual</a:t>
+            </a:r>
+            <a:r>
+              <a:rPr lang="en-US" sz="1800" dirty="0">
+                <a:solidFill>
+                  <a:srgbClr val="000000"/>
+                </a:solidFill>
+                <a:latin typeface="Cascadia Mono" panose="020B0609020000020004" pitchFamily="49" charset="0"/>
+              </a:rPr>
+              <a:t> </a:t>
+            </a:r>
+            <a:r>
+              <a:rPr lang="en-US" sz="1800" dirty="0">
+                <a:solidFill>
+                  <a:srgbClr val="0000FF"/>
+                </a:solidFill>
+                <a:latin typeface="Cascadia Mono" panose="020B0609020000020004" pitchFamily="49" charset="0"/>
+              </a:rPr>
+              <a:t>void</a:t>
+            </a:r>
+            <a:r>
+              <a:rPr lang="en-US" sz="1800" dirty="0">
+                <a:solidFill>
+                  <a:srgbClr val="000000"/>
+                </a:solidFill>
+                <a:latin typeface="Cascadia Mono" panose="020B0609020000020004" pitchFamily="49" charset="0"/>
+              </a:rPr>
+              <a:t> </a:t>
+            </a:r>
+            <a:r>
+              <a:rPr lang="en-US" sz="1800" dirty="0" err="1">
+                <a:solidFill>
+                  <a:srgbClr val="000000"/>
+                </a:solidFill>
+                <a:latin typeface="Cascadia Mono" panose="020B0609020000020004" pitchFamily="49" charset="0"/>
+              </a:rPr>
+              <a:t>some_virt_func</a:t>
+            </a:r>
+            <a:r>
+              <a:rPr lang="en-US" sz="1800" dirty="0">
+                <a:solidFill>
+                  <a:srgbClr val="000000"/>
+                </a:solidFill>
+                <a:latin typeface="Cascadia Mono" panose="020B0609020000020004" pitchFamily="49" charset="0"/>
+              </a:rPr>
+              <a:t>(</a:t>
+            </a:r>
+            <a:r>
+              <a:rPr lang="en-US" sz="1800" dirty="0">
+                <a:solidFill>
+                  <a:srgbClr val="2B91AF"/>
+                </a:solidFill>
+                <a:latin typeface="Cascadia Mono" panose="020B0609020000020004" pitchFamily="49" charset="0"/>
+              </a:rPr>
+              <a:t>Type2Type</a:t>
+            </a:r>
+            <a:r>
+              <a:rPr lang="en-US" sz="1800" dirty="0">
+                <a:solidFill>
+                  <a:srgbClr val="000000"/>
+                </a:solidFill>
+                <a:latin typeface="Cascadia Mono" panose="020B0609020000020004" pitchFamily="49" charset="0"/>
+              </a:rPr>
+              <a:t>&lt;</a:t>
+            </a:r>
+            <a:r>
+              <a:rPr lang="en-US" sz="1800" dirty="0">
+                <a:solidFill>
+                  <a:srgbClr val="0000FF"/>
+                </a:solidFill>
+                <a:latin typeface="Cascadia Mono" panose="020B0609020000020004" pitchFamily="49" charset="0"/>
+              </a:rPr>
+              <a:t>float</a:t>
+            </a:r>
+            <a:r>
+              <a:rPr lang="en-US" sz="1800" dirty="0">
+                <a:solidFill>
+                  <a:srgbClr val="000000"/>
+                </a:solidFill>
+                <a:latin typeface="Cascadia Mono" panose="020B0609020000020004" pitchFamily="49" charset="0"/>
+              </a:rPr>
+              <a:t>&gt;) = 0;</a:t>
+            </a:r>
+          </a:p>
+          <a:p>
+            <a:r>
+              <a:rPr lang="ru-RU" sz="1800" dirty="0">
+                <a:solidFill>
+                  <a:srgbClr val="0000FF"/>
+                </a:solidFill>
+                <a:latin typeface="Cascadia Mono" panose="020B0609020000020004" pitchFamily="49" charset="0"/>
+              </a:rPr>
+              <a:t>	</a:t>
+            </a:r>
+            <a:r>
+              <a:rPr lang="en-US" sz="1800" dirty="0">
+                <a:solidFill>
+                  <a:srgbClr val="0000FF"/>
+                </a:solidFill>
+                <a:latin typeface="Cascadia Mono" panose="020B0609020000020004" pitchFamily="49" charset="0"/>
+              </a:rPr>
+              <a:t>virtual</a:t>
+            </a:r>
+            <a:r>
+              <a:rPr lang="en-US" sz="1800" dirty="0">
+                <a:solidFill>
+                  <a:srgbClr val="000000"/>
+                </a:solidFill>
+                <a:latin typeface="Cascadia Mono" panose="020B0609020000020004" pitchFamily="49" charset="0"/>
+              </a:rPr>
+              <a:t> </a:t>
+            </a:r>
+            <a:r>
+              <a:rPr lang="en-US" sz="1800" dirty="0">
+                <a:solidFill>
+                  <a:srgbClr val="0000FF"/>
+                </a:solidFill>
+                <a:latin typeface="Cascadia Mono" panose="020B0609020000020004" pitchFamily="49" charset="0"/>
+              </a:rPr>
+              <a:t>void</a:t>
+            </a:r>
+            <a:r>
+              <a:rPr lang="en-US" sz="1800" dirty="0">
+                <a:solidFill>
+                  <a:srgbClr val="000000"/>
+                </a:solidFill>
+                <a:latin typeface="Cascadia Mono" panose="020B0609020000020004" pitchFamily="49" charset="0"/>
+              </a:rPr>
+              <a:t> </a:t>
+            </a:r>
+            <a:r>
+              <a:rPr lang="en-US" sz="1800" dirty="0" err="1">
+                <a:solidFill>
+                  <a:srgbClr val="000000"/>
+                </a:solidFill>
+                <a:latin typeface="Cascadia Mono" panose="020B0609020000020004" pitchFamily="49" charset="0"/>
+              </a:rPr>
+              <a:t>some_virt_func</a:t>
+            </a:r>
+            <a:r>
+              <a:rPr lang="en-US" sz="1800" dirty="0">
+                <a:solidFill>
+                  <a:srgbClr val="000000"/>
+                </a:solidFill>
+                <a:latin typeface="Cascadia Mono" panose="020B0609020000020004" pitchFamily="49" charset="0"/>
+              </a:rPr>
+              <a:t>(</a:t>
+            </a:r>
+            <a:r>
+              <a:rPr lang="en-US" sz="1800" dirty="0">
+                <a:solidFill>
+                  <a:srgbClr val="2B91AF"/>
+                </a:solidFill>
+                <a:latin typeface="Cascadia Mono" panose="020B0609020000020004" pitchFamily="49" charset="0"/>
+              </a:rPr>
+              <a:t>Type2Type</a:t>
+            </a:r>
+            <a:r>
+              <a:rPr lang="en-US" sz="1800" dirty="0">
+                <a:solidFill>
+                  <a:srgbClr val="000000"/>
+                </a:solidFill>
+                <a:latin typeface="Cascadia Mono" panose="020B0609020000020004" pitchFamily="49" charset="0"/>
+              </a:rPr>
+              <a:t>&lt;</a:t>
+            </a:r>
+            <a:r>
+              <a:rPr lang="en-US" sz="1800" dirty="0">
+                <a:solidFill>
+                  <a:srgbClr val="0000FF"/>
+                </a:solidFill>
+                <a:latin typeface="Cascadia Mono" panose="020B0609020000020004" pitchFamily="49" charset="0"/>
+              </a:rPr>
+              <a:t>double</a:t>
+            </a:r>
+            <a:r>
+              <a:rPr lang="en-US" sz="1800" dirty="0">
+                <a:solidFill>
+                  <a:srgbClr val="000000"/>
+                </a:solidFill>
+                <a:latin typeface="Cascadia Mono" panose="020B0609020000020004" pitchFamily="49" charset="0"/>
+              </a:rPr>
+              <a:t>&gt;) = 0;</a:t>
+            </a:r>
+          </a:p>
+          <a:p>
+            <a:r>
+              <a:rPr lang="en-US" sz="1800" dirty="0">
+                <a:solidFill>
+                  <a:srgbClr val="000000"/>
+                </a:solidFill>
+                <a:latin typeface="Cascadia Mono" panose="020B0609020000020004" pitchFamily="49" charset="0"/>
+              </a:rPr>
+              <a:t>};</a:t>
+            </a:r>
+            <a:endParaRPr lang="en-US" dirty="0"/>
+          </a:p>
+        </p:txBody>
+      </p:sp>
+    </p:spTree>
+    <p:extLst>
+      <p:ext uri="{BB962C8B-B14F-4D97-AF65-F5344CB8AC3E}">
+        <p14:creationId xmlns:p14="http://schemas.microsoft.com/office/powerpoint/2010/main" val="2507298378"/>
+      </p:ext>
+    </p:extLst>
+  </p:cSld>
+  <p:clrMapOvr>
+    <a:masterClrMapping/>
+  </p:clrMapOvr>
+</p:sld>
+</file>
+
+<file path=ppt/slides/slide6.xml><?xml version="1.0" encoding="utf-8"?>
+<p:sld xmlns:a="http://schemas.openxmlformats.org/drawingml/2006/main" xmlns:r="http://schemas.openxmlformats.org/officeDocument/2006/relationships" xmlns:p="http://schemas.openxmlformats.org/presentationml/2006/main">
+  <p:cSld>
+    <p:spTree>
+      <p:nvGrpSpPr>
+        <p:cNvPr id="1" name=""/>
+        <p:cNvGrpSpPr/>
+        <p:nvPr/>
+      </p:nvGrpSpPr>
+      <p:grpSpPr>
+        <a:xfrm>
+          <a:off x="0" y="0"/>
+          <a:ext cx="0" cy="0"/>
+          <a:chOff x="0" y="0"/>
+          <a:chExt cx="0" cy="0"/>
+        </a:xfrm>
+      </p:grpSpPr>
+      <p:sp>
+        <p:nvSpPr>
+          <p:cNvPr id="2" name="Title 1">
+            <a:extLst>
+              <a:ext uri="{FF2B5EF4-FFF2-40B4-BE49-F238E27FC236}">
                 <a16:creationId xmlns:a16="http://schemas.microsoft.com/office/drawing/2014/main" id="{C7A8F005-84C5-B202-4AB3-FCE147386C2C}"/>
               </a:ext>
             </a:extLst>
@@ -20793,7 +23301,7 @@
           <a:p>
             <a:fld id="{A18EF1EA-E2A2-4F50-BB23-E89A51CC8F5B}" type="slidenum">
               <a:rPr lang="en-US" smtClean="0"/>
-              <a:t>4</a:t>
+              <a:t>6</a:t>
             </a:fld>
             <a:endParaRPr lang="en-US"/>
           </a:p>
@@ -20812,7 +23320,7 @@
 </p:sld>
 </file>
 
-<file path=ppt/slides/slide5.xml><?xml version="1.0" encoding="utf-8"?>
+<file path=ppt/slides/slide7.xml><?xml version="1.0" encoding="utf-8"?>
 <p:sld xmlns:a="http://schemas.openxmlformats.org/drawingml/2006/main" xmlns:r="http://schemas.openxmlformats.org/officeDocument/2006/relationships" xmlns:p="http://schemas.openxmlformats.org/presentationml/2006/main">
   <p:cSld>
     <p:spTree>
@@ -21549,7 +24057,7 @@
           <a:p>
             <a:fld id="{A18EF1EA-E2A2-4F50-BB23-E89A51CC8F5B}" type="slidenum">
               <a:rPr lang="en-US" smtClean="0"/>
-              <a:t>5</a:t>
+              <a:t>7</a:t>
             </a:fld>
             <a:endParaRPr lang="en-US"/>
           </a:p>
@@ -21568,7 +24076,7 @@
 </p:sld>
 </file>
 
-<file path=ppt/slides/slide6.xml><?xml version="1.0" encoding="utf-8"?>
+<file path=ppt/slides/slide8.xml><?xml version="1.0" encoding="utf-8"?>
 <p:sld xmlns:a="http://schemas.openxmlformats.org/drawingml/2006/main" xmlns:r="http://schemas.openxmlformats.org/officeDocument/2006/relationships" xmlns:p="http://schemas.openxmlformats.org/presentationml/2006/main">
   <p:cSld>
     <p:spTree>
@@ -21918,7 +24426,7 @@
           <a:p>
             <a:fld id="{A18EF1EA-E2A2-4F50-BB23-E89A51CC8F5B}" type="slidenum">
               <a:rPr lang="en-US" smtClean="0"/>
-              <a:t>6</a:t>
+              <a:t>8</a:t>
             </a:fld>
             <a:endParaRPr lang="en-US"/>
           </a:p>
@@ -21937,7 +24445,7 @@
 </p:sld>
 </file>
 
-<file path=ppt/slides/slide7.xml><?xml version="1.0" encoding="utf-8"?>
+<file path=ppt/slides/slide9.xml><?xml version="1.0" encoding="utf-8"?>
 <p:sld xmlns:a="http://schemas.openxmlformats.org/drawingml/2006/main" xmlns:r="http://schemas.openxmlformats.org/officeDocument/2006/relationships" xmlns:p="http://schemas.openxmlformats.org/presentationml/2006/main">
   <p:cSld>
     <p:spTree>
@@ -22366,7 +24874,7 @@
           <a:p>
             <a:fld id="{A18EF1EA-E2A2-4F50-BB23-E89A51CC8F5B}" type="slidenum">
               <a:rPr lang="en-US" smtClean="0"/>
-              <a:t>7</a:t>
+              <a:t>9</a:t>
             </a:fld>
             <a:endParaRPr lang="en-US"/>
           </a:p>
@@ -22376,934 +24884,6 @@
     <p:extLst>
       <p:ext uri="{BB962C8B-B14F-4D97-AF65-F5344CB8AC3E}">
         <p14:creationId xmlns:p14="http://schemas.microsoft.com/office/powerpoint/2010/main" val="3740789233"/>
-      </p:ext>
-    </p:extLst>
-  </p:cSld>
-  <p:clrMapOvr>
-    <a:masterClrMapping/>
-  </p:clrMapOvr>
-</p:sld>
-</file>
-
-<file path=ppt/slides/slide8.xml><?xml version="1.0" encoding="utf-8"?>
-<p:sld xmlns:a="http://schemas.openxmlformats.org/drawingml/2006/main" xmlns:r="http://schemas.openxmlformats.org/officeDocument/2006/relationships" xmlns:p="http://schemas.openxmlformats.org/presentationml/2006/main">
-  <p:cSld>
-    <p:spTree>
-      <p:nvGrpSpPr>
-        <p:cNvPr id="1" name=""/>
-        <p:cNvGrpSpPr/>
-        <p:nvPr/>
-      </p:nvGrpSpPr>
-      <p:grpSpPr>
-        <a:xfrm>
-          <a:off x="0" y="0"/>
-          <a:ext cx="0" cy="0"/>
-          <a:chOff x="0" y="0"/>
-          <a:chExt cx="0" cy="0"/>
-        </a:xfrm>
-      </p:grpSpPr>
-      <p:sp>
-        <p:nvSpPr>
-          <p:cNvPr id="2" name="Title 1">
-            <a:extLst>
-              <a:ext uri="{FF2B5EF4-FFF2-40B4-BE49-F238E27FC236}">
-                <a16:creationId xmlns:a16="http://schemas.microsoft.com/office/drawing/2014/main" id="{FEF3B073-FE39-128D-F577-10151E30B0BE}"/>
-              </a:ext>
-            </a:extLst>
-          </p:cNvPr>
-          <p:cNvSpPr>
-            <a:spLocks noGrp="1"/>
-          </p:cNvSpPr>
-          <p:nvPr>
-            <p:ph type="title"/>
-          </p:nvPr>
-        </p:nvSpPr>
-        <p:spPr/>
-        <p:txBody>
-          <a:bodyPr/>
-          <a:lstStyle/>
-          <a:p>
-            <a:r>
-              <a:rPr lang="en-US" dirty="0" err="1"/>
-              <a:t>GenScatterHierarchy</a:t>
-            </a:r>
-            <a:r>
-              <a:rPr lang="en-US" dirty="0"/>
-              <a:t>: </a:t>
-            </a:r>
-            <a:r>
-              <a:rPr lang="ru-RU" dirty="0" err="1"/>
-              <a:t>оголошення</a:t>
-            </a:r>
-            <a:endParaRPr lang="en-US" dirty="0"/>
-          </a:p>
-        </p:txBody>
-      </p:sp>
-      <p:sp>
-        <p:nvSpPr>
-          <p:cNvPr id="3" name="Content Placeholder 2">
-            <a:extLst>
-              <a:ext uri="{FF2B5EF4-FFF2-40B4-BE49-F238E27FC236}">
-                <a16:creationId xmlns:a16="http://schemas.microsoft.com/office/drawing/2014/main" id="{F8F9AA12-D1FB-AD0B-303F-5EE5B3E872DC}"/>
-              </a:ext>
-            </a:extLst>
-          </p:cNvPr>
-          <p:cNvSpPr>
-            <a:spLocks noGrp="1"/>
-          </p:cNvSpPr>
-          <p:nvPr>
-            <p:ph idx="1"/>
-          </p:nvPr>
-        </p:nvSpPr>
-        <p:spPr>
-          <a:xfrm>
-            <a:off x="2589212" y="2133600"/>
-            <a:ext cx="8915400" cy="1750243"/>
-          </a:xfrm>
-        </p:spPr>
-        <p:txBody>
-          <a:bodyPr>
-            <a:normAutofit fontScale="92500" lnSpcReduction="20000"/>
-          </a:bodyPr>
-          <a:lstStyle/>
-          <a:p>
-            <a:pPr marL="0" indent="0">
-              <a:buNone/>
-            </a:pPr>
-            <a:r>
-              <a:rPr lang="en-US" dirty="0" err="1"/>
-              <a:t>GenScatterHierarchy</a:t>
-            </a:r>
-            <a:r>
-              <a:rPr lang="en-US" dirty="0"/>
-              <a:t> </a:t>
-            </a:r>
-            <a:r>
-              <a:rPr lang="ru-RU" dirty="0"/>
-              <a:t>як </a:t>
-            </a:r>
-            <a:r>
-              <a:rPr lang="ru-RU" dirty="0" err="1"/>
-              <a:t>параметризований</a:t>
-            </a:r>
-            <a:r>
-              <a:rPr lang="ru-RU" dirty="0"/>
-              <a:t> </a:t>
-            </a:r>
-            <a:r>
-              <a:rPr lang="ru-RU" dirty="0" err="1"/>
-              <a:t>клас</a:t>
-            </a:r>
-            <a:r>
-              <a:rPr lang="ru-RU" dirty="0"/>
-              <a:t> </a:t>
-            </a:r>
-            <a:r>
-              <a:rPr lang="ru-RU" dirty="0" err="1"/>
-              <a:t>міститиме</a:t>
-            </a:r>
-            <a:r>
-              <a:rPr lang="ru-RU" dirty="0"/>
-              <a:t> два </a:t>
-            </a:r>
-            <a:r>
-              <a:rPr lang="ru-RU" dirty="0" err="1"/>
-              <a:t>типові</a:t>
-            </a:r>
-            <a:r>
-              <a:rPr lang="ru-RU" dirty="0"/>
-              <a:t> </a:t>
-            </a:r>
-            <a:r>
-              <a:rPr lang="ru-RU" dirty="0" err="1"/>
-              <a:t>параметри</a:t>
-            </a:r>
-            <a:r>
-              <a:rPr lang="ru-RU" dirty="0"/>
-              <a:t>: </a:t>
-            </a:r>
-          </a:p>
-          <a:p>
-            <a:r>
-              <a:rPr lang="ru-RU" dirty="0"/>
-              <a:t>список </a:t>
-            </a:r>
-            <a:r>
-              <a:rPr lang="ru-RU" dirty="0" err="1"/>
-              <a:t>типів</a:t>
-            </a:r>
-            <a:r>
-              <a:rPr lang="ru-RU" dirty="0"/>
-              <a:t>, за </a:t>
-            </a:r>
-            <a:r>
-              <a:rPr lang="ru-RU" dirty="0" err="1"/>
-              <a:t>яким</a:t>
-            </a:r>
-            <a:r>
-              <a:rPr lang="ru-RU" dirty="0"/>
-              <a:t> </a:t>
-            </a:r>
-            <a:r>
-              <a:rPr lang="ru-RU" dirty="0" err="1"/>
-              <a:t>генерується</a:t>
-            </a:r>
-            <a:r>
-              <a:rPr lang="ru-RU" dirty="0"/>
-              <a:t> </a:t>
-            </a:r>
-            <a:r>
-              <a:rPr lang="ru-RU" dirty="0" err="1"/>
-              <a:t>ієрархія</a:t>
-            </a:r>
-            <a:endParaRPr lang="ru-RU" dirty="0"/>
-          </a:p>
-          <a:p>
-            <a:r>
-              <a:rPr lang="ru-RU" dirty="0" err="1"/>
-              <a:t>юніт</a:t>
-            </a:r>
-            <a:r>
-              <a:rPr lang="ru-RU" dirty="0"/>
-              <a:t>, в </a:t>
-            </a:r>
-            <a:r>
-              <a:rPr lang="ru-RU" dirty="0" err="1"/>
-              <a:t>кожен</a:t>
-            </a:r>
-            <a:r>
-              <a:rPr lang="ru-RU" dirty="0"/>
-              <a:t> з </a:t>
-            </a:r>
-            <a:r>
-              <a:rPr lang="ru-RU" dirty="0" err="1"/>
-              <a:t>яких</a:t>
-            </a:r>
-            <a:r>
-              <a:rPr lang="ru-RU" dirty="0"/>
-              <a:t> </a:t>
-            </a:r>
-            <a:r>
-              <a:rPr lang="ru-RU" dirty="0" err="1"/>
-              <a:t>підставиться</a:t>
-            </a:r>
-            <a:r>
-              <a:rPr lang="ru-RU" dirty="0"/>
-              <a:t> </a:t>
-            </a:r>
-            <a:r>
-              <a:rPr lang="ru-RU" dirty="0" err="1"/>
-              <a:t>кожен</a:t>
-            </a:r>
-            <a:r>
-              <a:rPr lang="ru-RU" dirty="0"/>
-              <a:t> тип </a:t>
-            </a:r>
-            <a:r>
-              <a:rPr lang="ru-RU" dirty="0" err="1"/>
-              <a:t>зі</a:t>
-            </a:r>
-            <a:r>
-              <a:rPr lang="ru-RU" dirty="0"/>
-              <a:t> списку</a:t>
-            </a:r>
-          </a:p>
-          <a:p>
-            <a:pPr marL="0" indent="0">
-              <a:buNone/>
-            </a:pPr>
-            <a:r>
-              <a:rPr lang="en-US" dirty="0" err="1"/>
-              <a:t>GenScatterHierarchy</a:t>
-            </a:r>
-            <a:r>
-              <a:rPr lang="en-US" dirty="0"/>
-              <a:t> </a:t>
-            </a:r>
-            <a:r>
-              <a:rPr lang="ru-RU" dirty="0" err="1"/>
-              <a:t>вбере</a:t>
-            </a:r>
-            <a:r>
-              <a:rPr lang="ru-RU" dirty="0"/>
-              <a:t> у себе </a:t>
-            </a:r>
-            <a:r>
-              <a:rPr lang="ru-RU" dirty="0" err="1"/>
-              <a:t>функціональність</a:t>
-            </a:r>
-            <a:r>
-              <a:rPr lang="ru-RU" dirty="0"/>
-              <a:t> кожного </a:t>
-            </a:r>
-            <a:r>
-              <a:rPr lang="ru-RU" dirty="0" err="1"/>
-              <a:t>юніта</a:t>
-            </a:r>
-            <a:r>
-              <a:rPr lang="ru-RU" dirty="0"/>
-              <a:t> шляхом </a:t>
-            </a:r>
-            <a:r>
-              <a:rPr lang="ru-RU" dirty="0" err="1"/>
-              <a:t>наслідування</a:t>
-            </a:r>
-            <a:r>
-              <a:rPr lang="ru-RU" dirty="0"/>
-              <a:t> (</a:t>
-            </a:r>
-            <a:r>
-              <a:rPr lang="ru-RU" dirty="0" err="1"/>
-              <a:t>далі</a:t>
-            </a:r>
-            <a:r>
-              <a:rPr lang="ru-RU" dirty="0"/>
-              <a:t> буде </a:t>
-            </a:r>
-            <a:r>
-              <a:rPr lang="ru-RU" dirty="0" err="1"/>
-              <a:t>діаграма</a:t>
-            </a:r>
-            <a:r>
-              <a:rPr lang="ru-RU" dirty="0"/>
-              <a:t>).</a:t>
-            </a:r>
-            <a:endParaRPr lang="en-US" dirty="0"/>
-          </a:p>
-        </p:txBody>
-      </p:sp>
-      <p:sp>
-        <p:nvSpPr>
-          <p:cNvPr id="5" name="TextBox 4">
-            <a:extLst>
-              <a:ext uri="{FF2B5EF4-FFF2-40B4-BE49-F238E27FC236}">
-                <a16:creationId xmlns:a16="http://schemas.microsoft.com/office/drawing/2014/main" id="{D1F5FE11-EEEC-FF74-1BBE-930DED4E69C0}"/>
-              </a:ext>
-            </a:extLst>
-          </p:cNvPr>
-          <p:cNvSpPr txBox="1"/>
-          <p:nvPr/>
-        </p:nvSpPr>
-        <p:spPr>
-          <a:xfrm>
-            <a:off x="2987896" y="4150945"/>
-            <a:ext cx="8118032" cy="923330"/>
-          </a:xfrm>
-          <a:prstGeom prst="rect">
-            <a:avLst/>
-          </a:prstGeom>
-          <a:noFill/>
-        </p:spPr>
-        <p:txBody>
-          <a:bodyPr wrap="square">
-            <a:spAutoFit/>
-          </a:bodyPr>
-          <a:lstStyle/>
-          <a:p>
-            <a:endParaRPr lang="en-US" sz="1800" dirty="0">
-              <a:solidFill>
-                <a:srgbClr val="000000"/>
-              </a:solidFill>
-              <a:latin typeface="Cascadia Mono" panose="020B0609020000020004" pitchFamily="49" charset="0"/>
-            </a:endParaRPr>
-          </a:p>
-          <a:p>
-            <a:r>
-              <a:rPr lang="en-US" sz="1800" dirty="0">
-                <a:solidFill>
-                  <a:srgbClr val="000000"/>
-                </a:solidFill>
-                <a:latin typeface="Cascadia Mono" panose="020B0609020000020004" pitchFamily="49" charset="0"/>
-              </a:rPr>
-              <a:t>    </a:t>
-            </a:r>
-            <a:r>
-              <a:rPr lang="en-US" sz="1800" dirty="0">
-                <a:solidFill>
-                  <a:srgbClr val="0000FF"/>
-                </a:solidFill>
-                <a:latin typeface="Cascadia Mono" panose="020B0609020000020004" pitchFamily="49" charset="0"/>
-              </a:rPr>
-              <a:t>template</a:t>
-            </a:r>
-            <a:r>
-              <a:rPr lang="en-US" sz="1800" dirty="0">
-                <a:solidFill>
-                  <a:srgbClr val="000000"/>
-                </a:solidFill>
-                <a:latin typeface="Cascadia Mono" panose="020B0609020000020004" pitchFamily="49" charset="0"/>
-              </a:rPr>
-              <a:t> &lt;</a:t>
-            </a:r>
-            <a:r>
-              <a:rPr lang="en-US" sz="1800" dirty="0">
-                <a:solidFill>
-                  <a:srgbClr val="0000FF"/>
-                </a:solidFill>
-                <a:latin typeface="Cascadia Mono" panose="020B0609020000020004" pitchFamily="49" charset="0"/>
-              </a:rPr>
-              <a:t>class</a:t>
-            </a:r>
-            <a:r>
-              <a:rPr lang="en-US" sz="1800" dirty="0">
-                <a:solidFill>
-                  <a:srgbClr val="000000"/>
-                </a:solidFill>
-                <a:latin typeface="Cascadia Mono" panose="020B0609020000020004" pitchFamily="49" charset="0"/>
-              </a:rPr>
-              <a:t> </a:t>
-            </a:r>
-            <a:r>
-              <a:rPr lang="en-US" sz="1800" dirty="0" err="1">
-                <a:solidFill>
-                  <a:srgbClr val="2B91AF"/>
-                </a:solidFill>
-                <a:latin typeface="Cascadia Mono" panose="020B0609020000020004" pitchFamily="49" charset="0"/>
-              </a:rPr>
-              <a:t>TList</a:t>
-            </a:r>
-            <a:r>
-              <a:rPr lang="en-US" sz="1800" dirty="0">
-                <a:solidFill>
-                  <a:srgbClr val="000000"/>
-                </a:solidFill>
-                <a:latin typeface="Cascadia Mono" panose="020B0609020000020004" pitchFamily="49" charset="0"/>
-              </a:rPr>
-              <a:t>, </a:t>
-            </a:r>
-            <a:r>
-              <a:rPr lang="en-US" sz="1800" dirty="0">
-                <a:solidFill>
-                  <a:srgbClr val="0000FF"/>
-                </a:solidFill>
-                <a:latin typeface="Cascadia Mono" panose="020B0609020000020004" pitchFamily="49" charset="0"/>
-              </a:rPr>
-              <a:t>template</a:t>
-            </a:r>
-            <a:r>
-              <a:rPr lang="en-US" sz="1800" dirty="0">
-                <a:solidFill>
-                  <a:srgbClr val="000000"/>
-                </a:solidFill>
-                <a:latin typeface="Cascadia Mono" panose="020B0609020000020004" pitchFamily="49" charset="0"/>
-              </a:rPr>
-              <a:t> &lt;</a:t>
-            </a:r>
-            <a:r>
-              <a:rPr lang="en-US" sz="1800" dirty="0">
-                <a:solidFill>
-                  <a:srgbClr val="0000FF"/>
-                </a:solidFill>
-                <a:latin typeface="Cascadia Mono" panose="020B0609020000020004" pitchFamily="49" charset="0"/>
-              </a:rPr>
-              <a:t>class</a:t>
-            </a:r>
-            <a:r>
-              <a:rPr lang="en-US" sz="1800" dirty="0">
-                <a:solidFill>
-                  <a:srgbClr val="000000"/>
-                </a:solidFill>
-                <a:latin typeface="Cascadia Mono" panose="020B0609020000020004" pitchFamily="49" charset="0"/>
-              </a:rPr>
-              <a:t>&gt; </a:t>
-            </a:r>
-            <a:r>
-              <a:rPr lang="en-US" sz="1800" dirty="0">
-                <a:solidFill>
-                  <a:srgbClr val="0000FF"/>
-                </a:solidFill>
-                <a:latin typeface="Cascadia Mono" panose="020B0609020000020004" pitchFamily="49" charset="0"/>
-              </a:rPr>
-              <a:t>class</a:t>
-            </a:r>
-            <a:r>
-              <a:rPr lang="en-US" sz="1800" dirty="0">
-                <a:solidFill>
-                  <a:srgbClr val="000000"/>
-                </a:solidFill>
-                <a:latin typeface="Cascadia Mono" panose="020B0609020000020004" pitchFamily="49" charset="0"/>
-              </a:rPr>
-              <a:t> </a:t>
-            </a:r>
-            <a:r>
-              <a:rPr lang="en-US" sz="1800" dirty="0">
-                <a:solidFill>
-                  <a:srgbClr val="2B91AF"/>
-                </a:solidFill>
-                <a:latin typeface="Cascadia Mono" panose="020B0609020000020004" pitchFamily="49" charset="0"/>
-              </a:rPr>
-              <a:t>Unit</a:t>
-            </a:r>
-            <a:r>
-              <a:rPr lang="en-US" sz="1800" dirty="0">
-                <a:solidFill>
-                  <a:srgbClr val="000000"/>
-                </a:solidFill>
-                <a:latin typeface="Cascadia Mono" panose="020B0609020000020004" pitchFamily="49" charset="0"/>
-              </a:rPr>
-              <a:t>&gt;</a:t>
-            </a:r>
-          </a:p>
-          <a:p>
-            <a:r>
-              <a:rPr lang="en-US" sz="1800" dirty="0">
-                <a:solidFill>
-                  <a:srgbClr val="000000"/>
-                </a:solidFill>
-                <a:latin typeface="Cascadia Mono" panose="020B0609020000020004" pitchFamily="49" charset="0"/>
-              </a:rPr>
-              <a:t>    </a:t>
-            </a:r>
-            <a:r>
-              <a:rPr lang="en-US" sz="1800" dirty="0">
-                <a:solidFill>
-                  <a:srgbClr val="0000FF"/>
-                </a:solidFill>
-                <a:latin typeface="Cascadia Mono" panose="020B0609020000020004" pitchFamily="49" charset="0"/>
-              </a:rPr>
-              <a:t>class</a:t>
-            </a:r>
-            <a:r>
-              <a:rPr lang="en-US" sz="1800" dirty="0">
-                <a:solidFill>
-                  <a:srgbClr val="000000"/>
-                </a:solidFill>
-                <a:latin typeface="Cascadia Mono" panose="020B0609020000020004" pitchFamily="49" charset="0"/>
-              </a:rPr>
-              <a:t> </a:t>
-            </a:r>
-            <a:r>
-              <a:rPr lang="en-US" sz="1800" dirty="0" err="1">
-                <a:solidFill>
-                  <a:srgbClr val="2B91AF"/>
-                </a:solidFill>
-                <a:latin typeface="Cascadia Mono" panose="020B0609020000020004" pitchFamily="49" charset="0"/>
-              </a:rPr>
-              <a:t>GenScatterHierarchy</a:t>
-            </a:r>
-            <a:r>
-              <a:rPr lang="en-US" sz="1800" dirty="0">
-                <a:solidFill>
-                  <a:srgbClr val="000000"/>
-                </a:solidFill>
-                <a:latin typeface="Cascadia Mono" panose="020B0609020000020004" pitchFamily="49" charset="0"/>
-              </a:rPr>
-              <a:t>;</a:t>
-            </a:r>
-            <a:endParaRPr lang="en-US" dirty="0"/>
-          </a:p>
-        </p:txBody>
-      </p:sp>
-      <p:sp>
-        <p:nvSpPr>
-          <p:cNvPr id="4" name="Slide Number Placeholder 3">
-            <a:extLst>
-              <a:ext uri="{FF2B5EF4-FFF2-40B4-BE49-F238E27FC236}">
-                <a16:creationId xmlns:a16="http://schemas.microsoft.com/office/drawing/2014/main" id="{5A9E32B0-175E-E446-51EB-1289D4DB6FED}"/>
-              </a:ext>
-            </a:extLst>
-          </p:cNvPr>
-          <p:cNvSpPr>
-            <a:spLocks noGrp="1"/>
-          </p:cNvSpPr>
-          <p:nvPr>
-            <p:ph type="sldNum" sz="quarter" idx="12"/>
-          </p:nvPr>
-        </p:nvSpPr>
-        <p:spPr/>
-        <p:txBody>
-          <a:bodyPr/>
-          <a:lstStyle/>
-          <a:p>
-            <a:fld id="{A18EF1EA-E2A2-4F50-BB23-E89A51CC8F5B}" type="slidenum">
-              <a:rPr lang="en-US" smtClean="0"/>
-              <a:t>8</a:t>
-            </a:fld>
-            <a:endParaRPr lang="en-US"/>
-          </a:p>
-        </p:txBody>
-      </p:sp>
-    </p:spTree>
-    <p:extLst>
-      <p:ext uri="{BB962C8B-B14F-4D97-AF65-F5344CB8AC3E}">
-        <p14:creationId xmlns:p14="http://schemas.microsoft.com/office/powerpoint/2010/main" val="3763437758"/>
-      </p:ext>
-    </p:extLst>
-  </p:cSld>
-  <p:clrMapOvr>
-    <a:masterClrMapping/>
-  </p:clrMapOvr>
-</p:sld>
-</file>
-
-<file path=ppt/slides/slide9.xml><?xml version="1.0" encoding="utf-8"?>
-<p:sld xmlns:a="http://schemas.openxmlformats.org/drawingml/2006/main" xmlns:r="http://schemas.openxmlformats.org/officeDocument/2006/relationships" xmlns:p="http://schemas.openxmlformats.org/presentationml/2006/main">
-  <p:cSld>
-    <p:spTree>
-      <p:nvGrpSpPr>
-        <p:cNvPr id="1" name=""/>
-        <p:cNvGrpSpPr/>
-        <p:nvPr/>
-      </p:nvGrpSpPr>
-      <p:grpSpPr>
-        <a:xfrm>
-          <a:off x="0" y="0"/>
-          <a:ext cx="0" cy="0"/>
-          <a:chOff x="0" y="0"/>
-          <a:chExt cx="0" cy="0"/>
-        </a:xfrm>
-      </p:grpSpPr>
-      <p:sp>
-        <p:nvSpPr>
-          <p:cNvPr id="2" name="Заголовок 1">
-            <a:extLst>
-              <a:ext uri="{FF2B5EF4-FFF2-40B4-BE49-F238E27FC236}">
-                <a16:creationId xmlns:a16="http://schemas.microsoft.com/office/drawing/2014/main" id="{79906986-9005-01FE-C17E-878017B60B16}"/>
-              </a:ext>
-            </a:extLst>
-          </p:cNvPr>
-          <p:cNvSpPr>
-            <a:spLocks noGrp="1"/>
-          </p:cNvSpPr>
-          <p:nvPr>
-            <p:ph type="title"/>
-          </p:nvPr>
-        </p:nvSpPr>
-        <p:spPr/>
-        <p:txBody>
-          <a:bodyPr/>
-          <a:lstStyle/>
-          <a:p>
-            <a:r>
-              <a:rPr lang="en-US" dirty="0" err="1"/>
-              <a:t>GenScatterHierarchy</a:t>
-            </a:r>
-            <a:r>
-              <a:rPr lang="ru-RU" dirty="0"/>
-              <a:t>: </a:t>
-            </a:r>
-            <a:r>
-              <a:rPr lang="ru-RU" dirty="0" err="1"/>
-              <a:t>діаграма</a:t>
-            </a:r>
-            <a:endParaRPr lang="ru-UA" dirty="0"/>
-          </a:p>
-        </p:txBody>
-      </p:sp>
-      <p:pic>
-        <p:nvPicPr>
-          <p:cNvPr id="5" name="Місце для вмісту 4">
-            <a:extLst>
-              <a:ext uri="{FF2B5EF4-FFF2-40B4-BE49-F238E27FC236}">
-                <a16:creationId xmlns:a16="http://schemas.microsoft.com/office/drawing/2014/main" id="{BD813341-4B59-E035-A547-4FCDB787D91A}"/>
-              </a:ext>
-            </a:extLst>
-          </p:cNvPr>
-          <p:cNvPicPr>
-            <a:picLocks noGrp="1" noChangeAspect="1"/>
-          </p:cNvPicPr>
-          <p:nvPr>
-            <p:ph idx="1"/>
-          </p:nvPr>
-        </p:nvPicPr>
-        <p:blipFill>
-          <a:blip r:embed="rId2"/>
-          <a:stretch>
-            <a:fillRect/>
-          </a:stretch>
-        </p:blipFill>
-        <p:spPr>
-          <a:xfrm>
-            <a:off x="6264264" y="1905000"/>
-            <a:ext cx="5623231" cy="4593626"/>
-          </a:xfrm>
-        </p:spPr>
-      </p:pic>
-      <p:sp>
-        <p:nvSpPr>
-          <p:cNvPr id="7" name="TextBox 6">
-            <a:extLst>
-              <a:ext uri="{FF2B5EF4-FFF2-40B4-BE49-F238E27FC236}">
-                <a16:creationId xmlns:a16="http://schemas.microsoft.com/office/drawing/2014/main" id="{E2F2B3DF-FA12-69A4-E279-4BBA51EA9877}"/>
-              </a:ext>
-            </a:extLst>
-          </p:cNvPr>
-          <p:cNvSpPr txBox="1"/>
-          <p:nvPr/>
-        </p:nvSpPr>
-        <p:spPr>
-          <a:xfrm>
-            <a:off x="2592924" y="2216654"/>
-            <a:ext cx="3503075" cy="4247317"/>
-          </a:xfrm>
-          <a:prstGeom prst="rect">
-            <a:avLst/>
-          </a:prstGeom>
-          <a:noFill/>
-        </p:spPr>
-        <p:txBody>
-          <a:bodyPr wrap="square">
-            <a:spAutoFit/>
-          </a:bodyPr>
-          <a:lstStyle/>
-          <a:p>
-            <a:r>
-              <a:rPr lang="ru-RU" dirty="0"/>
-              <a:t>Як </a:t>
-            </a:r>
-            <a:r>
-              <a:rPr lang="ru-RU" dirty="0" err="1"/>
-              <a:t>бачимо</a:t>
-            </a:r>
-            <a:r>
-              <a:rPr lang="ru-RU" dirty="0"/>
-              <a:t>, </a:t>
-            </a:r>
-            <a:r>
-              <a:rPr lang="ru-RU" dirty="0" err="1"/>
-              <a:t>кожна</a:t>
-            </a:r>
-            <a:r>
-              <a:rPr lang="ru-RU" dirty="0"/>
-              <a:t> </a:t>
-            </a:r>
-            <a:r>
-              <a:rPr lang="ru-RU" dirty="0" err="1"/>
-              <a:t>конкретизація</a:t>
-            </a:r>
-            <a:r>
-              <a:rPr lang="ru-RU" dirty="0"/>
-              <a:t> </a:t>
-            </a:r>
-            <a:r>
-              <a:rPr lang="en-US" dirty="0" err="1"/>
-              <a:t>GenScatterHierarchy</a:t>
-            </a:r>
-            <a:r>
-              <a:rPr lang="en-US" dirty="0"/>
-              <a:t>, </a:t>
-            </a:r>
-            <a:r>
-              <a:rPr lang="ru-RU" dirty="0"/>
-              <a:t>яка </a:t>
-            </a:r>
-            <a:r>
-              <a:rPr lang="ru-RU" dirty="0" err="1"/>
-              <a:t>знаходиться</a:t>
-            </a:r>
-            <a:r>
-              <a:rPr lang="ru-RU" dirty="0"/>
-              <a:t> </a:t>
-            </a:r>
-            <a:r>
-              <a:rPr lang="ru-RU" dirty="0" err="1"/>
-              <a:t>нижче</a:t>
-            </a:r>
-            <a:r>
-              <a:rPr lang="ru-RU" dirty="0"/>
-              <a:t> по </a:t>
-            </a:r>
-            <a:r>
-              <a:rPr lang="ru-RU" dirty="0" err="1"/>
-              <a:t>ієрархії</a:t>
-            </a:r>
-            <a:r>
-              <a:rPr lang="ru-RU" dirty="0"/>
-              <a:t>, </a:t>
-            </a:r>
-            <a:r>
-              <a:rPr lang="ru-RU" dirty="0" err="1"/>
-              <a:t>вбирає</a:t>
-            </a:r>
-            <a:r>
-              <a:rPr lang="ru-RU" dirty="0"/>
-              <a:t> в себе </a:t>
-            </a:r>
-            <a:r>
-              <a:rPr lang="ru-RU" dirty="0" err="1"/>
-              <a:t>функціонал</a:t>
-            </a:r>
-            <a:r>
-              <a:rPr lang="ru-RU" dirty="0"/>
-              <a:t> </a:t>
-            </a:r>
-            <a:r>
-              <a:rPr lang="ru-RU" dirty="0" err="1"/>
-              <a:t>юнітів</a:t>
-            </a:r>
-            <a:r>
-              <a:rPr lang="ru-RU" dirty="0"/>
-              <a:t>, </a:t>
-            </a:r>
-            <a:r>
-              <a:rPr lang="ru-RU" dirty="0" err="1"/>
-              <a:t>що</a:t>
-            </a:r>
-            <a:r>
-              <a:rPr lang="ru-RU" dirty="0"/>
-              <a:t> лежать </a:t>
-            </a:r>
-            <a:r>
-              <a:rPr lang="ru-RU" dirty="0" err="1"/>
-              <a:t>вище</a:t>
-            </a:r>
-            <a:r>
-              <a:rPr lang="ru-RU" dirty="0"/>
-              <a:t>.</a:t>
-            </a:r>
-          </a:p>
-          <a:p>
-            <a:r>
-              <a:rPr lang="ru-RU" dirty="0" err="1"/>
-              <a:t>Рекурсія</a:t>
-            </a:r>
-            <a:r>
-              <a:rPr lang="ru-RU" dirty="0"/>
-              <a:t> тут </a:t>
-            </a:r>
-            <a:r>
-              <a:rPr lang="ru-RU" dirty="0" err="1"/>
-              <a:t>лише</a:t>
-            </a:r>
-            <a:r>
-              <a:rPr lang="ru-RU" dirty="0"/>
-              <a:t> для </a:t>
-            </a:r>
-            <a:r>
-              <a:rPr lang="ru-RU" dirty="0" err="1"/>
-              <a:t>проходження</a:t>
-            </a:r>
-            <a:r>
-              <a:rPr lang="ru-RU" dirty="0"/>
-              <a:t> по списку </a:t>
-            </a:r>
-            <a:r>
-              <a:rPr lang="ru-RU" dirty="0" err="1"/>
-              <a:t>типів</a:t>
-            </a:r>
-            <a:r>
-              <a:rPr lang="ru-RU" dirty="0"/>
-              <a:t>.</a:t>
-            </a:r>
-          </a:p>
-          <a:p>
-            <a:r>
-              <a:rPr lang="ru-RU" dirty="0" err="1"/>
-              <a:t>Аби</a:t>
-            </a:r>
-            <a:r>
-              <a:rPr lang="ru-RU" dirty="0"/>
-              <a:t> </a:t>
-            </a:r>
-            <a:r>
-              <a:rPr lang="ru-RU" dirty="0" err="1"/>
-              <a:t>досягти</a:t>
-            </a:r>
-            <a:r>
-              <a:rPr lang="ru-RU" dirty="0"/>
-              <a:t> </a:t>
-            </a:r>
-            <a:r>
-              <a:rPr lang="ru-RU" dirty="0" err="1"/>
-              <a:t>такої</a:t>
-            </a:r>
-            <a:r>
-              <a:rPr lang="ru-RU" dirty="0"/>
-              <a:t> </a:t>
-            </a:r>
-            <a:r>
-              <a:rPr lang="ru-RU" dirty="0" err="1"/>
-              <a:t>ієрархії</a:t>
-            </a:r>
-            <a:r>
-              <a:rPr lang="ru-RU" dirty="0"/>
-              <a:t>, </a:t>
-            </a:r>
-            <a:r>
-              <a:rPr lang="ru-RU" dirty="0" err="1"/>
-              <a:t>скористаємося</a:t>
-            </a:r>
-            <a:r>
-              <a:rPr lang="ru-RU" dirty="0"/>
-              <a:t> </a:t>
-            </a:r>
-            <a:r>
-              <a:rPr lang="ru-RU" dirty="0" err="1"/>
-              <a:t>потужними</a:t>
-            </a:r>
-            <a:r>
-              <a:rPr lang="ru-RU" dirty="0"/>
-              <a:t> </a:t>
-            </a:r>
-            <a:r>
-              <a:rPr lang="ru-RU" dirty="0" err="1"/>
-              <a:t>можливостями</a:t>
-            </a:r>
-            <a:r>
-              <a:rPr lang="ru-RU" dirty="0"/>
-              <a:t> </a:t>
-            </a:r>
-            <a:r>
-              <a:rPr lang="ru-RU" dirty="0" err="1"/>
-              <a:t>узагальненого</a:t>
-            </a:r>
-            <a:r>
-              <a:rPr lang="ru-RU" dirty="0"/>
-              <a:t> </a:t>
-            </a:r>
-            <a:r>
-              <a:rPr lang="ru-RU" dirty="0" err="1"/>
-              <a:t>програмування</a:t>
-            </a:r>
-            <a:r>
-              <a:rPr lang="ru-RU" dirty="0"/>
-              <a:t> на </a:t>
-            </a:r>
-            <a:r>
-              <a:rPr lang="ru-RU" dirty="0" err="1"/>
-              <a:t>мові</a:t>
-            </a:r>
-            <a:r>
-              <a:rPr lang="ru-RU" dirty="0"/>
-              <a:t> С++.</a:t>
-            </a:r>
-            <a:endParaRPr lang="en-US" dirty="0"/>
-          </a:p>
-        </p:txBody>
-      </p:sp>
-      <p:sp>
-        <p:nvSpPr>
-          <p:cNvPr id="3" name="Slide Number Placeholder 2">
-            <a:extLst>
-              <a:ext uri="{FF2B5EF4-FFF2-40B4-BE49-F238E27FC236}">
-                <a16:creationId xmlns:a16="http://schemas.microsoft.com/office/drawing/2014/main" id="{CB594AFD-5C21-D89B-0AC3-20136D679C97}"/>
-              </a:ext>
-            </a:extLst>
-          </p:cNvPr>
-          <p:cNvSpPr>
-            <a:spLocks noGrp="1"/>
-          </p:cNvSpPr>
-          <p:nvPr>
-            <p:ph type="sldNum" sz="quarter" idx="12"/>
-          </p:nvPr>
-        </p:nvSpPr>
-        <p:spPr/>
-        <p:txBody>
-          <a:bodyPr/>
-          <a:lstStyle/>
-          <a:p>
-            <a:fld id="{A18EF1EA-E2A2-4F50-BB23-E89A51CC8F5B}" type="slidenum">
-              <a:rPr lang="en-US" smtClean="0"/>
-              <a:t>9</a:t>
-            </a:fld>
-            <a:endParaRPr lang="en-US"/>
-          </a:p>
-        </p:txBody>
-      </p:sp>
-    </p:spTree>
-    <p:extLst>
-      <p:ext uri="{BB962C8B-B14F-4D97-AF65-F5344CB8AC3E}">
-        <p14:creationId xmlns:p14="http://schemas.microsoft.com/office/powerpoint/2010/main" val="3705525984"/>
       </p:ext>
     </p:extLst>
   </p:cSld>
